--- a/presentations/01_transfer_intro.pptx
+++ b/presentations/01_transfer_intro.pptx
@@ -5,7 +5,7 @@
     <p:sldMasterId id="2147483648" r:id="rId1"/>
   </p:sldMasterIdLst>
   <p:notesMasterIdLst>
-    <p:notesMasterId r:id="rId22"/>
+    <p:notesMasterId r:id="rId21"/>
   </p:notesMasterIdLst>
   <p:sldIdLst>
     <p:sldId id="326" r:id="rId2"/>
@@ -27,7 +27,6 @@
     <p:sldId id="341" r:id="rId18"/>
     <p:sldId id="345" r:id="rId19"/>
     <p:sldId id="335" r:id="rId20"/>
-    <p:sldId id="343" r:id="rId21"/>
   </p:sldIdLst>
   <p:sldSz cx="12192000" cy="6858000"/>
   <p:notesSz cx="6858000" cy="9144000"/>
@@ -227,7 +226,7 @@
           <a:p>
             <a:fld id="{FD93C9B2-20F6-4DB1-B471-224337D0AC79}" type="datetimeFigureOut">
               <a:rPr lang="en-US" smtClean="0"/>
-              <a:t>2/21/2022</a:t>
+              <a:t>5/26/2022</a:t>
             </a:fld>
             <a:endParaRPr lang="en-US"/>
           </a:p>
@@ -1772,102 +1771,6 @@
 </p:notes>
 </file>
 
-<file path=ppt/notesSlides/notesSlide20.xml><?xml version="1.0" encoding="utf-8"?>
-<p:notes xmlns:a="http://schemas.openxmlformats.org/drawingml/2006/main" xmlns:r="http://schemas.openxmlformats.org/officeDocument/2006/relationships" xmlns:p="http://schemas.openxmlformats.org/presentationml/2006/main">
-  <p:cSld>
-    <p:spTree>
-      <p:nvGrpSpPr>
-        <p:cNvPr id="1" name=""/>
-        <p:cNvGrpSpPr/>
-        <p:nvPr/>
-      </p:nvGrpSpPr>
-      <p:grpSpPr>
-        <a:xfrm>
-          <a:off x="0" y="0"/>
-          <a:ext cx="0" cy="0"/>
-          <a:chOff x="0" y="0"/>
-          <a:chExt cx="0" cy="0"/>
-        </a:xfrm>
-      </p:grpSpPr>
-      <p:sp>
-        <p:nvSpPr>
-          <p:cNvPr id="2" name="Slide Image Placeholder 1"/>
-          <p:cNvSpPr>
-            <a:spLocks noGrp="1" noRot="1" noChangeAspect="1"/>
-          </p:cNvSpPr>
-          <p:nvPr>
-            <p:ph type="sldImg"/>
-          </p:nvPr>
-        </p:nvSpPr>
-        <p:spPr/>
-      </p:sp>
-      <p:sp>
-        <p:nvSpPr>
-          <p:cNvPr id="3" name="Notes Placeholder 2"/>
-          <p:cNvSpPr>
-            <a:spLocks noGrp="1"/>
-          </p:cNvSpPr>
-          <p:nvPr>
-            <p:ph type="body" idx="1"/>
-          </p:nvPr>
-        </p:nvSpPr>
-        <p:spPr/>
-        <p:txBody>
-          <a:bodyPr/>
-          <a:lstStyle/>
-          <a:p>
-            <a:pPr marL="0" indent="0" algn="l">
-              <a:buNone/>
-            </a:pPr>
-            <a:r>
-              <a:rPr lang="en-US" dirty="0"/>
-              <a:t>Transfer learning visual.</a:t>
-            </a:r>
-          </a:p>
-          <a:p>
-            <a:pPr marL="0" indent="0" algn="l">
-              <a:buNone/>
-            </a:pPr>
-            <a:endParaRPr lang="en-US" dirty="0"/>
-          </a:p>
-        </p:txBody>
-      </p:sp>
-      <p:sp>
-        <p:nvSpPr>
-          <p:cNvPr id="4" name="Slide Number Placeholder 3"/>
-          <p:cNvSpPr>
-            <a:spLocks noGrp="1"/>
-          </p:cNvSpPr>
-          <p:nvPr>
-            <p:ph type="sldNum" sz="quarter" idx="5"/>
-          </p:nvPr>
-        </p:nvSpPr>
-        <p:spPr/>
-        <p:txBody>
-          <a:bodyPr/>
-          <a:lstStyle/>
-          <a:p>
-            <a:fld id="{3148858F-F1DB-4027-9C85-CCA6849540DD}" type="slidenum">
-              <a:rPr lang="en-US" smtClean="0"/>
-              <a:t>20</a:t>
-            </a:fld>
-            <a:endParaRPr lang="en-US"/>
-          </a:p>
-        </p:txBody>
-      </p:sp>
-    </p:spTree>
-    <p:extLst>
-      <p:ext uri="{BB962C8B-B14F-4D97-AF65-F5344CB8AC3E}">
-        <p14:creationId xmlns:p14="http://schemas.microsoft.com/office/powerpoint/2010/main" val="2082484386"/>
-      </p:ext>
-    </p:extLst>
-  </p:cSld>
-  <p:clrMapOvr>
-    <a:masterClrMapping/>
-  </p:clrMapOvr>
-</p:notes>
-</file>
-
 <file path=ppt/notesSlides/notesSlide3.xml><?xml version="1.0" encoding="utf-8"?>
 <p:notes xmlns:a="http://schemas.openxmlformats.org/drawingml/2006/main" xmlns:r="http://schemas.openxmlformats.org/officeDocument/2006/relationships" xmlns:p="http://schemas.openxmlformats.org/presentationml/2006/main">
   <p:cSld>
@@ -2936,7 +2839,7 @@
           <a:p>
             <a:fld id="{C3F78080-8D0A-4BE8-A5B4-CB115102D524}" type="datetimeFigureOut">
               <a:rPr lang="en-US" smtClean="0"/>
-              <a:t>2/21/2022</a:t>
+              <a:t>5/26/2022</a:t>
             </a:fld>
             <a:endParaRPr lang="en-US"/>
           </a:p>
@@ -3134,7 +3037,7 @@
           <a:p>
             <a:fld id="{C3F78080-8D0A-4BE8-A5B4-CB115102D524}" type="datetimeFigureOut">
               <a:rPr lang="en-US" smtClean="0"/>
-              <a:t>2/21/2022</a:t>
+              <a:t>5/26/2022</a:t>
             </a:fld>
             <a:endParaRPr lang="en-US"/>
           </a:p>
@@ -3342,7 +3245,7 @@
           <a:p>
             <a:fld id="{C3F78080-8D0A-4BE8-A5B4-CB115102D524}" type="datetimeFigureOut">
               <a:rPr lang="en-US" smtClean="0"/>
-              <a:t>2/21/2022</a:t>
+              <a:t>5/26/2022</a:t>
             </a:fld>
             <a:endParaRPr lang="en-US"/>
           </a:p>
@@ -3540,7 +3443,7 @@
           <a:p>
             <a:fld id="{C3F78080-8D0A-4BE8-A5B4-CB115102D524}" type="datetimeFigureOut">
               <a:rPr lang="en-US" smtClean="0"/>
-              <a:t>2/21/2022</a:t>
+              <a:t>5/26/2022</a:t>
             </a:fld>
             <a:endParaRPr lang="en-US"/>
           </a:p>
@@ -3815,7 +3718,7 @@
           <a:p>
             <a:fld id="{C3F78080-8D0A-4BE8-A5B4-CB115102D524}" type="datetimeFigureOut">
               <a:rPr lang="en-US" smtClean="0"/>
-              <a:t>2/21/2022</a:t>
+              <a:t>5/26/2022</a:t>
             </a:fld>
             <a:endParaRPr lang="en-US"/>
           </a:p>
@@ -4080,7 +3983,7 @@
           <a:p>
             <a:fld id="{C3F78080-8D0A-4BE8-A5B4-CB115102D524}" type="datetimeFigureOut">
               <a:rPr lang="en-US" smtClean="0"/>
-              <a:t>2/21/2022</a:t>
+              <a:t>5/26/2022</a:t>
             </a:fld>
             <a:endParaRPr lang="en-US"/>
           </a:p>
@@ -4492,7 +4395,7 @@
           <a:p>
             <a:fld id="{C3F78080-8D0A-4BE8-A5B4-CB115102D524}" type="datetimeFigureOut">
               <a:rPr lang="en-US" smtClean="0"/>
-              <a:t>2/21/2022</a:t>
+              <a:t>5/26/2022</a:t>
             </a:fld>
             <a:endParaRPr lang="en-US"/>
           </a:p>
@@ -4633,7 +4536,7 @@
           <a:p>
             <a:fld id="{C3F78080-8D0A-4BE8-A5B4-CB115102D524}" type="datetimeFigureOut">
               <a:rPr lang="en-US" smtClean="0"/>
-              <a:t>2/21/2022</a:t>
+              <a:t>5/26/2022</a:t>
             </a:fld>
             <a:endParaRPr lang="en-US"/>
           </a:p>
@@ -4746,7 +4649,7 @@
           <a:p>
             <a:fld id="{C3F78080-8D0A-4BE8-A5B4-CB115102D524}" type="datetimeFigureOut">
               <a:rPr lang="en-US" smtClean="0"/>
-              <a:t>2/21/2022</a:t>
+              <a:t>5/26/2022</a:t>
             </a:fld>
             <a:endParaRPr lang="en-US"/>
           </a:p>
@@ -5057,7 +4960,7 @@
           <a:p>
             <a:fld id="{C3F78080-8D0A-4BE8-A5B4-CB115102D524}" type="datetimeFigureOut">
               <a:rPr lang="en-US" smtClean="0"/>
-              <a:t>2/21/2022</a:t>
+              <a:t>5/26/2022</a:t>
             </a:fld>
             <a:endParaRPr lang="en-US"/>
           </a:p>
@@ -5345,7 +5248,7 @@
           <a:p>
             <a:fld id="{C3F78080-8D0A-4BE8-A5B4-CB115102D524}" type="datetimeFigureOut">
               <a:rPr lang="en-US" smtClean="0"/>
-              <a:t>2/21/2022</a:t>
+              <a:t>5/26/2022</a:t>
             </a:fld>
             <a:endParaRPr lang="en-US"/>
           </a:p>
@@ -5586,7 +5489,7 @@
           <a:p>
             <a:fld id="{C3F78080-8D0A-4BE8-A5B4-CB115102D524}" type="datetimeFigureOut">
               <a:rPr lang="en-US" smtClean="0"/>
-              <a:t>2/21/2022</a:t>
+              <a:t>5/26/2022</a:t>
             </a:fld>
             <a:endParaRPr lang="en-US"/>
           </a:p>
@@ -6238,30 +6141,29 @@
       </p:pic>
       <p:sp>
         <p:nvSpPr>
-          <p:cNvPr id="7" name="Title 1">
-            <a:extLst>
-              <a:ext uri="{FF2B5EF4-FFF2-40B4-BE49-F238E27FC236}">
-                <a16:creationId xmlns:a16="http://schemas.microsoft.com/office/drawing/2014/main" id="{C32C41B2-E725-465A-9365-234028BBB37D}"/>
-              </a:ext>
-            </a:extLst>
-          </p:cNvPr>
-          <p:cNvSpPr>
-            <a:spLocks noGrp="1"/>
-          </p:cNvSpPr>
-          <p:nvPr>
-            <p:ph type="title"/>
-          </p:nvPr>
+          <p:cNvPr id="4" name="TextBox 3">
+            <a:extLst>
+              <a:ext uri="{FF2B5EF4-FFF2-40B4-BE49-F238E27FC236}">
+                <a16:creationId xmlns:a16="http://schemas.microsoft.com/office/drawing/2014/main" id="{E5B866A1-DCAF-4E6B-BCCB-0CE14529234E}"/>
+              </a:ext>
+            </a:extLst>
+          </p:cNvPr>
+          <p:cNvSpPr txBox="1"/>
+          <p:nvPr/>
         </p:nvSpPr>
         <p:spPr>
           <a:xfrm>
-            <a:off x="0" y="3125528"/>
-            <a:ext cx="12192000" cy="606943"/>
+            <a:off x="0" y="3291840"/>
+            <a:ext cx="12192000" cy="1200329"/>
           </a:xfrm>
+          <a:prstGeom prst="rect">
+            <a:avLst/>
+          </a:prstGeom>
           <a:noFill/>
         </p:spPr>
         <p:txBody>
-          <a:bodyPr>
-            <a:noAutofit/>
+          <a:bodyPr wrap="square" rtlCol="0">
+            <a:spAutoFit/>
           </a:bodyPr>
           <a:lstStyle/>
           <a:p>
@@ -6276,18 +6178,24 @@
                 </a:solidFill>
                 <a:latin typeface="Palatino Linotype" panose="02040502050505030304" pitchFamily="18" charset="0"/>
               </a:rPr>
-              <a:t>     3.5 (Transfer Learning)</a:t>
-            </a:r>
-            <a:endParaRPr lang="en-US" sz="3600" dirty="0">
-              <a:solidFill>
-                <a:schemeClr val="tx1">
-                  <a:lumMod val="65000"/>
-                  <a:lumOff val="35000"/>
-                </a:schemeClr>
-              </a:solidFill>
-              <a:latin typeface="Palatino Linotype" panose="02040502050505030304" pitchFamily="18" charset="0"/>
-              <a:cs typeface="Segoe UI Light" panose="020B0502040204020203" pitchFamily="34" charset="0"/>
-            </a:endParaRPr>
+              <a:t>Transfer Learning Introduction</a:t>
+            </a:r>
+          </a:p>
+          <a:p>
+            <a:pPr algn="ctr"/>
+            <a:r>
+              <a:rPr lang="en-US" sz="3600" dirty="0">
+                <a:solidFill>
+                  <a:schemeClr val="tx1">
+                    <a:lumMod val="65000"/>
+                    <a:lumOff val="35000"/>
+                  </a:schemeClr>
+                </a:solidFill>
+                <a:latin typeface="Palatino Linotype" panose="02040502050505030304" pitchFamily="18" charset="0"/>
+              </a:rPr>
+              <a:t>01.1_transfer.ipynb</a:t>
+            </a:r>
+            <a:endParaRPr lang="en-US" sz="3600" dirty="0"/>
           </a:p>
         </p:txBody>
       </p:sp>
@@ -8130,30 +8038,29 @@
       </p:pic>
       <p:sp>
         <p:nvSpPr>
-          <p:cNvPr id="7" name="Title 1">
-            <a:extLst>
-              <a:ext uri="{FF2B5EF4-FFF2-40B4-BE49-F238E27FC236}">
-                <a16:creationId xmlns:a16="http://schemas.microsoft.com/office/drawing/2014/main" id="{C32C41B2-E725-465A-9365-234028BBB37D}"/>
-              </a:ext>
-            </a:extLst>
-          </p:cNvPr>
-          <p:cNvSpPr>
-            <a:spLocks noGrp="1"/>
-          </p:cNvSpPr>
-          <p:nvPr>
-            <p:ph type="title"/>
-          </p:nvPr>
+          <p:cNvPr id="4" name="TextBox 3">
+            <a:extLst>
+              <a:ext uri="{FF2B5EF4-FFF2-40B4-BE49-F238E27FC236}">
+                <a16:creationId xmlns:a16="http://schemas.microsoft.com/office/drawing/2014/main" id="{D80C2300-C072-4EDD-91B9-F3EBA464EDE2}"/>
+              </a:ext>
+            </a:extLst>
+          </p:cNvPr>
+          <p:cNvSpPr txBox="1"/>
+          <p:nvPr/>
         </p:nvSpPr>
         <p:spPr>
           <a:xfrm>
-            <a:off x="0" y="3125528"/>
-            <a:ext cx="12192000" cy="606943"/>
+            <a:off x="0" y="3291840"/>
+            <a:ext cx="12192000" cy="1200329"/>
           </a:xfrm>
+          <a:prstGeom prst="rect">
+            <a:avLst/>
+          </a:prstGeom>
           <a:noFill/>
         </p:spPr>
         <p:txBody>
-          <a:bodyPr>
-            <a:noAutofit/>
+          <a:bodyPr wrap="square" rtlCol="0">
+            <a:spAutoFit/>
           </a:bodyPr>
           <a:lstStyle/>
           <a:p>
@@ -8168,18 +8075,24 @@
                 </a:solidFill>
                 <a:latin typeface="Palatino Linotype" panose="02040502050505030304" pitchFamily="18" charset="0"/>
               </a:rPr>
-              <a:t>     3.6 (Fine-Tuning)</a:t>
-            </a:r>
-            <a:endParaRPr lang="en-US" sz="3600" dirty="0">
-              <a:solidFill>
-                <a:schemeClr val="tx1">
-                  <a:lumMod val="65000"/>
-                  <a:lumOff val="35000"/>
-                </a:schemeClr>
-              </a:solidFill>
-              <a:latin typeface="Palatino Linotype" panose="02040502050505030304" pitchFamily="18" charset="0"/>
-              <a:cs typeface="Segoe UI Light" panose="020B0502040204020203" pitchFamily="34" charset="0"/>
-            </a:endParaRPr>
+              <a:t>Transfer Learning (Fine Tuning)</a:t>
+            </a:r>
+          </a:p>
+          <a:p>
+            <a:pPr algn="ctr"/>
+            <a:r>
+              <a:rPr lang="en-US" sz="3600" dirty="0">
+                <a:solidFill>
+                  <a:schemeClr val="tx1">
+                    <a:lumMod val="65000"/>
+                    <a:lumOff val="35000"/>
+                  </a:schemeClr>
+                </a:solidFill>
+                <a:latin typeface="Palatino Linotype" panose="02040502050505030304" pitchFamily="18" charset="0"/>
+              </a:rPr>
+              <a:t>01.2_fine_tune.ipynb</a:t>
+            </a:r>
+            <a:endParaRPr lang="en-US" sz="3600" dirty="0"/>
           </a:p>
         </p:txBody>
       </p:sp>
@@ -8257,30 +8170,29 @@
       </p:pic>
       <p:sp>
         <p:nvSpPr>
-          <p:cNvPr id="8" name="Title 1">
-            <a:extLst>
-              <a:ext uri="{FF2B5EF4-FFF2-40B4-BE49-F238E27FC236}">
-                <a16:creationId xmlns:a16="http://schemas.microsoft.com/office/drawing/2014/main" id="{6F128DD7-C643-44B7-803E-11F67E24E0DE}"/>
-              </a:ext>
-            </a:extLst>
-          </p:cNvPr>
-          <p:cNvSpPr>
-            <a:spLocks noGrp="1"/>
-          </p:cNvSpPr>
-          <p:nvPr>
-            <p:ph type="title"/>
-          </p:nvPr>
+          <p:cNvPr id="5" name="TextBox 4">
+            <a:extLst>
+              <a:ext uri="{FF2B5EF4-FFF2-40B4-BE49-F238E27FC236}">
+                <a16:creationId xmlns:a16="http://schemas.microsoft.com/office/drawing/2014/main" id="{59236FF4-4410-464C-9719-3F638D85F8E3}"/>
+              </a:ext>
+            </a:extLst>
+          </p:cNvPr>
+          <p:cNvSpPr txBox="1"/>
+          <p:nvPr/>
         </p:nvSpPr>
         <p:spPr>
           <a:xfrm>
-            <a:off x="0" y="2957422"/>
-            <a:ext cx="12192000" cy="685982"/>
+            <a:off x="0" y="3291840"/>
+            <a:ext cx="12192000" cy="1200329"/>
           </a:xfrm>
+          <a:prstGeom prst="rect">
+            <a:avLst/>
+          </a:prstGeom>
           <a:noFill/>
         </p:spPr>
         <p:txBody>
-          <a:bodyPr>
-            <a:noAutofit/>
+          <a:bodyPr wrap="square" rtlCol="0">
+            <a:spAutoFit/>
           </a:bodyPr>
           <a:lstStyle/>
           <a:p>
@@ -8295,18 +8207,24 @@
                 </a:solidFill>
                 <a:latin typeface="Palatino Linotype" panose="02040502050505030304" pitchFamily="18" charset="0"/>
               </a:rPr>
-              <a:t>Activity 3.02 (Fruit Classification w/Transfer Learning)</a:t>
-            </a:r>
-            <a:endParaRPr lang="en-US" sz="3600" dirty="0">
-              <a:solidFill>
-                <a:schemeClr val="tx1">
-                  <a:lumMod val="65000"/>
-                  <a:lumOff val="35000"/>
-                </a:schemeClr>
-              </a:solidFill>
-              <a:latin typeface="Palatino Linotype" panose="02040502050505030304" pitchFamily="18" charset="0"/>
-              <a:cs typeface="Segoe UI Light" panose="020B0502040204020203" pitchFamily="34" charset="0"/>
-            </a:endParaRPr>
+              <a:t>Transfer Learning (Fruit Classification)</a:t>
+            </a:r>
+          </a:p>
+          <a:p>
+            <a:pPr algn="ctr"/>
+            <a:r>
+              <a:rPr lang="en-US" sz="3600" dirty="0">
+                <a:solidFill>
+                  <a:schemeClr val="tx1">
+                    <a:lumMod val="65000"/>
+                    <a:lumOff val="35000"/>
+                  </a:schemeClr>
+                </a:solidFill>
+                <a:latin typeface="Palatino Linotype" panose="02040502050505030304" pitchFamily="18" charset="0"/>
+              </a:rPr>
+              <a:t>01.3_fruit_class.ipynb</a:t>
+            </a:r>
+            <a:endParaRPr lang="en-US" sz="3600" dirty="0"/>
           </a:p>
         </p:txBody>
       </p:sp>
@@ -8478,203 +8396,6 @@
     <p:extLst>
       <p:ext uri="{BB962C8B-B14F-4D97-AF65-F5344CB8AC3E}">
         <p14:creationId xmlns:p14="http://schemas.microsoft.com/office/powerpoint/2010/main" val="264863391"/>
-      </p:ext>
-    </p:extLst>
-  </p:cSld>
-  <p:clrMapOvr>
-    <a:masterClrMapping/>
-  </p:clrMapOvr>
-  <mc:AlternateContent xmlns:mc="http://schemas.openxmlformats.org/markup-compatibility/2006" xmlns:p14="http://schemas.microsoft.com/office/powerpoint/2010/main">
-    <mc:Choice Requires="p14">
-      <p:transition spd="med" p14:dur="700">
-        <p:fade/>
-      </p:transition>
-    </mc:Choice>
-    <mc:Fallback xmlns="">
-      <p:transition spd="med">
-        <p:fade/>
-      </p:transition>
-    </mc:Fallback>
-  </mc:AlternateContent>
-</p:sld>
-</file>
-
-<file path=ppt/slides/slide20.xml><?xml version="1.0" encoding="utf-8"?>
-<p:sld xmlns:a="http://schemas.openxmlformats.org/drawingml/2006/main" xmlns:r="http://schemas.openxmlformats.org/officeDocument/2006/relationships" xmlns:p="http://schemas.openxmlformats.org/presentationml/2006/main">
-  <p:cSld>
-    <p:spTree>
-      <p:nvGrpSpPr>
-        <p:cNvPr id="1" name=""/>
-        <p:cNvGrpSpPr/>
-        <p:nvPr/>
-      </p:nvGrpSpPr>
-      <p:grpSpPr>
-        <a:xfrm>
-          <a:off x="0" y="0"/>
-          <a:ext cx="0" cy="0"/>
-          <a:chOff x="0" y="0"/>
-          <a:chExt cx="0" cy="0"/>
-        </a:xfrm>
-      </p:grpSpPr>
-      <p:pic>
-        <p:nvPicPr>
-          <p:cNvPr id="1026" name="Picture 2">
-            <a:extLst>
-              <a:ext uri="{FF2B5EF4-FFF2-40B4-BE49-F238E27FC236}">
-                <a16:creationId xmlns:a16="http://schemas.microsoft.com/office/drawing/2014/main" id="{5D0411FB-DA52-4092-A8BD-0C16213E1FCF}"/>
-              </a:ext>
-            </a:extLst>
-          </p:cNvPr>
-          <p:cNvPicPr>
-            <a:picLocks noChangeAspect="1" noChangeArrowheads="1"/>
-          </p:cNvPicPr>
-          <p:nvPr/>
-        </p:nvPicPr>
-        <p:blipFill>
-          <a:blip r:embed="rId3">
-            <a:extLst>
-              <a:ext uri="{28A0092B-C50C-407E-A947-70E740481C1C}">
-                <a14:useLocalDpi xmlns:a14="http://schemas.microsoft.com/office/drawing/2010/main" val="0"/>
-              </a:ext>
-            </a:extLst>
-          </a:blip>
-          <a:srcRect/>
-          <a:stretch>
-            <a:fillRect/>
-          </a:stretch>
-        </p:blipFill>
-        <p:spPr bwMode="auto">
-          <a:xfrm>
-            <a:off x="1995487" y="189008"/>
-            <a:ext cx="8201025" cy="5934075"/>
-          </a:xfrm>
-          <a:prstGeom prst="rect">
-            <a:avLst/>
-          </a:prstGeom>
-          <a:noFill/>
-          <a:extLst>
-            <a:ext uri="{909E8E84-426E-40DD-AFC4-6F175D3DCCD1}">
-              <a14:hiddenFill xmlns:a14="http://schemas.microsoft.com/office/drawing/2010/main">
-                <a:solidFill>
-                  <a:srgbClr val="FFFFFF"/>
-                </a:solidFill>
-              </a14:hiddenFill>
-            </a:ext>
-          </a:extLst>
-        </p:spPr>
-      </p:pic>
-      <p:sp>
-        <p:nvSpPr>
-          <p:cNvPr id="5" name="TextBox 4">
-            <a:extLst>
-              <a:ext uri="{FF2B5EF4-FFF2-40B4-BE49-F238E27FC236}">
-                <a16:creationId xmlns:a16="http://schemas.microsoft.com/office/drawing/2014/main" id="{704F704F-30F7-40EA-AC96-87B3164ABC63}"/>
-              </a:ext>
-            </a:extLst>
-          </p:cNvPr>
-          <p:cNvSpPr txBox="1"/>
-          <p:nvPr/>
-        </p:nvSpPr>
-        <p:spPr>
-          <a:xfrm>
-            <a:off x="0" y="6550223"/>
-            <a:ext cx="12192000" cy="307777"/>
-          </a:xfrm>
-          <a:prstGeom prst="rect">
-            <a:avLst/>
-          </a:prstGeom>
-          <a:noFill/>
-        </p:spPr>
-        <p:txBody>
-          <a:bodyPr wrap="square" rtlCol="0">
-            <a:spAutoFit/>
-          </a:bodyPr>
-          <a:lstStyle/>
-          <a:p>
-            <a:r>
-              <a:rPr lang="en-US" sz="1400" dirty="0">
-                <a:solidFill>
-                  <a:schemeClr val="tx1">
-                    <a:lumMod val="65000"/>
-                    <a:lumOff val="35000"/>
-                  </a:schemeClr>
-                </a:solidFill>
-                <a:latin typeface="+mj-lt"/>
-                <a:ea typeface="Verdana" panose="020B0604030504040204" pitchFamily="34" charset="0"/>
-              </a:rPr>
-              <a:t>Source: Sarkar, D, et al. (2018). </a:t>
-            </a:r>
-            <a:r>
-              <a:rPr lang="en-US" sz="1400" i="1" dirty="0">
-                <a:solidFill>
-                  <a:schemeClr val="tx1">
-                    <a:lumMod val="65000"/>
-                    <a:lumOff val="35000"/>
-                  </a:schemeClr>
-                </a:solidFill>
-                <a:latin typeface="+mj-lt"/>
-                <a:ea typeface="Verdana" panose="020B0604030504040204" pitchFamily="34" charset="0"/>
-              </a:rPr>
-              <a:t>Hands-on transfer learning with Python. </a:t>
-            </a:r>
-            <a:r>
-              <a:rPr lang="en-US" sz="1400" b="0" i="0" dirty="0">
-                <a:solidFill>
-                  <a:schemeClr val="tx1">
-                    <a:lumMod val="65000"/>
-                    <a:lumOff val="35000"/>
-                  </a:schemeClr>
-                </a:solidFill>
-                <a:effectLst/>
-                <a:latin typeface="+mj-lt"/>
-                <a:ea typeface="Verdana" panose="020B0604030504040204" pitchFamily="34" charset="0"/>
-              </a:rPr>
-              <a:t>Birmingham, UK: Packt Publishing. (Chapter </a:t>
-            </a:r>
-            <a:r>
-              <a:rPr lang="en-US" sz="1400" dirty="0">
-                <a:solidFill>
-                  <a:schemeClr val="tx1">
-                    <a:lumMod val="65000"/>
-                    <a:lumOff val="35000"/>
-                  </a:schemeClr>
-                </a:solidFill>
-                <a:latin typeface="+mj-lt"/>
-                <a:ea typeface="Verdana" panose="020B0604030504040204" pitchFamily="34" charset="0"/>
-              </a:rPr>
-              <a:t>4</a:t>
-            </a:r>
-            <a:r>
-              <a:rPr lang="en-US" sz="1400" b="0" i="0" dirty="0">
-                <a:solidFill>
-                  <a:schemeClr val="tx1">
-                    <a:lumMod val="65000"/>
-                    <a:lumOff val="35000"/>
-                  </a:schemeClr>
-                </a:solidFill>
-                <a:effectLst/>
-                <a:latin typeface="+mj-lt"/>
-                <a:ea typeface="Verdana" panose="020B0604030504040204" pitchFamily="34" charset="0"/>
-              </a:rPr>
-              <a:t>)</a:t>
-            </a:r>
-            <a:endParaRPr lang="en-US" sz="1400" dirty="0">
-              <a:solidFill>
-                <a:schemeClr val="tx1">
-                  <a:lumMod val="65000"/>
-                  <a:lumOff val="35000"/>
-                </a:schemeClr>
-              </a:solidFill>
-              <a:latin typeface="+mj-lt"/>
-              <a:ea typeface="Verdana" panose="020B0604030504040204" pitchFamily="34" charset="0"/>
-            </a:endParaRPr>
-          </a:p>
-        </p:txBody>
-      </p:sp>
-    </p:spTree>
-    <p:extLst>
-      <p:ext uri="{BB962C8B-B14F-4D97-AF65-F5344CB8AC3E}">
-        <p14:creationId xmlns:p14="http://schemas.microsoft.com/office/powerpoint/2010/main" val="89109785"/>
       </p:ext>
     </p:extLst>
   </p:cSld>

--- a/presentations/01_transfer_intro.pptx
+++ b/presentations/01_transfer_intro.pptx
@@ -5,28 +5,27 @@
     <p:sldMasterId id="2147483648" r:id="rId1"/>
   </p:sldMasterIdLst>
   <p:notesMasterIdLst>
-    <p:notesMasterId r:id="rId21"/>
+    <p:notesMasterId r:id="rId20"/>
   </p:notesMasterIdLst>
   <p:sldIdLst>
     <p:sldId id="326" r:id="rId2"/>
-    <p:sldId id="346" r:id="rId3"/>
-    <p:sldId id="329" r:id="rId4"/>
-    <p:sldId id="334" r:id="rId5"/>
-    <p:sldId id="342" r:id="rId6"/>
-    <p:sldId id="336" r:id="rId7"/>
-    <p:sldId id="338" r:id="rId8"/>
-    <p:sldId id="339" r:id="rId9"/>
-    <p:sldId id="340" r:id="rId10"/>
-    <p:sldId id="323" r:id="rId11"/>
-    <p:sldId id="279" r:id="rId12"/>
-    <p:sldId id="328" r:id="rId13"/>
-    <p:sldId id="331" r:id="rId14"/>
-    <p:sldId id="332" r:id="rId15"/>
-    <p:sldId id="333" r:id="rId16"/>
-    <p:sldId id="344" r:id="rId17"/>
-    <p:sldId id="341" r:id="rId18"/>
-    <p:sldId id="345" r:id="rId19"/>
-    <p:sldId id="335" r:id="rId20"/>
+    <p:sldId id="334" r:id="rId3"/>
+    <p:sldId id="342" r:id="rId4"/>
+    <p:sldId id="336" r:id="rId5"/>
+    <p:sldId id="338" r:id="rId6"/>
+    <p:sldId id="339" r:id="rId7"/>
+    <p:sldId id="340" r:id="rId8"/>
+    <p:sldId id="323" r:id="rId9"/>
+    <p:sldId id="279" r:id="rId10"/>
+    <p:sldId id="328" r:id="rId11"/>
+    <p:sldId id="331" r:id="rId12"/>
+    <p:sldId id="332" r:id="rId13"/>
+    <p:sldId id="333" r:id="rId14"/>
+    <p:sldId id="344" r:id="rId15"/>
+    <p:sldId id="341" r:id="rId16"/>
+    <p:sldId id="345" r:id="rId17"/>
+    <p:sldId id="335" r:id="rId18"/>
+    <p:sldId id="346" r:id="rId19"/>
   </p:sldIdLst>
   <p:sldSz cx="12192000" cy="6858000"/>
   <p:notesSz cx="6858000" cy="9144000"/>
@@ -226,7 +225,7 @@
           <a:p>
             <a:fld id="{FD93C9B2-20F6-4DB1-B471-224337D0AC79}" type="datetimeFigureOut">
               <a:rPr lang="en-US" smtClean="0"/>
-              <a:t>5/26/2022</a:t>
+              <a:t>9/20/2022</a:t>
             </a:fld>
             <a:endParaRPr lang="en-US"/>
           </a:p>
@@ -636,26 +635,54 @@
           <a:bodyPr/>
           <a:lstStyle/>
           <a:p>
-            <a:pPr marL="0" marR="0" lvl="0" indent="0" algn="l" defTabSz="914400" rtl="0" eaLnBrk="1" fontAlgn="auto" latinLnBrk="0" hangingPunct="1">
-              <a:lnSpc>
-                <a:spcPct val="100000"/>
-              </a:lnSpc>
-              <a:spcBef>
-                <a:spcPts val="0"/>
-              </a:spcBef>
-              <a:spcAft>
-                <a:spcPts val="0"/>
-              </a:spcAft>
-              <a:buClrTx/>
-              <a:buSzTx/>
-              <a:buFontTx/>
-              <a:buNone/>
-              <a:tabLst/>
-              <a:defRPr/>
-            </a:pPr>
+            <a:pPr algn="l"/>
             <a:r>
               <a:rPr lang="en-US" dirty="0"/>
-              <a:t>Setup Instructions…</a:t>
+              <a:t>Let’s dig a little deeper into the details of transfer learning.  It is generally not a good idea to train a very large DNN from scratch: instead, you should always try to find an existing neural network that accomplishes a similar task to the one you are trying to tackle, then reuse the lower layers of this network. If done well, transfer learning not only speeds up training considerably, but also requires significantly less training data.</a:t>
+            </a:r>
+          </a:p>
+          <a:p>
+            <a:pPr algn="l"/>
+            <a:endParaRPr lang="en-US" dirty="0"/>
+          </a:p>
+          <a:p>
+            <a:pPr algn="l"/>
+            <a:r>
+              <a:rPr lang="en-US" dirty="0"/>
+              <a:t>Suppose you have access to a DNN that was trained to classify pictures into 100 different categories, including animals, plants, vehicles, and everyday objects. You now want to train a DNN to classify specific types of vehicles. These tasks are very similar, even partly overlapping, so you should try to reuse parts of the first network as shown here.</a:t>
+            </a:r>
+          </a:p>
+          <a:p>
+            <a:pPr algn="l"/>
+            <a:endParaRPr lang="en-US" dirty="0"/>
+          </a:p>
+          <a:p>
+            <a:pPr algn="l"/>
+            <a:r>
+              <a:rPr lang="en-US" dirty="0"/>
+              <a:t>The output layer of the original model will usually be replaced because it is most likely not useful at all for the new task, and it may not even have the right number of outputs for the new task.  </a:t>
+            </a:r>
+          </a:p>
+          <a:p>
+            <a:pPr algn="l"/>
+            <a:endParaRPr lang="en-US" dirty="0"/>
+          </a:p>
+          <a:p>
+            <a:pPr algn="l"/>
+            <a:r>
+              <a:rPr lang="en-US" dirty="0"/>
+              <a:t>In like manner, the upper hidden layers of the original model are less likely to be as useful as the lower layers, since the high-level features that are most useful for the new task may differ significantly from the ones that were most useful for the original task. You want to find the right number of layers to reuse.</a:t>
+            </a:r>
+          </a:p>
+          <a:p>
+            <a:pPr algn="l"/>
+            <a:endParaRPr lang="en-US" dirty="0"/>
+          </a:p>
+          <a:p>
+            <a:pPr algn="l"/>
+            <a:r>
+              <a:rPr lang="en-US" dirty="0"/>
+              <a:t>Try freezing all the reused layers first (i.e., make their weights non-trainable so that Gradient Descent won’t modify them), then train your model and see how it performs. Then try unfreezing one or two of the top hidden layers to let backpropagation tweak them and see if performance improves. The more training data you have, the more layers you can unfreeze. It is also useful to reduce the learning rate when you unfreeze reused layers: this will avoid wrecking their fine-tuned weights.</a:t>
             </a:r>
           </a:p>
         </p:txBody>
@@ -686,7 +713,7 @@
     </p:spTree>
     <p:extLst>
       <p:ext uri="{BB962C8B-B14F-4D97-AF65-F5344CB8AC3E}">
-        <p14:creationId xmlns:p14="http://schemas.microsoft.com/office/powerpoint/2010/main" val="1279646560"/>
+        <p14:creationId xmlns:p14="http://schemas.microsoft.com/office/powerpoint/2010/main" val="3451864319"/>
       </p:ext>
     </p:extLst>
   </p:cSld>
@@ -757,7 +784,18 @@
               <a:tabLst/>
               <a:defRPr/>
             </a:pPr>
-            <a:endParaRPr lang="en-US" dirty="0"/>
+            <a:r>
+              <a:rPr lang="en-US" dirty="0">
+                <a:latin typeface="+mn-lt"/>
+              </a:rPr>
+              <a:t>To save and retrieve the entire model, use the example code displayed here as a template.</a:t>
+            </a:r>
+          </a:p>
+          <a:p>
+            <a:pPr algn="l"/>
+            <a:endParaRPr lang="en-US" dirty="0">
+              <a:latin typeface="+mn-lt"/>
+            </a:endParaRPr>
           </a:p>
         </p:txBody>
       </p:sp>
@@ -787,7 +825,7 @@
     </p:spTree>
     <p:extLst>
       <p:ext uri="{BB962C8B-B14F-4D97-AF65-F5344CB8AC3E}">
-        <p14:creationId xmlns:p14="http://schemas.microsoft.com/office/powerpoint/2010/main" val="1985664105"/>
+        <p14:creationId xmlns:p14="http://schemas.microsoft.com/office/powerpoint/2010/main" val="321616863"/>
       </p:ext>
     </p:extLst>
   </p:cSld>
@@ -841,55 +879,35 @@
           <a:bodyPr/>
           <a:lstStyle/>
           <a:p>
+            <a:pPr marL="0" marR="0" lvl="0" indent="0" algn="l" defTabSz="914400" rtl="0" eaLnBrk="1" fontAlgn="auto" latinLnBrk="0" hangingPunct="1">
+              <a:lnSpc>
+                <a:spcPct val="100000"/>
+              </a:lnSpc>
+              <a:spcBef>
+                <a:spcPts val="0"/>
+              </a:spcBef>
+              <a:spcAft>
+                <a:spcPts val="0"/>
+              </a:spcAft>
+              <a:buClrTx/>
+              <a:buSzTx/>
+              <a:buFontTx/>
+              <a:buNone/>
+              <a:tabLst/>
+              <a:defRPr/>
+            </a:pPr>
+            <a:r>
+              <a:rPr lang="en-US" dirty="0">
+                <a:latin typeface="+mn-lt"/>
+              </a:rPr>
+              <a:t>To save and retrieve the model’s trained weights, use the example code displayed here as a template.</a:t>
+            </a:r>
+          </a:p>
+          <a:p>
             <a:pPr algn="l"/>
-            <a:r>
-              <a:rPr lang="en-US" dirty="0"/>
-              <a:t>Let’s dig a little deeper into the details of transfer learning.  It is generally not a good idea to train a very large DNN from scratch: instead, you should always try to find an existing neural network that accomplishes a similar task to the one you are trying to tackle, then reuse the lower layers of this network. If done well, transfer learning not only speeds up training considerably, but also requires significantly less training data.</a:t>
-            </a:r>
-          </a:p>
-          <a:p>
-            <a:pPr algn="l"/>
-            <a:endParaRPr lang="en-US" dirty="0"/>
-          </a:p>
-          <a:p>
-            <a:pPr algn="l"/>
-            <a:r>
-              <a:rPr lang="en-US" dirty="0"/>
-              <a:t>Suppose you have access to a DNN that was trained to classify pictures into 100 different categories, including animals, plants, vehicles, and everyday objects. You now want to train a DNN to classify specific types of vehicles. These tasks are very similar, even partly overlapping, so you should try to reuse parts of the first network as shown here.</a:t>
-            </a:r>
-          </a:p>
-          <a:p>
-            <a:pPr algn="l"/>
-            <a:endParaRPr lang="en-US" dirty="0"/>
-          </a:p>
-          <a:p>
-            <a:pPr algn="l"/>
-            <a:r>
-              <a:rPr lang="en-US" dirty="0"/>
-              <a:t>The output layer of the original model will usually be replaced because it is most likely not useful at all for the new task, and it may not even have the right number of outputs for the new task.  </a:t>
-            </a:r>
-          </a:p>
-          <a:p>
-            <a:pPr algn="l"/>
-            <a:endParaRPr lang="en-US" dirty="0"/>
-          </a:p>
-          <a:p>
-            <a:pPr algn="l"/>
-            <a:r>
-              <a:rPr lang="en-US" dirty="0"/>
-              <a:t>In like manner, the upper hidden layers of the original model are less likely to be as useful as the lower layers, since the high-level features that are most useful for the new task may differ significantly from the ones that were most useful for the original task. You want to find the right number of layers to reuse.</a:t>
-            </a:r>
-          </a:p>
-          <a:p>
-            <a:pPr algn="l"/>
-            <a:endParaRPr lang="en-US" dirty="0"/>
-          </a:p>
-          <a:p>
-            <a:pPr algn="l"/>
-            <a:r>
-              <a:rPr lang="en-US" dirty="0"/>
-              <a:t>Try freezing all the reused layers first (i.e., make their weights non-trainable so that Gradient Descent won’t modify them), then train your model and see how it performs. Then try unfreezing one or two of the top hidden layers to let backpropagation tweak them and see if performance improves. The more training data you have, the more layers you can unfreeze. It is also useful to reduce the learning rate when you unfreeze reused layers: this will avoid wrecking their fine-tuned weights.</a:t>
-            </a:r>
+            <a:endParaRPr lang="en-US" dirty="0">
+              <a:latin typeface="+mn-lt"/>
+            </a:endParaRPr>
           </a:p>
         </p:txBody>
       </p:sp>
@@ -919,7 +937,7 @@
     </p:spTree>
     <p:extLst>
       <p:ext uri="{BB962C8B-B14F-4D97-AF65-F5344CB8AC3E}">
-        <p14:creationId xmlns:p14="http://schemas.microsoft.com/office/powerpoint/2010/main" val="3451864319"/>
+        <p14:creationId xmlns:p14="http://schemas.microsoft.com/office/powerpoint/2010/main" val="1931056132"/>
       </p:ext>
     </p:extLst>
   </p:cSld>
@@ -994,7 +1012,54 @@
               <a:rPr lang="en-US" dirty="0">
                 <a:latin typeface="+mn-lt"/>
               </a:rPr>
-              <a:t>To save and retrieve the entire model, use the example code displayed here as a template.</a:t>
+              <a:t>To save and retrieve just the model’s architecture (the layers but not the trained weights), use the example code displayed here as a template.</a:t>
+            </a:r>
+          </a:p>
+          <a:p>
+            <a:pPr marL="0" marR="0" lvl="0" indent="0" algn="l" defTabSz="914400" rtl="0" eaLnBrk="1" fontAlgn="auto" latinLnBrk="0" hangingPunct="1">
+              <a:lnSpc>
+                <a:spcPct val="100000"/>
+              </a:lnSpc>
+              <a:spcBef>
+                <a:spcPts val="0"/>
+              </a:spcBef>
+              <a:spcAft>
+                <a:spcPts val="0"/>
+              </a:spcAft>
+              <a:buClrTx/>
+              <a:buSzTx/>
+              <a:buFontTx/>
+              <a:buNone/>
+              <a:tabLst/>
+              <a:defRPr/>
+            </a:pPr>
+            <a:endParaRPr lang="en-US" dirty="0">
+              <a:latin typeface="+mn-lt"/>
+            </a:endParaRPr>
+          </a:p>
+          <a:p>
+            <a:pPr marL="0" marR="0" lvl="0" indent="0" algn="l" defTabSz="914400" rtl="0" eaLnBrk="1" fontAlgn="auto" latinLnBrk="0" hangingPunct="1">
+              <a:lnSpc>
+                <a:spcPct val="100000"/>
+              </a:lnSpc>
+              <a:spcBef>
+                <a:spcPts val="0"/>
+              </a:spcBef>
+              <a:spcAft>
+                <a:spcPts val="0"/>
+              </a:spcAft>
+              <a:buClrTx/>
+              <a:buSzTx/>
+              <a:buFontTx/>
+              <a:buNone/>
+              <a:tabLst/>
+              <a:defRPr/>
+            </a:pPr>
+            <a:r>
+              <a:rPr lang="en-US" dirty="0">
+                <a:latin typeface="+mn-lt"/>
+              </a:rPr>
+              <a:t>JSON = Java Script Object Notation.</a:t>
             </a:r>
           </a:p>
           <a:p>
@@ -1031,7 +1096,7 @@
     </p:spTree>
     <p:extLst>
       <p:ext uri="{BB962C8B-B14F-4D97-AF65-F5344CB8AC3E}">
-        <p14:creationId xmlns:p14="http://schemas.microsoft.com/office/powerpoint/2010/main" val="321616863"/>
+        <p14:creationId xmlns:p14="http://schemas.microsoft.com/office/powerpoint/2010/main" val="47932266"/>
       </p:ext>
     </p:extLst>
   </p:cSld>
@@ -1085,35 +1150,13 @@
           <a:bodyPr/>
           <a:lstStyle/>
           <a:p>
-            <a:pPr marL="0" marR="0" lvl="0" indent="0" algn="l" defTabSz="914400" rtl="0" eaLnBrk="1" fontAlgn="auto" latinLnBrk="0" hangingPunct="1">
-              <a:lnSpc>
-                <a:spcPct val="100000"/>
-              </a:lnSpc>
-              <a:spcBef>
-                <a:spcPts val="0"/>
-              </a:spcBef>
-              <a:spcAft>
-                <a:spcPts val="0"/>
-              </a:spcAft>
-              <a:buClrTx/>
-              <a:buSzTx/>
-              <a:buFontTx/>
-              <a:buNone/>
-              <a:tabLst/>
-              <a:defRPr/>
-            </a:pPr>
+            <a:pPr algn="l"/>
             <a:r>
               <a:rPr lang="en-US" dirty="0">
                 <a:latin typeface="+mn-lt"/>
               </a:rPr>
-              <a:t>To save and retrieve the model’s trained weights, use the example code displayed here as a template.</a:t>
-            </a:r>
-          </a:p>
-          <a:p>
-            <a:pPr algn="l"/>
-            <a:endParaRPr lang="en-US" dirty="0">
-              <a:latin typeface="+mn-lt"/>
-            </a:endParaRPr>
+              <a:t>https://huggingface.co/</a:t>
+            </a:r>
           </a:p>
         </p:txBody>
       </p:sp>
@@ -1143,7 +1186,7 @@
     </p:spTree>
     <p:extLst>
       <p:ext uri="{BB962C8B-B14F-4D97-AF65-F5344CB8AC3E}">
-        <p14:creationId xmlns:p14="http://schemas.microsoft.com/office/powerpoint/2010/main" val="1931056132"/>
+        <p14:creationId xmlns:p14="http://schemas.microsoft.com/office/powerpoint/2010/main" val="2596715463"/>
       </p:ext>
     </p:extLst>
   </p:cSld>
@@ -1214,65 +1257,7 @@
               <a:tabLst/>
               <a:defRPr/>
             </a:pPr>
-            <a:r>
-              <a:rPr lang="en-US" dirty="0">
-                <a:latin typeface="+mn-lt"/>
-              </a:rPr>
-              <a:t>To save and retrieve just the model’s architecture (the layers but not the trained weights), use the example code displayed here as a template.</a:t>
-            </a:r>
-          </a:p>
-          <a:p>
-            <a:pPr marL="0" marR="0" lvl="0" indent="0" algn="l" defTabSz="914400" rtl="0" eaLnBrk="1" fontAlgn="auto" latinLnBrk="0" hangingPunct="1">
-              <a:lnSpc>
-                <a:spcPct val="100000"/>
-              </a:lnSpc>
-              <a:spcBef>
-                <a:spcPts val="0"/>
-              </a:spcBef>
-              <a:spcAft>
-                <a:spcPts val="0"/>
-              </a:spcAft>
-              <a:buClrTx/>
-              <a:buSzTx/>
-              <a:buFontTx/>
-              <a:buNone/>
-              <a:tabLst/>
-              <a:defRPr/>
-            </a:pPr>
-            <a:endParaRPr lang="en-US" dirty="0">
-              <a:latin typeface="+mn-lt"/>
-            </a:endParaRPr>
-          </a:p>
-          <a:p>
-            <a:pPr marL="0" marR="0" lvl="0" indent="0" algn="l" defTabSz="914400" rtl="0" eaLnBrk="1" fontAlgn="auto" latinLnBrk="0" hangingPunct="1">
-              <a:lnSpc>
-                <a:spcPct val="100000"/>
-              </a:lnSpc>
-              <a:spcBef>
-                <a:spcPts val="0"/>
-              </a:spcBef>
-              <a:spcAft>
-                <a:spcPts val="0"/>
-              </a:spcAft>
-              <a:buClrTx/>
-              <a:buSzTx/>
-              <a:buFontTx/>
-              <a:buNone/>
-              <a:tabLst/>
-              <a:defRPr/>
-            </a:pPr>
-            <a:r>
-              <a:rPr lang="en-US" dirty="0">
-                <a:latin typeface="+mn-lt"/>
-              </a:rPr>
-              <a:t>JSON = Java Script Object Notation.</a:t>
-            </a:r>
-          </a:p>
-          <a:p>
-            <a:pPr algn="l"/>
-            <a:endParaRPr lang="en-US" dirty="0">
-              <a:latin typeface="+mn-lt"/>
-            </a:endParaRPr>
+            <a:endParaRPr lang="en-US" dirty="0"/>
           </a:p>
         </p:txBody>
       </p:sp>
@@ -1302,7 +1287,7 @@
     </p:spTree>
     <p:extLst>
       <p:ext uri="{BB962C8B-B14F-4D97-AF65-F5344CB8AC3E}">
-        <p14:creationId xmlns:p14="http://schemas.microsoft.com/office/powerpoint/2010/main" val="47932266"/>
+        <p14:creationId xmlns:p14="http://schemas.microsoft.com/office/powerpoint/2010/main" val="3618987416"/>
       </p:ext>
     </p:extLst>
   </p:cSld>
@@ -1356,12 +1341,12 @@
           <a:bodyPr/>
           <a:lstStyle/>
           <a:p>
-            <a:pPr algn="l"/>
-            <a:r>
-              <a:rPr lang="en-US" dirty="0">
-                <a:latin typeface="+mn-lt"/>
-              </a:rPr>
-              <a:t>https://huggingface.co/</a:t>
+            <a:pPr defTabSz="939363">
+              <a:defRPr/>
+            </a:pPr>
+            <a:r>
+              <a:rPr lang="en-US" dirty="0"/>
+              <a:t>The learning experience for this workshop starts on page 150 of the textbook.  </a:t>
             </a:r>
           </a:p>
         </p:txBody>
@@ -1392,7 +1377,7 @@
     </p:spTree>
     <p:extLst>
       <p:ext uri="{BB962C8B-B14F-4D97-AF65-F5344CB8AC3E}">
-        <p14:creationId xmlns:p14="http://schemas.microsoft.com/office/powerpoint/2010/main" val="2596715463"/>
+        <p14:creationId xmlns:p14="http://schemas.microsoft.com/office/powerpoint/2010/main" val="1974960137"/>
       </p:ext>
     </p:extLst>
   </p:cSld>
@@ -1446,22 +1431,8 @@
           <a:bodyPr/>
           <a:lstStyle/>
           <a:p>
-            <a:pPr marL="0" marR="0" lvl="0" indent="0" algn="l" defTabSz="914400" rtl="0" eaLnBrk="1" fontAlgn="auto" latinLnBrk="0" hangingPunct="1">
-              <a:lnSpc>
-                <a:spcPct val="100000"/>
-              </a:lnSpc>
-              <a:spcBef>
-                <a:spcPts val="0"/>
-              </a:spcBef>
-              <a:spcAft>
-                <a:spcPts val="0"/>
-              </a:spcAft>
-              <a:buClrTx/>
-              <a:buSzTx/>
-              <a:buFontTx/>
+            <a:pPr marL="0" indent="0" algn="l">
               <a:buNone/>
-              <a:tabLst/>
-              <a:defRPr/>
             </a:pPr>
             <a:endParaRPr lang="en-US" dirty="0"/>
           </a:p>
@@ -1493,7 +1464,7 @@
     </p:spTree>
     <p:extLst>
       <p:ext uri="{BB962C8B-B14F-4D97-AF65-F5344CB8AC3E}">
-        <p14:creationId xmlns:p14="http://schemas.microsoft.com/office/powerpoint/2010/main" val="3618987416"/>
+        <p14:creationId xmlns:p14="http://schemas.microsoft.com/office/powerpoint/2010/main" val="108490749"/>
       </p:ext>
     </p:extLst>
   </p:cSld>
@@ -1547,13 +1518,14 @@
           <a:bodyPr/>
           <a:lstStyle/>
           <a:p>
-            <a:pPr defTabSz="939363">
-              <a:defRPr/>
-            </a:pPr>
-            <a:r>
-              <a:rPr lang="en-US" dirty="0"/>
-              <a:t>The learning experience for this workshop starts on page 150 of the textbook.  </a:t>
-            </a:r>
+            <a:endParaRPr lang="en-US" dirty="0">
+              <a:latin typeface="Palatino Linotype" panose="02040502050505030304" pitchFamily="18" charset="0"/>
+            </a:endParaRPr>
+          </a:p>
+          <a:p>
+            <a:endParaRPr lang="en-US" dirty="0">
+              <a:latin typeface="Palatino Linotype" panose="02040502050505030304" pitchFamily="18" charset="0"/>
+            </a:endParaRPr>
           </a:p>
         </p:txBody>
       </p:sp>
@@ -1583,94 +1555,7 @@
     </p:spTree>
     <p:extLst>
       <p:ext uri="{BB962C8B-B14F-4D97-AF65-F5344CB8AC3E}">
-        <p14:creationId xmlns:p14="http://schemas.microsoft.com/office/powerpoint/2010/main" val="1974960137"/>
-      </p:ext>
-    </p:extLst>
-  </p:cSld>
-  <p:clrMapOvr>
-    <a:masterClrMapping/>
-  </p:clrMapOvr>
-</p:notes>
-</file>
-
-<file path=ppt/notesSlides/notesSlide19.xml><?xml version="1.0" encoding="utf-8"?>
-<p:notes xmlns:a="http://schemas.openxmlformats.org/drawingml/2006/main" xmlns:r="http://schemas.openxmlformats.org/officeDocument/2006/relationships" xmlns:p="http://schemas.openxmlformats.org/presentationml/2006/main">
-  <p:cSld>
-    <p:spTree>
-      <p:nvGrpSpPr>
-        <p:cNvPr id="1" name=""/>
-        <p:cNvGrpSpPr/>
-        <p:nvPr/>
-      </p:nvGrpSpPr>
-      <p:grpSpPr>
-        <a:xfrm>
-          <a:off x="0" y="0"/>
-          <a:ext cx="0" cy="0"/>
-          <a:chOff x="0" y="0"/>
-          <a:chExt cx="0" cy="0"/>
-        </a:xfrm>
-      </p:grpSpPr>
-      <p:sp>
-        <p:nvSpPr>
-          <p:cNvPr id="2" name="Slide Image Placeholder 1"/>
-          <p:cNvSpPr>
-            <a:spLocks noGrp="1" noRot="1" noChangeAspect="1"/>
-          </p:cNvSpPr>
-          <p:nvPr>
-            <p:ph type="sldImg"/>
-          </p:nvPr>
-        </p:nvSpPr>
-        <p:spPr/>
-      </p:sp>
-      <p:sp>
-        <p:nvSpPr>
-          <p:cNvPr id="3" name="Notes Placeholder 2"/>
-          <p:cNvSpPr>
-            <a:spLocks noGrp="1"/>
-          </p:cNvSpPr>
-          <p:nvPr>
-            <p:ph type="body" idx="1"/>
-          </p:nvPr>
-        </p:nvSpPr>
-        <p:spPr/>
-        <p:txBody>
-          <a:bodyPr/>
-          <a:lstStyle/>
-          <a:p>
-            <a:pPr marL="0" indent="0" algn="l">
-              <a:buNone/>
-            </a:pPr>
-            <a:endParaRPr lang="en-US" dirty="0"/>
-          </a:p>
-        </p:txBody>
-      </p:sp>
-      <p:sp>
-        <p:nvSpPr>
-          <p:cNvPr id="4" name="Slide Number Placeholder 3"/>
-          <p:cNvSpPr>
-            <a:spLocks noGrp="1"/>
-          </p:cNvSpPr>
-          <p:nvPr>
-            <p:ph type="sldNum" sz="quarter" idx="5"/>
-          </p:nvPr>
-        </p:nvSpPr>
-        <p:spPr/>
-        <p:txBody>
-          <a:bodyPr/>
-          <a:lstStyle/>
-          <a:p>
-            <a:fld id="{3148858F-F1DB-4027-9C85-CCA6849540DD}" type="slidenum">
-              <a:rPr lang="en-US" smtClean="0"/>
-              <a:t>19</a:t>
-            </a:fld>
-            <a:endParaRPr lang="en-US"/>
-          </a:p>
-        </p:txBody>
-      </p:sp>
-    </p:spTree>
-    <p:extLst>
-      <p:ext uri="{BB962C8B-B14F-4D97-AF65-F5344CB8AC3E}">
-        <p14:creationId xmlns:p14="http://schemas.microsoft.com/office/powerpoint/2010/main" val="108490749"/>
+        <p14:creationId xmlns:p14="http://schemas.microsoft.com/office/powerpoint/2010/main" val="2023840696"/>
       </p:ext>
     </p:extLst>
   </p:cSld>
@@ -1724,14 +1609,19 @@
           <a:bodyPr/>
           <a:lstStyle/>
           <a:p>
-            <a:endParaRPr lang="en-US" dirty="0">
-              <a:latin typeface="Palatino Linotype" panose="02040502050505030304" pitchFamily="18" charset="0"/>
-            </a:endParaRPr>
-          </a:p>
-          <a:p>
-            <a:endParaRPr lang="en-US" dirty="0">
-              <a:latin typeface="Palatino Linotype" panose="02040502050505030304" pitchFamily="18" charset="0"/>
-            </a:endParaRPr>
+            <a:pPr algn="l"/>
+            <a:r>
+              <a:rPr lang="en-US" dirty="0"/>
+              <a:t>Start with a definition from Ian Goodfellow and Yoshua Bengio’s book – </a:t>
+            </a:r>
+            <a:r>
+              <a:rPr lang="en-US" i="1" dirty="0"/>
+              <a:t>Deep Learning – </a:t>
+            </a:r>
+            <a:r>
+              <a:rPr lang="en-US" i="0" dirty="0"/>
+              <a:t>the definitive introductory text on deep learning.</a:t>
+            </a:r>
           </a:p>
         </p:txBody>
       </p:sp>
@@ -1761,7 +1651,7 @@
     </p:spTree>
     <p:extLst>
       <p:ext uri="{BB962C8B-B14F-4D97-AF65-F5344CB8AC3E}">
-        <p14:creationId xmlns:p14="http://schemas.microsoft.com/office/powerpoint/2010/main" val="2023840696"/>
+        <p14:creationId xmlns:p14="http://schemas.microsoft.com/office/powerpoint/2010/main" val="3784928897"/>
       </p:ext>
     </p:extLst>
   </p:cSld>
@@ -1815,7 +1705,60 @@
           <a:bodyPr/>
           <a:lstStyle/>
           <a:p>
+            <a:pPr marL="0" indent="0" algn="l">
+              <a:buNone/>
+            </a:pPr>
+            <a:r>
+              <a:rPr lang="en-US" dirty="0"/>
+              <a:t>Nowadays, it’s common practice to use transfer learning to train a neural network like ResNet on one task, and then adapt it to or fine-tune it on a new task. This allows the network to make use of the knowledge learned from the original task. Architecturally, this involves splitting the model into a </a:t>
+            </a:r>
+            <a:r>
+              <a:rPr lang="en-US" b="1" dirty="0"/>
+              <a:t>body</a:t>
+            </a:r>
+            <a:r>
+              <a:rPr lang="en-US" dirty="0"/>
+              <a:t> and a </a:t>
+            </a:r>
+            <a:r>
+              <a:rPr lang="en-US" b="1" dirty="0"/>
+              <a:t>head</a:t>
+            </a:r>
+            <a:r>
+              <a:rPr lang="en-US" dirty="0"/>
+              <a:t>, where the head is a task-specific network. During training, the weights of the body learn broad features of the source domain, and these weights are used to initialize a new model for the new task.  Compared to traditional supervised learning, a transfer learning approach typically produces high-quality models that can be trained much more efficiently on a variety of downstream tasks, and with much less labeled data.  </a:t>
+            </a:r>
+          </a:p>
+          <a:p>
+            <a:pPr marL="0" indent="0" algn="l">
+              <a:buNone/>
+            </a:pPr>
             <a:endParaRPr lang="en-US" dirty="0"/>
+          </a:p>
+          <a:p>
+            <a:pPr marL="0" indent="0" algn="l">
+              <a:buNone/>
+            </a:pPr>
+            <a:r>
+              <a:rPr lang="en-US" dirty="0"/>
+              <a:t>Let’s consider a computer vision example.  In this domain, basic models are first trained on large-scale datasets such as ImageNet, which contain millions of images. This process is called </a:t>
+            </a:r>
+            <a:r>
+              <a:rPr lang="en-US" b="1" dirty="0"/>
+              <a:t>pretraining</a:t>
+            </a:r>
+            <a:r>
+              <a:rPr lang="en-US" dirty="0"/>
+              <a:t> and its main purpose is to teach the models the basic features of images, such as edges or colors. These pretrained models can then be </a:t>
+            </a:r>
+            <a:r>
+              <a:rPr lang="en-US" b="1" dirty="0"/>
+              <a:t>fine-tuned </a:t>
+            </a:r>
+            <a:r>
+              <a:rPr lang="en-US" dirty="0"/>
+              <a:t>on a downstream task such as classifying flower species with a relatively small number of labeled examples (usually a few hundred per class). Fine-tuned models typically achieve a higher accuracy than supervised models trained from scratch on the same amount of labeled data.</a:t>
+            </a:r>
           </a:p>
         </p:txBody>
       </p:sp>
@@ -1845,7 +1788,7 @@
     </p:spTree>
     <p:extLst>
       <p:ext uri="{BB962C8B-B14F-4D97-AF65-F5344CB8AC3E}">
-        <p14:creationId xmlns:p14="http://schemas.microsoft.com/office/powerpoint/2010/main" val="1555070171"/>
+        <p14:creationId xmlns:p14="http://schemas.microsoft.com/office/powerpoint/2010/main" val="3970323712"/>
       </p:ext>
     </p:extLst>
   </p:cSld>
@@ -1899,19 +1842,91 @@
           <a:bodyPr/>
           <a:lstStyle/>
           <a:p>
+            <a:pPr marL="228600" indent="-228600" algn="l">
+              <a:buAutoNum type="arabicPeriod"/>
+            </a:pPr>
+            <a:r>
+              <a:rPr lang="en-US" b="0" dirty="0">
+                <a:effectLst/>
+                <a:latin typeface="Noto serif" panose="02020600060500020200" pitchFamily="18" charset="0"/>
+              </a:rPr>
+              <a:t>Advantages of Transfer Learning:</a:t>
+            </a:r>
+          </a:p>
+          <a:p>
+            <a:pPr marL="685800" lvl="1" indent="-228600" algn="l">
+              <a:buAutoNum type="arabicPeriod"/>
+            </a:pPr>
+            <a:r>
+              <a:rPr lang="en-US" b="1" i="0" dirty="0">
+                <a:effectLst/>
+                <a:latin typeface="Noto serif" panose="02020600060500020200" pitchFamily="18" charset="0"/>
+              </a:rPr>
+              <a:t>Improved baseline performance</a:t>
+            </a:r>
+            <a:r>
+              <a:rPr lang="en-US" b="0" dirty="0">
+                <a:effectLst/>
+                <a:latin typeface="Noto serif" panose="02020600060500020200" pitchFamily="18" charset="0"/>
+              </a:rPr>
+              <a:t>: When we augment the knowledge of an isolated learner (also known as an </a:t>
+            </a:r>
+            <a:r>
+              <a:rPr lang="en-US" b="1" i="0" dirty="0">
+                <a:effectLst/>
+                <a:latin typeface="Noto serif" panose="02020600060500020200" pitchFamily="18" charset="0"/>
+              </a:rPr>
+              <a:t>ignorant learner</a:t>
+            </a:r>
+            <a:r>
+              <a:rPr lang="en-US" b="0" dirty="0">
+                <a:effectLst/>
+                <a:latin typeface="Noto serif" panose="02020600060500020200" pitchFamily="18" charset="0"/>
+              </a:rPr>
+              <a:t>) with knowledge from a source model, the baseline performance might improve due to this knowledge transfer.</a:t>
+            </a:r>
+          </a:p>
+          <a:p>
+            <a:pPr marL="685800" lvl="1" indent="-228600" algn="l">
+              <a:buAutoNum type="arabicPeriod"/>
+            </a:pPr>
+            <a:r>
+              <a:rPr lang="en-US" b="1" i="0" dirty="0">
+                <a:effectLst/>
+                <a:latin typeface="Noto serif" panose="02020600060500020200" pitchFamily="18" charset="0"/>
+              </a:rPr>
+              <a:t>Model-development time</a:t>
+            </a:r>
+            <a:r>
+              <a:rPr lang="en-US" b="0" dirty="0">
+                <a:effectLst/>
+                <a:latin typeface="Noto serif" panose="02020600060500020200" pitchFamily="18" charset="0"/>
+              </a:rPr>
+              <a:t>: Utilizing knowledge from a source model might also help in fully learning the target task, as compared to a target model that learns from scratch. This, in turn, results in improvements in the overall time taken to develop and train a model.</a:t>
+            </a:r>
+          </a:p>
+          <a:p>
+            <a:pPr marL="685800" lvl="1" indent="-228600" algn="l">
+              <a:buAutoNum type="arabicPeriod"/>
+            </a:pPr>
+            <a:r>
+              <a:rPr lang="en-US" b="1" i="0" dirty="0">
+                <a:effectLst/>
+                <a:latin typeface="Noto serif" panose="02020600060500020200" pitchFamily="18" charset="0"/>
+              </a:rPr>
+              <a:t>Improved final performance</a:t>
+            </a:r>
+            <a:r>
+              <a:rPr lang="en-US" b="0" dirty="0">
+                <a:effectLst/>
+                <a:latin typeface="Noto serif" panose="02020600060500020200" pitchFamily="18" charset="0"/>
+              </a:rPr>
+              <a:t>: And finally, higher final performance might be attained by leveraging transfer learning.</a:t>
+            </a:r>
+          </a:p>
+          <a:p>
             <a:pPr algn="l"/>
-            <a:r>
-              <a:rPr lang="en-US" dirty="0"/>
-              <a:t>Start with a definition from Ian Goodfellow and Yoshua Bengio’s book – </a:t>
-            </a:r>
-            <a:r>
-              <a:rPr lang="en-US" i="1" dirty="0"/>
-              <a:t>Deep Learning – </a:t>
-            </a:r>
-            <a:r>
-              <a:rPr lang="en-US" i="0" dirty="0"/>
-              <a:t>the definitive introductory text on deep learning.</a:t>
-            </a:r>
+            <a:endParaRPr lang="en-US" dirty="0"/>
           </a:p>
         </p:txBody>
       </p:sp>
@@ -1941,7 +1956,7 @@
     </p:spTree>
     <p:extLst>
       <p:ext uri="{BB962C8B-B14F-4D97-AF65-F5344CB8AC3E}">
-        <p14:creationId xmlns:p14="http://schemas.microsoft.com/office/powerpoint/2010/main" val="3784928897"/>
+        <p14:creationId xmlns:p14="http://schemas.microsoft.com/office/powerpoint/2010/main" val="2399302740"/>
       </p:ext>
     </p:extLst>
   </p:cSld>
@@ -1995,60 +2010,155 @@
           <a:bodyPr/>
           <a:lstStyle/>
           <a:p>
-            <a:pPr marL="0" indent="0" algn="l">
-              <a:buNone/>
+            <a:pPr marL="228600" marR="0" lvl="0" indent="-228600" algn="l" defTabSz="914400" rtl="0" eaLnBrk="1" fontAlgn="auto" latinLnBrk="0" hangingPunct="1">
+              <a:lnSpc>
+                <a:spcPct val="100000"/>
+              </a:lnSpc>
+              <a:spcBef>
+                <a:spcPts val="0"/>
+              </a:spcBef>
+              <a:spcAft>
+                <a:spcPts val="0"/>
+              </a:spcAft>
+              <a:buClrTx/>
+              <a:buSzTx/>
+              <a:buFontTx/>
+              <a:buAutoNum type="arabicPeriod"/>
+              <a:tabLst/>
+              <a:defRPr/>
             </a:pPr>
             <a:r>
-              <a:rPr lang="en-US" dirty="0"/>
-              <a:t>Nowadays, it’s common practice to use transfer learning to train a neural network like ResNet on one task, and then adapt it to or fine-tune it on a new task. This allows the network to make use of the knowledge learned from the original task. Architecturally, this involves splitting the model into a </a:t>
-            </a:r>
-            <a:r>
-              <a:rPr lang="en-US" b="1" dirty="0"/>
-              <a:t>body</a:t>
-            </a:r>
-            <a:r>
-              <a:rPr lang="en-US" dirty="0"/>
-              <a:t> and a </a:t>
-            </a:r>
-            <a:r>
-              <a:rPr lang="en-US" b="1" dirty="0"/>
-              <a:t>head</a:t>
-            </a:r>
-            <a:r>
-              <a:rPr lang="en-US" dirty="0"/>
-              <a:t>, where the head is a task-specific network. During training, the weights of the body learn broad features of the source domain, and these weights are used to initialize a new model for the new task.  Compared to traditional supervised learning, a transfer learning approach typically produces high-quality models that can be trained much more efficiently on a variety of downstream tasks, and with much less labeled data.  </a:t>
-            </a:r>
-          </a:p>
-          <a:p>
-            <a:pPr marL="0" indent="0" algn="l">
-              <a:buNone/>
+              <a:rPr lang="en-US" dirty="0">
+                <a:latin typeface="+mn-lt"/>
+              </a:rPr>
+              <a:t>Three key questions.</a:t>
+            </a:r>
+          </a:p>
+          <a:p>
+            <a:pPr marL="685800" marR="0" lvl="1" indent="-228600" algn="l" defTabSz="914400" rtl="0" eaLnBrk="1" fontAlgn="auto" latinLnBrk="0" hangingPunct="1">
+              <a:lnSpc>
+                <a:spcPct val="100000"/>
+              </a:lnSpc>
+              <a:spcBef>
+                <a:spcPts val="0"/>
+              </a:spcBef>
+              <a:spcAft>
+                <a:spcPts val="0"/>
+              </a:spcAft>
+              <a:buClrTx/>
+              <a:buSzTx/>
+              <a:buFontTx/>
+              <a:buAutoNum type="arabicPeriod"/>
+              <a:tabLst/>
+              <a:defRPr/>
             </a:pPr>
-            <a:endParaRPr lang="en-US" dirty="0"/>
-          </a:p>
-          <a:p>
-            <a:pPr marL="0" indent="0" algn="l">
-              <a:buNone/>
+            <a:r>
+              <a:rPr lang="en-US" b="1" dirty="0">
+                <a:latin typeface="+mn-lt"/>
+              </a:rPr>
+              <a:t>What to transfer</a:t>
+            </a:r>
+            <a:r>
+              <a:rPr lang="en-US" dirty="0">
+                <a:latin typeface="+mn-lt"/>
+              </a:rPr>
+              <a:t>: </a:t>
+            </a:r>
+            <a:r>
+              <a:rPr lang="en-US" sz="1800" b="0" i="0" u="none" strike="noStrike" baseline="0" dirty="0">
+                <a:latin typeface="PalatinoLinotype-Roman"/>
+              </a:rPr>
+              <a:t>This is the first and the most important step in the transfer learning process.  Here we seek to discover the part of the knowledge that can be transferred from the source to the target in order to improve the performance of the target task.  Our goal is to identify what knowledge is source-specific and what is common between the source and the target.</a:t>
+            </a:r>
+            <a:endParaRPr lang="en-US" sz="1800" b="0" i="0" u="none" strike="noStrike" baseline="0" dirty="0">
+              <a:latin typeface="+mn-lt"/>
+            </a:endParaRPr>
+          </a:p>
+          <a:p>
+            <a:pPr marL="685800" marR="0" lvl="1" indent="-228600" algn="l" defTabSz="914400" rtl="0" eaLnBrk="1" fontAlgn="auto" latinLnBrk="0" hangingPunct="1">
+              <a:lnSpc>
+                <a:spcPct val="100000"/>
+              </a:lnSpc>
+              <a:spcBef>
+                <a:spcPts val="0"/>
+              </a:spcBef>
+              <a:spcAft>
+                <a:spcPts val="0"/>
+              </a:spcAft>
+              <a:buClrTx/>
+              <a:buSzTx/>
+              <a:buFontTx/>
+              <a:buAutoNum type="arabicPeriod"/>
+              <a:tabLst/>
+              <a:defRPr/>
             </a:pPr>
             <a:r>
-              <a:rPr lang="en-US" dirty="0"/>
-              <a:t>Let’s consider a computer vision example.  In this domain, basic models are first trained on large-scale datasets such as ImageNet, which contain millions of images. This process is called </a:t>
-            </a:r>
-            <a:r>
-              <a:rPr lang="en-US" b="1" dirty="0"/>
-              <a:t>pretraining</a:t>
-            </a:r>
-            <a:r>
-              <a:rPr lang="en-US" dirty="0"/>
-              <a:t> and its main purpose is to teach the models the basic features of images, such as edges or colors. These pretrained models can then be </a:t>
-            </a:r>
-            <a:r>
-              <a:rPr lang="en-US" b="1" dirty="0"/>
-              <a:t>fine-tuned </a:t>
-            </a:r>
-            <a:r>
-              <a:rPr lang="en-US" dirty="0"/>
-              <a:t>on a downstream task such as classifying flower species with a relatively small number of labeled examples (usually a few hundred per class). Fine-tuned models typically achieve a higher accuracy than supervised models trained from scratch on the same amount of labeled data.</a:t>
-            </a:r>
+              <a:rPr lang="en-US" b="1" dirty="0">
+                <a:latin typeface="+mn-lt"/>
+              </a:rPr>
+              <a:t>When to transfer:  </a:t>
+            </a:r>
+            <a:r>
+              <a:rPr lang="en-US" sz="1800" b="0" i="0" u="none" strike="noStrike" baseline="0" dirty="0">
+                <a:latin typeface="PalatinoLinotype-Roman"/>
+              </a:rPr>
+              <a:t>Sometimes transfer learning doesn’t make sense.  In fact, at times transfer learning can make things worse.  We call this – </a:t>
+            </a:r>
+            <a:r>
+              <a:rPr lang="en-US" sz="1800" b="1" i="0" u="none" strike="noStrike" baseline="0" dirty="0">
+                <a:latin typeface="PalatinoLinotype-Roman"/>
+              </a:rPr>
+              <a:t>negative transfer</a:t>
+            </a:r>
+            <a:r>
+              <a:rPr lang="en-US" sz="1800" b="0" i="0" u="none" strike="noStrike" baseline="0" dirty="0">
+                <a:latin typeface="PalatinoLinotype-Roman"/>
+              </a:rPr>
+              <a:t>.  Obviously, the goal is to improve target performance and results, not degrade them.  All this calls for wisdom about when to transfer and when to build from the ground up.</a:t>
+            </a:r>
+            <a:endParaRPr lang="en-US" sz="1800" b="1" i="0" u="none" strike="noStrike" baseline="0" dirty="0">
+              <a:latin typeface="+mn-lt"/>
+            </a:endParaRPr>
+          </a:p>
+          <a:p>
+            <a:pPr marL="685800" marR="0" lvl="1" indent="-228600" algn="l" defTabSz="914400" rtl="0" eaLnBrk="1" fontAlgn="auto" latinLnBrk="0" hangingPunct="1">
+              <a:lnSpc>
+                <a:spcPct val="100000"/>
+              </a:lnSpc>
+              <a:spcBef>
+                <a:spcPts val="0"/>
+              </a:spcBef>
+              <a:spcAft>
+                <a:spcPts val="0"/>
+              </a:spcAft>
+              <a:buClrTx/>
+              <a:buSzTx/>
+              <a:buFontTx/>
+              <a:buAutoNum type="arabicPeriod"/>
+              <a:tabLst/>
+              <a:defRPr/>
+            </a:pPr>
+            <a:r>
+              <a:rPr lang="en-US" b="1" dirty="0">
+                <a:latin typeface="+mn-lt"/>
+              </a:rPr>
+              <a:t>How to transfer: </a:t>
+            </a:r>
+            <a:r>
+              <a:rPr lang="en-US" sz="1800" b="0" i="0" u="none" strike="noStrike" baseline="0" dirty="0">
+                <a:latin typeface="PalatinoLinotype-Roman"/>
+              </a:rPr>
+              <a:t>Once the first two question have been answered, we then identify ways of actually transferring the knowledge across domains/tasks. This often calls for changes to existing algorithms and/or the use of different techniques. </a:t>
+            </a:r>
+            <a:endParaRPr lang="en-US" b="1" dirty="0">
+              <a:latin typeface="+mn-lt"/>
+            </a:endParaRPr>
+          </a:p>
+          <a:p>
+            <a:pPr algn="l"/>
+            <a:endParaRPr lang="en-US" dirty="0">
+              <a:latin typeface="+mn-lt"/>
+            </a:endParaRPr>
           </a:p>
         </p:txBody>
       </p:sp>
@@ -2078,7 +2188,7 @@
     </p:spTree>
     <p:extLst>
       <p:ext uri="{BB962C8B-B14F-4D97-AF65-F5344CB8AC3E}">
-        <p14:creationId xmlns:p14="http://schemas.microsoft.com/office/powerpoint/2010/main" val="3970323712"/>
+        <p14:creationId xmlns:p14="http://schemas.microsoft.com/office/powerpoint/2010/main" val="3990806821"/>
       </p:ext>
     </p:extLst>
   </p:cSld>
@@ -2132,91 +2242,34 @@
           <a:bodyPr/>
           <a:lstStyle/>
           <a:p>
-            <a:pPr marL="228600" indent="-228600" algn="l">
-              <a:buAutoNum type="arabicPeriod"/>
+            <a:pPr marL="0" indent="0" algn="l">
+              <a:buNone/>
             </a:pPr>
             <a:r>
-              <a:rPr lang="en-US" b="0" dirty="0">
-                <a:effectLst/>
-                <a:latin typeface="Noto serif" panose="02020600060500020200" pitchFamily="18" charset="0"/>
-              </a:rPr>
-              <a:t>Advantages of Transfer Learning:</a:t>
-            </a:r>
-          </a:p>
-          <a:p>
-            <a:pPr marL="685800" lvl="1" indent="-228600" algn="l">
-              <a:buAutoNum type="arabicPeriod"/>
+              <a:rPr lang="en-US" dirty="0">
+                <a:latin typeface="+mn-lt"/>
+              </a:rPr>
+              <a:t>Many types of transfer – don’t have time to cover here – please review the material in the handout</a:t>
+            </a:r>
+          </a:p>
+          <a:p>
+            <a:pPr marL="0" indent="0" algn="l">
+              <a:buNone/>
             </a:pPr>
-            <a:r>
-              <a:rPr lang="en-US" b="1" i="0" dirty="0">
-                <a:effectLst/>
-                <a:latin typeface="Noto serif" panose="02020600060500020200" pitchFamily="18" charset="0"/>
-              </a:rPr>
-              <a:t>Improved baseline performance</a:t>
-            </a:r>
-            <a:r>
-              <a:rPr lang="en-US" b="0" dirty="0">
-                <a:effectLst/>
-                <a:latin typeface="Noto serif" panose="02020600060500020200" pitchFamily="18" charset="0"/>
-              </a:rPr>
-              <a:t>: When we augment the knowledge of an isolated learner (also known as an </a:t>
-            </a:r>
-            <a:r>
-              <a:rPr lang="en-US" b="1" i="0" dirty="0">
-                <a:effectLst/>
-                <a:latin typeface="Noto serif" panose="02020600060500020200" pitchFamily="18" charset="0"/>
-              </a:rPr>
-              <a:t>ignorant learner</a:t>
-            </a:r>
-            <a:r>
-              <a:rPr lang="en-US" b="0" dirty="0">
-                <a:effectLst/>
-                <a:latin typeface="Noto serif" panose="02020600060500020200" pitchFamily="18" charset="0"/>
-              </a:rPr>
-              <a:t>) with knowledge from a source model, the baseline performance might improve due to this knowledge transfer.</a:t>
-            </a:r>
-          </a:p>
-          <a:p>
-            <a:pPr marL="685800" lvl="1" indent="-228600" algn="l">
-              <a:buAutoNum type="arabicPeriod"/>
+            <a:endParaRPr lang="en-US" sz="1200" b="0" i="0" u="none" strike="noStrike" baseline="0" dirty="0">
+              <a:latin typeface="+mn-lt"/>
+            </a:endParaRPr>
+          </a:p>
+          <a:p>
+            <a:pPr marL="0" indent="0" algn="l">
+              <a:buNone/>
             </a:pPr>
             <a:r>
-              <a:rPr lang="en-US" b="1" i="0" dirty="0">
-                <a:effectLst/>
-                <a:latin typeface="Noto serif" panose="02020600060500020200" pitchFamily="18" charset="0"/>
-              </a:rPr>
-              <a:t>Model-development time</a:t>
-            </a:r>
-            <a:r>
-              <a:rPr lang="en-US" b="0" dirty="0">
-                <a:effectLst/>
-                <a:latin typeface="Noto serif" panose="02020600060500020200" pitchFamily="18" charset="0"/>
-              </a:rPr>
-              <a:t>: Utilizing knowledge from a source model might also help in fully learning the target task, as compared to a target model that learns from scratch. This, in turn, results in improvements in the overall time taken to develop and train a model.</a:t>
-            </a:r>
-          </a:p>
-          <a:p>
-            <a:pPr marL="685800" lvl="1" indent="-228600" algn="l">
-              <a:buAutoNum type="arabicPeriod"/>
-            </a:pPr>
-            <a:r>
-              <a:rPr lang="en-US" b="1" i="0" dirty="0">
-                <a:effectLst/>
-                <a:latin typeface="Noto serif" panose="02020600060500020200" pitchFamily="18" charset="0"/>
-              </a:rPr>
-              <a:t>Improved final performance</a:t>
-            </a:r>
-            <a:r>
-              <a:rPr lang="en-US" b="0" dirty="0">
-                <a:effectLst/>
-                <a:latin typeface="Noto serif" panose="02020600060500020200" pitchFamily="18" charset="0"/>
-              </a:rPr>
-              <a:t>: And finally, higher final performance might be attained by leveraging transfer learning.</a:t>
-            </a:r>
-          </a:p>
-          <a:p>
-            <a:pPr algn="l"/>
-            <a:endParaRPr lang="en-US" dirty="0"/>
+              <a:rPr lang="en-US" sz="1200" b="0" i="0" u="none" strike="noStrike" baseline="0" dirty="0">
+                <a:latin typeface="+mj-lt"/>
+              </a:rPr>
+              <a:t>https://docs.google.com/document/d/1-NSkeWmzSzi6myow-q9avX4Oz2k9zywZpoDts63CQvQ/edit?usp=sharing</a:t>
+            </a:r>
           </a:p>
         </p:txBody>
       </p:sp>
@@ -2246,7 +2299,7 @@
     </p:spTree>
     <p:extLst>
       <p:ext uri="{BB962C8B-B14F-4D97-AF65-F5344CB8AC3E}">
-        <p14:creationId xmlns:p14="http://schemas.microsoft.com/office/powerpoint/2010/main" val="2399302740"/>
+        <p14:creationId xmlns:p14="http://schemas.microsoft.com/office/powerpoint/2010/main" val="1416470350"/>
       </p:ext>
     </p:extLst>
   </p:cSld>
@@ -2300,154 +2353,15 @@
           <a:bodyPr/>
           <a:lstStyle/>
           <a:p>
-            <a:pPr marL="228600" marR="0" lvl="0" indent="-228600" algn="l" defTabSz="914400" rtl="0" eaLnBrk="1" fontAlgn="auto" latinLnBrk="0" hangingPunct="1">
-              <a:lnSpc>
-                <a:spcPct val="100000"/>
-              </a:lnSpc>
-              <a:spcBef>
-                <a:spcPts val="0"/>
-              </a:spcBef>
-              <a:spcAft>
-                <a:spcPts val="0"/>
-              </a:spcAft>
-              <a:buClrTx/>
-              <a:buSzTx/>
-              <a:buFontTx/>
-              <a:buAutoNum type="arabicPeriod"/>
-              <a:tabLst/>
-              <a:defRPr/>
-            </a:pPr>
-            <a:r>
-              <a:rPr lang="en-US" dirty="0">
-                <a:latin typeface="+mn-lt"/>
-              </a:rPr>
-              <a:t>Three key questions.</a:t>
-            </a:r>
-          </a:p>
-          <a:p>
-            <a:pPr marL="685800" marR="0" lvl="1" indent="-228600" algn="l" defTabSz="914400" rtl="0" eaLnBrk="1" fontAlgn="auto" latinLnBrk="0" hangingPunct="1">
-              <a:lnSpc>
-                <a:spcPct val="100000"/>
-              </a:lnSpc>
-              <a:spcBef>
-                <a:spcPts val="0"/>
-              </a:spcBef>
-              <a:spcAft>
-                <a:spcPts val="0"/>
-              </a:spcAft>
-              <a:buClrTx/>
-              <a:buSzTx/>
-              <a:buFontTx/>
-              <a:buAutoNum type="arabicPeriod"/>
-              <a:tabLst/>
-              <a:defRPr/>
-            </a:pPr>
-            <a:r>
-              <a:rPr lang="en-US" b="1" dirty="0">
-                <a:latin typeface="+mn-lt"/>
-              </a:rPr>
-              <a:t>What to transfer</a:t>
-            </a:r>
-            <a:r>
-              <a:rPr lang="en-US" dirty="0">
-                <a:latin typeface="+mn-lt"/>
-              </a:rPr>
-              <a:t>: </a:t>
-            </a:r>
+            <a:pPr algn="l"/>
             <a:r>
               <a:rPr lang="en-US" sz="1800" b="0" i="0" u="none" strike="noStrike" baseline="0" dirty="0">
                 <a:latin typeface="PalatinoLinotype-Roman"/>
               </a:rPr>
-              <a:t>This is the first and the most important step in the transfer learning process.  Here we seek to discover the part of the knowledge that can be transferred from the source to the target in order to improve the performance of the target task.  Our goal is to identify what knowledge is source-specific and what is common between the source and the target.</a:t>
-            </a:r>
-            <a:endParaRPr lang="en-US" sz="1800" b="0" i="0" u="none" strike="noStrike" baseline="0" dirty="0">
-              <a:latin typeface="+mn-lt"/>
-            </a:endParaRPr>
-          </a:p>
-          <a:p>
-            <a:pPr marL="685800" marR="0" lvl="1" indent="-228600" algn="l" defTabSz="914400" rtl="0" eaLnBrk="1" fontAlgn="auto" latinLnBrk="0" hangingPunct="1">
-              <a:lnSpc>
-                <a:spcPct val="100000"/>
-              </a:lnSpc>
-              <a:spcBef>
-                <a:spcPts val="0"/>
-              </a:spcBef>
-              <a:spcAft>
-                <a:spcPts val="0"/>
-              </a:spcAft>
-              <a:buClrTx/>
-              <a:buSzTx/>
-              <a:buFontTx/>
-              <a:buAutoNum type="arabicPeriod"/>
-              <a:tabLst/>
-              <a:defRPr/>
-            </a:pPr>
-            <a:r>
-              <a:rPr lang="en-US" b="1" dirty="0">
-                <a:latin typeface="+mn-lt"/>
-              </a:rPr>
-              <a:t>When to transfer:  </a:t>
-            </a:r>
-            <a:r>
-              <a:rPr lang="en-US" sz="1800" b="0" i="0" u="none" strike="noStrike" baseline="0" dirty="0">
-                <a:latin typeface="PalatinoLinotype-Roman"/>
-              </a:rPr>
-              <a:t>Sometimes transfer learning doesn’t make sense.  In fact, at times transfer learning can make things worse.  We call this – </a:t>
-            </a:r>
-            <a:r>
-              <a:rPr lang="en-US" sz="1800" b="1" i="0" u="none" strike="noStrike" baseline="0" dirty="0">
-                <a:latin typeface="PalatinoLinotype-Roman"/>
-              </a:rPr>
-              <a:t>negative transfer</a:t>
-            </a:r>
-            <a:r>
-              <a:rPr lang="en-US" sz="1800" b="0" i="0" u="none" strike="noStrike" baseline="0" dirty="0">
-                <a:latin typeface="PalatinoLinotype-Roman"/>
-              </a:rPr>
-              <a:t>.  Obviously, the goal is to improve target performance and results, not degrade them.  All this calls for wisdom about when to transfer and when to build from the ground up.</a:t>
-            </a:r>
-            <a:endParaRPr lang="en-US" sz="1800" b="1" i="0" u="none" strike="noStrike" baseline="0" dirty="0">
-              <a:latin typeface="+mn-lt"/>
-            </a:endParaRPr>
-          </a:p>
-          <a:p>
-            <a:pPr marL="685800" marR="0" lvl="1" indent="-228600" algn="l" defTabSz="914400" rtl="0" eaLnBrk="1" fontAlgn="auto" latinLnBrk="0" hangingPunct="1">
-              <a:lnSpc>
-                <a:spcPct val="100000"/>
-              </a:lnSpc>
-              <a:spcBef>
-                <a:spcPts val="0"/>
-              </a:spcBef>
-              <a:spcAft>
-                <a:spcPts val="0"/>
-              </a:spcAft>
-              <a:buClrTx/>
-              <a:buSzTx/>
-              <a:buFontTx/>
-              <a:buAutoNum type="arabicPeriod"/>
-              <a:tabLst/>
-              <a:defRPr/>
-            </a:pPr>
-            <a:r>
-              <a:rPr lang="en-US" b="1" dirty="0">
-                <a:latin typeface="+mn-lt"/>
-              </a:rPr>
-              <a:t>How to transfer: </a:t>
-            </a:r>
-            <a:r>
-              <a:rPr lang="en-US" sz="1800" b="0" i="0" u="none" strike="noStrike" baseline="0" dirty="0">
-                <a:latin typeface="PalatinoLinotype-Roman"/>
-              </a:rPr>
-              <a:t>Once the first two question have been answered, we then identify ways of actually transferring the knowledge across domains/tasks. This often calls for changes to existing algorithms and/or the use of different techniques. </a:t>
-            </a:r>
-            <a:endParaRPr lang="en-US" b="1" dirty="0">
-              <a:latin typeface="+mn-lt"/>
-            </a:endParaRPr>
-          </a:p>
-          <a:p>
-            <a:pPr algn="l"/>
-            <a:endParaRPr lang="en-US" dirty="0">
-              <a:latin typeface="+mn-lt"/>
+              <a:t>Before we start our first exercise, let’s take an initial look at the transfer learning process.  Deep learning systems are layered architectures that learn different features at different layers. These layers are then finally connected to a last layer (usually a fully connected layer, in the case of classification) to get the final output. This layered architecture allows us to utilize a pretrained network (such as Inception V3 or VGG) without its final layer as a fixed feature extractor for other tasks. </a:t>
+            </a:r>
+            <a:endParaRPr lang="en-US" sz="1200" b="0" i="0" u="none" strike="noStrike" baseline="0" dirty="0">
+              <a:latin typeface="+mj-lt"/>
             </a:endParaRPr>
           </a:p>
         </p:txBody>
@@ -2478,7 +2392,7 @@
     </p:spTree>
     <p:extLst>
       <p:ext uri="{BB962C8B-B14F-4D97-AF65-F5344CB8AC3E}">
-        <p14:creationId xmlns:p14="http://schemas.microsoft.com/office/powerpoint/2010/main" val="3990806821"/>
+        <p14:creationId xmlns:p14="http://schemas.microsoft.com/office/powerpoint/2010/main" val="1503165634"/>
       </p:ext>
     </p:extLst>
   </p:cSld>
@@ -2532,33 +2446,26 @@
           <a:bodyPr/>
           <a:lstStyle/>
           <a:p>
-            <a:pPr marL="0" indent="0" algn="l">
+            <a:pPr marL="0" marR="0" lvl="0" indent="0" algn="l" defTabSz="914400" rtl="0" eaLnBrk="1" fontAlgn="auto" latinLnBrk="0" hangingPunct="1">
+              <a:lnSpc>
+                <a:spcPct val="100000"/>
+              </a:lnSpc>
+              <a:spcBef>
+                <a:spcPts val="0"/>
+              </a:spcBef>
+              <a:spcAft>
+                <a:spcPts val="0"/>
+              </a:spcAft>
+              <a:buClrTx/>
+              <a:buSzTx/>
+              <a:buFontTx/>
               <a:buNone/>
+              <a:tabLst/>
+              <a:defRPr/>
             </a:pPr>
             <a:r>
-              <a:rPr lang="en-US" dirty="0">
-                <a:latin typeface="+mn-lt"/>
-              </a:rPr>
-              <a:t>Many types of transfer – don’t have time to cover here – please review the material in the handout</a:t>
-            </a:r>
-          </a:p>
-          <a:p>
-            <a:pPr marL="0" indent="0" algn="l">
-              <a:buNone/>
-            </a:pPr>
-            <a:endParaRPr lang="en-US" sz="1200" b="0" i="0" u="none" strike="noStrike" baseline="0" dirty="0">
-              <a:latin typeface="+mn-lt"/>
-            </a:endParaRPr>
-          </a:p>
-          <a:p>
-            <a:pPr marL="0" indent="0" algn="l">
-              <a:buNone/>
-            </a:pPr>
-            <a:r>
-              <a:rPr lang="en-US" sz="1200" b="0" i="0" u="none" strike="noStrike" baseline="0" dirty="0">
-                <a:latin typeface="+mj-lt"/>
-              </a:rPr>
-              <a:t>https://docs.google.com/document/d/1-NSkeWmzSzi6myow-q9avX4Oz2k9zywZpoDts63CQvQ/edit?usp=sharing</a:t>
+              <a:rPr lang="en-US" dirty="0"/>
+              <a:t>Setup Instructions…</a:t>
             </a:r>
           </a:p>
         </p:txBody>
@@ -2589,7 +2496,7 @@
     </p:spTree>
     <p:extLst>
       <p:ext uri="{BB962C8B-B14F-4D97-AF65-F5344CB8AC3E}">
-        <p14:creationId xmlns:p14="http://schemas.microsoft.com/office/powerpoint/2010/main" val="1416470350"/>
+        <p14:creationId xmlns:p14="http://schemas.microsoft.com/office/powerpoint/2010/main" val="1279646560"/>
       </p:ext>
     </p:extLst>
   </p:cSld>
@@ -2643,16 +2550,24 @@
           <a:bodyPr/>
           <a:lstStyle/>
           <a:p>
-            <a:pPr algn="l"/>
-            <a:r>
-              <a:rPr lang="en-US" sz="1800" b="0" i="0" u="none" strike="noStrike" baseline="0" dirty="0">
-                <a:latin typeface="PalatinoLinotype-Roman"/>
-              </a:rPr>
-              <a:t>Before we start our first exercise, let’s take an initial look at the transfer learning process.  Deep learning systems are layered architectures that learn different features at different layers. These layers are then finally connected to a last layer (usually a fully connected layer, in the case of classification) to get the final output. This layered architecture allows us to utilize a pretrained network (such as Inception V3 or VGG) without its final layer as a fixed feature extractor for other tasks. </a:t>
-            </a:r>
-            <a:endParaRPr lang="en-US" sz="1200" b="0" i="0" u="none" strike="noStrike" baseline="0" dirty="0">
-              <a:latin typeface="+mj-lt"/>
-            </a:endParaRPr>
+            <a:pPr marL="0" marR="0" lvl="0" indent="0" algn="l" defTabSz="914400" rtl="0" eaLnBrk="1" fontAlgn="auto" latinLnBrk="0" hangingPunct="1">
+              <a:lnSpc>
+                <a:spcPct val="100000"/>
+              </a:lnSpc>
+              <a:spcBef>
+                <a:spcPts val="0"/>
+              </a:spcBef>
+              <a:spcAft>
+                <a:spcPts val="0"/>
+              </a:spcAft>
+              <a:buClrTx/>
+              <a:buSzTx/>
+              <a:buFontTx/>
+              <a:buNone/>
+              <a:tabLst/>
+              <a:defRPr/>
+            </a:pPr>
+            <a:endParaRPr lang="en-US" dirty="0"/>
           </a:p>
         </p:txBody>
       </p:sp>
@@ -2682,7 +2597,7 @@
     </p:spTree>
     <p:extLst>
       <p:ext uri="{BB962C8B-B14F-4D97-AF65-F5344CB8AC3E}">
-        <p14:creationId xmlns:p14="http://schemas.microsoft.com/office/powerpoint/2010/main" val="1503165634"/>
+        <p14:creationId xmlns:p14="http://schemas.microsoft.com/office/powerpoint/2010/main" val="1985664105"/>
       </p:ext>
     </p:extLst>
   </p:cSld>
@@ -2839,7 +2754,7 @@
           <a:p>
             <a:fld id="{C3F78080-8D0A-4BE8-A5B4-CB115102D524}" type="datetimeFigureOut">
               <a:rPr lang="en-US" smtClean="0"/>
-              <a:t>5/26/2022</a:t>
+              <a:t>9/20/2022</a:t>
             </a:fld>
             <a:endParaRPr lang="en-US"/>
           </a:p>
@@ -3037,7 +2952,7 @@
           <a:p>
             <a:fld id="{C3F78080-8D0A-4BE8-A5B4-CB115102D524}" type="datetimeFigureOut">
               <a:rPr lang="en-US" smtClean="0"/>
-              <a:t>5/26/2022</a:t>
+              <a:t>9/20/2022</a:t>
             </a:fld>
             <a:endParaRPr lang="en-US"/>
           </a:p>
@@ -3245,7 +3160,7 @@
           <a:p>
             <a:fld id="{C3F78080-8D0A-4BE8-A5B4-CB115102D524}" type="datetimeFigureOut">
               <a:rPr lang="en-US" smtClean="0"/>
-              <a:t>5/26/2022</a:t>
+              <a:t>9/20/2022</a:t>
             </a:fld>
             <a:endParaRPr lang="en-US"/>
           </a:p>
@@ -3443,7 +3358,7 @@
           <a:p>
             <a:fld id="{C3F78080-8D0A-4BE8-A5B4-CB115102D524}" type="datetimeFigureOut">
               <a:rPr lang="en-US" smtClean="0"/>
-              <a:t>5/26/2022</a:t>
+              <a:t>9/20/2022</a:t>
             </a:fld>
             <a:endParaRPr lang="en-US"/>
           </a:p>
@@ -3718,7 +3633,7 @@
           <a:p>
             <a:fld id="{C3F78080-8D0A-4BE8-A5B4-CB115102D524}" type="datetimeFigureOut">
               <a:rPr lang="en-US" smtClean="0"/>
-              <a:t>5/26/2022</a:t>
+              <a:t>9/20/2022</a:t>
             </a:fld>
             <a:endParaRPr lang="en-US"/>
           </a:p>
@@ -3983,7 +3898,7 @@
           <a:p>
             <a:fld id="{C3F78080-8D0A-4BE8-A5B4-CB115102D524}" type="datetimeFigureOut">
               <a:rPr lang="en-US" smtClean="0"/>
-              <a:t>5/26/2022</a:t>
+              <a:t>9/20/2022</a:t>
             </a:fld>
             <a:endParaRPr lang="en-US"/>
           </a:p>
@@ -4395,7 +4310,7 @@
           <a:p>
             <a:fld id="{C3F78080-8D0A-4BE8-A5B4-CB115102D524}" type="datetimeFigureOut">
               <a:rPr lang="en-US" smtClean="0"/>
-              <a:t>5/26/2022</a:t>
+              <a:t>9/20/2022</a:t>
             </a:fld>
             <a:endParaRPr lang="en-US"/>
           </a:p>
@@ -4536,7 +4451,7 @@
           <a:p>
             <a:fld id="{C3F78080-8D0A-4BE8-A5B4-CB115102D524}" type="datetimeFigureOut">
               <a:rPr lang="en-US" smtClean="0"/>
-              <a:t>5/26/2022</a:t>
+              <a:t>9/20/2022</a:t>
             </a:fld>
             <a:endParaRPr lang="en-US"/>
           </a:p>
@@ -4649,7 +4564,7 @@
           <a:p>
             <a:fld id="{C3F78080-8D0A-4BE8-A5B4-CB115102D524}" type="datetimeFigureOut">
               <a:rPr lang="en-US" smtClean="0"/>
-              <a:t>5/26/2022</a:t>
+              <a:t>9/20/2022</a:t>
             </a:fld>
             <a:endParaRPr lang="en-US"/>
           </a:p>
@@ -4960,7 +4875,7 @@
           <a:p>
             <a:fld id="{C3F78080-8D0A-4BE8-A5B4-CB115102D524}" type="datetimeFigureOut">
               <a:rPr lang="en-US" smtClean="0"/>
-              <a:t>5/26/2022</a:t>
+              <a:t>9/20/2022</a:t>
             </a:fld>
             <a:endParaRPr lang="en-US"/>
           </a:p>
@@ -5248,7 +5163,7 @@
           <a:p>
             <a:fld id="{C3F78080-8D0A-4BE8-A5B4-CB115102D524}" type="datetimeFigureOut">
               <a:rPr lang="en-US" smtClean="0"/>
-              <a:t>5/26/2022</a:t>
+              <a:t>9/20/2022</a:t>
             </a:fld>
             <a:endParaRPr lang="en-US"/>
           </a:p>
@@ -5489,7 +5404,7 @@
           <a:p>
             <a:fld id="{C3F78080-8D0A-4BE8-A5B4-CB115102D524}" type="datetimeFigureOut">
               <a:rPr lang="en-US" smtClean="0"/>
-              <a:t>5/26/2022</a:t>
+              <a:t>9/20/2022</a:t>
             </a:fld>
             <a:endParaRPr lang="en-US"/>
           </a:p>
@@ -6022,10 +5937,10 @@
       </p:grpSpPr>
       <p:pic>
         <p:nvPicPr>
-          <p:cNvPr id="1026" name="Picture 2" descr="Project Jupyter - Wikipedia">
-            <a:extLst>
-              <a:ext uri="{FF2B5EF4-FFF2-40B4-BE49-F238E27FC236}">
-                <a16:creationId xmlns:a16="http://schemas.microsoft.com/office/drawing/2014/main" id="{2E199D10-634D-4257-BA3C-C6BFAF6D0A76}"/>
+          <p:cNvPr id="1026" name="Picture 2" descr="mls2 1104">
+            <a:extLst>
+              <a:ext uri="{FF2B5EF4-FFF2-40B4-BE49-F238E27FC236}">
+                <a16:creationId xmlns:a16="http://schemas.microsoft.com/office/drawing/2014/main" id="{4D99DD64-7E1E-4429-90DA-44ED8760C2A3}"/>
               </a:ext>
             </a:extLst>
           </p:cNvPr>
@@ -6049,8 +5964,8 @@
         </p:blipFill>
         <p:spPr bwMode="auto">
           <a:xfrm>
-            <a:off x="4581999" y="1674108"/>
-            <a:ext cx="3028001" cy="3509783"/>
+            <a:off x="2136220" y="139701"/>
+            <a:ext cx="7919560" cy="6121400"/>
           </a:xfrm>
           <a:prstGeom prst="rect">
             <a:avLst/>
@@ -6067,10 +5982,118 @@
           </a:extLst>
         </p:spPr>
       </p:pic>
+      <p:sp>
+        <p:nvSpPr>
+          <p:cNvPr id="10" name="TextBox 9">
+            <a:extLst>
+              <a:ext uri="{FF2B5EF4-FFF2-40B4-BE49-F238E27FC236}">
+                <a16:creationId xmlns:a16="http://schemas.microsoft.com/office/drawing/2014/main" id="{819F191C-2EB7-40F9-8F3A-CC2671D0103A}"/>
+              </a:ext>
+            </a:extLst>
+          </p:cNvPr>
+          <p:cNvSpPr txBox="1"/>
+          <p:nvPr/>
+        </p:nvSpPr>
+        <p:spPr>
+          <a:xfrm>
+            <a:off x="0" y="6550223"/>
+            <a:ext cx="12192000" cy="307777"/>
+          </a:xfrm>
+          <a:prstGeom prst="rect">
+            <a:avLst/>
+          </a:prstGeom>
+          <a:noFill/>
+        </p:spPr>
+        <p:txBody>
+          <a:bodyPr wrap="square" rtlCol="0">
+            <a:spAutoFit/>
+          </a:bodyPr>
+          <a:lstStyle/>
+          <a:p>
+            <a:r>
+              <a:rPr lang="en-US" sz="1400" dirty="0">
+                <a:solidFill>
+                  <a:schemeClr val="tx1">
+                    <a:lumMod val="65000"/>
+                    <a:lumOff val="35000"/>
+                  </a:schemeClr>
+                </a:solidFill>
+                <a:latin typeface="+mj-lt"/>
+                <a:ea typeface="Verdana" panose="020B0604030504040204" pitchFamily="34" charset="0"/>
+              </a:rPr>
+              <a:t>Source: Geron, A. (2019). </a:t>
+            </a:r>
+            <a:r>
+              <a:rPr lang="en-US" sz="1400" i="1" dirty="0">
+                <a:solidFill>
+                  <a:schemeClr val="tx1">
+                    <a:lumMod val="65000"/>
+                    <a:lumOff val="35000"/>
+                  </a:schemeClr>
+                </a:solidFill>
+                <a:latin typeface="+mj-lt"/>
+                <a:ea typeface="Verdana" panose="020B0604030504040204" pitchFamily="34" charset="0"/>
+              </a:rPr>
+              <a:t>Hands-on machine learning with Sci-Kit Learn, Keras, and Tensorflow. </a:t>
+            </a:r>
+            <a:r>
+              <a:rPr lang="en-US" sz="1400" b="0" i="0" dirty="0">
+                <a:solidFill>
+                  <a:schemeClr val="tx1">
+                    <a:lumMod val="65000"/>
+                    <a:lumOff val="35000"/>
+                  </a:schemeClr>
+                </a:solidFill>
+                <a:effectLst/>
+                <a:latin typeface="+mj-lt"/>
+                <a:ea typeface="Verdana" panose="020B0604030504040204" pitchFamily="34" charset="0"/>
+              </a:rPr>
+              <a:t>Sebastopol, CA: </a:t>
+            </a:r>
+            <a:r>
+              <a:rPr lang="en-US" sz="1400" dirty="0">
+                <a:solidFill>
+                  <a:schemeClr val="tx1">
+                    <a:lumMod val="65000"/>
+                    <a:lumOff val="35000"/>
+                  </a:schemeClr>
+                </a:solidFill>
+                <a:latin typeface="+mj-lt"/>
+                <a:ea typeface="Verdana" panose="020B0604030504040204" pitchFamily="34" charset="0"/>
+              </a:rPr>
+              <a:t>O’Reilly Media</a:t>
+            </a:r>
+            <a:r>
+              <a:rPr lang="en-US" sz="1400" b="0" i="0" dirty="0">
+                <a:solidFill>
+                  <a:schemeClr val="tx1">
+                    <a:lumMod val="65000"/>
+                    <a:lumOff val="35000"/>
+                  </a:schemeClr>
+                </a:solidFill>
+                <a:effectLst/>
+                <a:latin typeface="+mj-lt"/>
+                <a:ea typeface="Verdana" panose="020B0604030504040204" pitchFamily="34" charset="0"/>
+              </a:rPr>
+              <a:t>. (Chapter 11)</a:t>
+            </a:r>
+            <a:endParaRPr lang="en-US" sz="1400" dirty="0">
+              <a:solidFill>
+                <a:schemeClr val="tx1">
+                  <a:lumMod val="65000"/>
+                  <a:lumOff val="35000"/>
+                </a:schemeClr>
+              </a:solidFill>
+              <a:latin typeface="+mj-lt"/>
+              <a:ea typeface="Verdana" panose="020B0604030504040204" pitchFamily="34" charset="0"/>
+            </a:endParaRPr>
+          </a:p>
+        </p:txBody>
+      </p:sp>
     </p:spTree>
     <p:extLst>
       <p:ext uri="{BB962C8B-B14F-4D97-AF65-F5344CB8AC3E}">
-        <p14:creationId xmlns:p14="http://schemas.microsoft.com/office/powerpoint/2010/main" val="2383651979"/>
+        <p14:creationId xmlns:p14="http://schemas.microsoft.com/office/powerpoint/2010/main" val="3452552887"/>
       </p:ext>
     </p:extLst>
   </p:cSld>
@@ -6109,52 +6132,22 @@
           <a:chExt cx="0" cy="0"/>
         </a:xfrm>
       </p:grpSpPr>
-      <p:pic>
-        <p:nvPicPr>
-          <p:cNvPr id="3" name="Picture 2">
-            <a:extLst>
-              <a:ext uri="{FF2B5EF4-FFF2-40B4-BE49-F238E27FC236}">
-                <a16:creationId xmlns:a16="http://schemas.microsoft.com/office/drawing/2014/main" id="{88CC7D4C-7D31-4E3C-92F7-200A7C7F587F}"/>
-              </a:ext>
-            </a:extLst>
-          </p:cNvPr>
-          <p:cNvPicPr>
-            <a:picLocks noChangeAspect="1"/>
-          </p:cNvPicPr>
+      <p:sp>
+        <p:nvSpPr>
+          <p:cNvPr id="4" name="TextBox 3">
+            <a:extLst>
+              <a:ext uri="{FF2B5EF4-FFF2-40B4-BE49-F238E27FC236}">
+                <a16:creationId xmlns:a16="http://schemas.microsoft.com/office/drawing/2014/main" id="{CB9B36ED-58AA-4A06-8011-351836EA92CD}"/>
+              </a:ext>
+            </a:extLst>
+          </p:cNvPr>
+          <p:cNvSpPr txBox="1"/>
           <p:nvPr/>
-        </p:nvPicPr>
-        <p:blipFill>
-          <a:blip r:embed="rId3"/>
-          <a:stretch>
-            <a:fillRect/>
-          </a:stretch>
-        </p:blipFill>
+        </p:nvSpPr>
         <p:spPr>
           <a:xfrm>
-            <a:off x="0" y="365760"/>
-            <a:ext cx="3233668" cy="805144"/>
-          </a:xfrm>
-          <a:prstGeom prst="rect">
-            <a:avLst/>
-          </a:prstGeom>
-        </p:spPr>
-      </p:pic>
-      <p:sp>
-        <p:nvSpPr>
-          <p:cNvPr id="4" name="TextBox 3">
-            <a:extLst>
-              <a:ext uri="{FF2B5EF4-FFF2-40B4-BE49-F238E27FC236}">
-                <a16:creationId xmlns:a16="http://schemas.microsoft.com/office/drawing/2014/main" id="{E5B866A1-DCAF-4E6B-BCCB-0CE14529234E}"/>
-              </a:ext>
-            </a:extLst>
-          </p:cNvPr>
-          <p:cNvSpPr txBox="1"/>
-          <p:nvPr/>
-        </p:nvSpPr>
-        <p:spPr>
-          <a:xfrm>
-            <a:off x="0" y="3291840"/>
-            <a:ext cx="12192000" cy="1200329"/>
+            <a:off x="0" y="2614483"/>
+            <a:ext cx="12192000" cy="369332"/>
           </a:xfrm>
           <a:prstGeom prst="rect">
             <a:avLst/>
@@ -6162,47 +6155,325 @@
           <a:noFill/>
         </p:spPr>
         <p:txBody>
+          <a:bodyPr wrap="square">
+            <a:spAutoFit/>
+          </a:bodyPr>
+          <a:lstStyle/>
+          <a:p>
+            <a:pPr algn="ctr"/>
+            <a:r>
+              <a:rPr lang="en-US" b="0" i="0" u="none" strike="noStrike" baseline="0" dirty="0">
+                <a:solidFill>
+                  <a:schemeClr val="tx1">
+                    <a:lumMod val="75000"/>
+                    <a:lumOff val="25000"/>
+                  </a:schemeClr>
+                </a:solidFill>
+                <a:latin typeface="Courier New" panose="02070309020205020404" pitchFamily="49" charset="0"/>
+                <a:cs typeface="Courier New" panose="02070309020205020404" pitchFamily="49" charset="0"/>
+              </a:rPr>
+              <a:t>model.save_model(filepath = 'path_to_model/model_name')</a:t>
+            </a:r>
+            <a:endParaRPr lang="en-US" dirty="0">
+              <a:solidFill>
+                <a:schemeClr val="tx1">
+                  <a:lumMod val="75000"/>
+                  <a:lumOff val="25000"/>
+                </a:schemeClr>
+              </a:solidFill>
+              <a:latin typeface="Courier New" panose="02070309020205020404" pitchFamily="49" charset="0"/>
+              <a:cs typeface="Courier New" panose="02070309020205020404" pitchFamily="49" charset="0"/>
+            </a:endParaRPr>
+          </a:p>
+        </p:txBody>
+      </p:sp>
+      <p:sp>
+        <p:nvSpPr>
+          <p:cNvPr id="6" name="TextBox 5">
+            <a:extLst>
+              <a:ext uri="{FF2B5EF4-FFF2-40B4-BE49-F238E27FC236}">
+                <a16:creationId xmlns:a16="http://schemas.microsoft.com/office/drawing/2014/main" id="{2E098920-D23C-41D4-8CCC-91D98B6EC2E2}"/>
+              </a:ext>
+            </a:extLst>
+          </p:cNvPr>
+          <p:cNvSpPr txBox="1"/>
+          <p:nvPr/>
+        </p:nvSpPr>
+        <p:spPr>
+          <a:xfrm>
+            <a:off x="0" y="3429000"/>
+            <a:ext cx="12192000" cy="369332"/>
+          </a:xfrm>
+          <a:prstGeom prst="rect">
+            <a:avLst/>
+          </a:prstGeom>
+          <a:noFill/>
+        </p:spPr>
+        <p:txBody>
+          <a:bodyPr wrap="square">
+            <a:spAutoFit/>
+          </a:bodyPr>
+          <a:lstStyle/>
+          <a:p>
+            <a:pPr algn="ctr"/>
+            <a:r>
+              <a:rPr lang="en-US" b="0" i="0" u="none" strike="noStrike" baseline="0" dirty="0">
+                <a:solidFill>
+                  <a:schemeClr val="tx1">
+                    <a:lumMod val="75000"/>
+                    <a:lumOff val="25000"/>
+                  </a:schemeClr>
+                </a:solidFill>
+                <a:latin typeface="Courier New" panose="02070309020205020404" pitchFamily="49" charset="0"/>
+                <a:cs typeface="Courier New" panose="02070309020205020404" pitchFamily="49" charset="0"/>
+              </a:rPr>
+              <a:t>loaded_model = tf.keras.models.load_model</a:t>
+            </a:r>
+            <a:r>
+              <a:rPr lang="en-US" dirty="0">
+                <a:solidFill>
+                  <a:schemeClr val="tx1">
+                    <a:lumMod val="75000"/>
+                    <a:lumOff val="25000"/>
+                  </a:schemeClr>
+                </a:solidFill>
+                <a:latin typeface="Courier New" panose="02070309020205020404" pitchFamily="49" charset="0"/>
+                <a:cs typeface="Courier New" panose="02070309020205020404" pitchFamily="49" charset="0"/>
+              </a:rPr>
+              <a:t>(</a:t>
+            </a:r>
+            <a:r>
+              <a:rPr lang="en-US" b="0" i="0" u="none" strike="noStrike" baseline="0" dirty="0">
+                <a:solidFill>
+                  <a:schemeClr val="tx1">
+                    <a:lumMod val="75000"/>
+                    <a:lumOff val="25000"/>
+                  </a:schemeClr>
+                </a:solidFill>
+                <a:latin typeface="Courier New" panose="02070309020205020404" pitchFamily="49" charset="0"/>
+                <a:cs typeface="Courier New" panose="02070309020205020404" pitchFamily="49" charset="0"/>
+              </a:rPr>
+              <a:t>filepath = 'path_to_model/</a:t>
+            </a:r>
+            <a:r>
+              <a:rPr lang="en-US" dirty="0">
+                <a:solidFill>
+                  <a:schemeClr val="tx1">
+                    <a:lumMod val="75000"/>
+                    <a:lumOff val="25000"/>
+                  </a:schemeClr>
+                </a:solidFill>
+                <a:latin typeface="Courier New" panose="02070309020205020404" pitchFamily="49" charset="0"/>
+                <a:cs typeface="Courier New" panose="02070309020205020404" pitchFamily="49" charset="0"/>
+              </a:rPr>
+              <a:t>model_name</a:t>
+            </a:r>
+            <a:r>
+              <a:rPr lang="en-US" b="0" i="0" u="none" strike="noStrike" baseline="0" dirty="0">
+                <a:solidFill>
+                  <a:schemeClr val="tx1">
+                    <a:lumMod val="75000"/>
+                    <a:lumOff val="25000"/>
+                  </a:schemeClr>
+                </a:solidFill>
+                <a:latin typeface="Courier New" panose="02070309020205020404" pitchFamily="49" charset="0"/>
+                <a:cs typeface="Courier New" panose="02070309020205020404" pitchFamily="49" charset="0"/>
+              </a:rPr>
+              <a:t>')</a:t>
+            </a:r>
+            <a:endParaRPr lang="en-US" dirty="0">
+              <a:solidFill>
+                <a:schemeClr val="tx1">
+                  <a:lumMod val="75000"/>
+                  <a:lumOff val="25000"/>
+                </a:schemeClr>
+              </a:solidFill>
+              <a:latin typeface="Courier New" panose="02070309020205020404" pitchFamily="49" charset="0"/>
+              <a:cs typeface="Courier New" panose="02070309020205020404" pitchFamily="49" charset="0"/>
+            </a:endParaRPr>
+          </a:p>
+        </p:txBody>
+      </p:sp>
+      <p:sp>
+        <p:nvSpPr>
+          <p:cNvPr id="7" name="Title 1">
+            <a:extLst>
+              <a:ext uri="{FF2B5EF4-FFF2-40B4-BE49-F238E27FC236}">
+                <a16:creationId xmlns:a16="http://schemas.microsoft.com/office/drawing/2014/main" id="{D610C65F-E234-42DB-9E47-9793ADD911CD}"/>
+              </a:ext>
+            </a:extLst>
+          </p:cNvPr>
+          <p:cNvSpPr>
+            <a:spLocks noGrp="1"/>
+          </p:cNvSpPr>
+          <p:nvPr>
+            <p:ph type="title"/>
+          </p:nvPr>
+        </p:nvSpPr>
+        <p:spPr>
+          <a:xfrm>
+            <a:off x="0" y="793808"/>
+            <a:ext cx="12192000" cy="606943"/>
+          </a:xfrm>
+          <a:noFill/>
+        </p:spPr>
+        <p:txBody>
+          <a:bodyPr>
+            <a:noAutofit/>
+          </a:bodyPr>
+          <a:lstStyle/>
+          <a:p>
+            <a:pPr algn="ctr"/>
+            <a:r>
+              <a:rPr lang="en-US" sz="3600" dirty="0">
+                <a:solidFill>
+                  <a:schemeClr val="tx1">
+                    <a:lumMod val="65000"/>
+                    <a:lumOff val="35000"/>
+                  </a:schemeClr>
+                </a:solidFill>
+                <a:latin typeface="Palatino Linotype" panose="02040502050505030304" pitchFamily="18" charset="0"/>
+              </a:rPr>
+              <a:t>Model</a:t>
+            </a:r>
+            <a:endParaRPr lang="en-US" sz="3600" dirty="0">
+              <a:solidFill>
+                <a:schemeClr val="tx1">
+                  <a:lumMod val="65000"/>
+                  <a:lumOff val="35000"/>
+                </a:schemeClr>
+              </a:solidFill>
+              <a:latin typeface="Palatino Linotype" panose="02040502050505030304" pitchFamily="18" charset="0"/>
+              <a:cs typeface="Segoe UI Light" panose="020B0502040204020203" pitchFamily="34" charset="0"/>
+            </a:endParaRPr>
+          </a:p>
+        </p:txBody>
+      </p:sp>
+      <p:sp>
+        <p:nvSpPr>
+          <p:cNvPr id="8" name="TextBox 7">
+            <a:extLst>
+              <a:ext uri="{FF2B5EF4-FFF2-40B4-BE49-F238E27FC236}">
+                <a16:creationId xmlns:a16="http://schemas.microsoft.com/office/drawing/2014/main" id="{8E5A19E1-FC5C-42BB-BA43-A274B8E8A46F}"/>
+              </a:ext>
+            </a:extLst>
+          </p:cNvPr>
+          <p:cNvSpPr txBox="1"/>
+          <p:nvPr/>
+        </p:nvSpPr>
+        <p:spPr>
+          <a:xfrm>
+            <a:off x="0" y="6550223"/>
+            <a:ext cx="12192000" cy="307777"/>
+          </a:xfrm>
+          <a:prstGeom prst="rect">
+            <a:avLst/>
+          </a:prstGeom>
+          <a:noFill/>
+        </p:spPr>
+        <p:txBody>
           <a:bodyPr wrap="square" rtlCol="0">
             <a:spAutoFit/>
           </a:bodyPr>
           <a:lstStyle/>
           <a:p>
-            <a:pPr algn="ctr"/>
-            <a:r>
-              <a:rPr lang="en-US" sz="3600" dirty="0">
+            <a:r>
+              <a:rPr lang="en-US" sz="1400" dirty="0">
                 <a:solidFill>
                   <a:schemeClr val="tx1">
                     <a:lumMod val="65000"/>
                     <a:lumOff val="35000"/>
                   </a:schemeClr>
                 </a:solidFill>
-                <a:latin typeface="Palatino Linotype" panose="02040502050505030304" pitchFamily="18" charset="0"/>
-              </a:rPr>
-              <a:t>Transfer Learning Introduction</a:t>
-            </a:r>
-          </a:p>
-          <a:p>
-            <a:pPr algn="ctr"/>
-            <a:r>
-              <a:rPr lang="en-US" sz="3600" dirty="0">
+                <a:latin typeface="+mj-lt"/>
+                <a:ea typeface="Verdana" panose="020B0604030504040204" pitchFamily="34" charset="0"/>
+              </a:rPr>
+              <a:t>Source: Baig, M., et al (2020). </a:t>
+            </a:r>
+            <a:r>
+              <a:rPr lang="en-US" sz="1400" i="1" dirty="0">
                 <a:solidFill>
                   <a:schemeClr val="tx1">
                     <a:lumMod val="65000"/>
                     <a:lumOff val="35000"/>
                   </a:schemeClr>
                 </a:solidFill>
-                <a:latin typeface="Palatino Linotype" panose="02040502050505030304" pitchFamily="18" charset="0"/>
-              </a:rPr>
-              <a:t>01.1_transfer.ipynb</a:t>
-            </a:r>
-            <a:endParaRPr lang="en-US" sz="3600" dirty="0"/>
+                <a:latin typeface="+mj-lt"/>
+                <a:ea typeface="Verdana" panose="020B0604030504040204" pitchFamily="34" charset="0"/>
+              </a:rPr>
+              <a:t>The deep learning workshop. </a:t>
+            </a:r>
+            <a:r>
+              <a:rPr lang="en-US" sz="1400" dirty="0">
+                <a:solidFill>
+                  <a:schemeClr val="tx1">
+                    <a:lumMod val="65000"/>
+                    <a:lumOff val="35000"/>
+                  </a:schemeClr>
+                </a:solidFill>
+                <a:latin typeface="+mj-lt"/>
+                <a:ea typeface="Verdana" panose="020B0604030504040204" pitchFamily="34" charset="0"/>
+              </a:rPr>
+              <a:t>Birmingham</a:t>
+            </a:r>
+            <a:r>
+              <a:rPr lang="en-US" sz="1400" b="0" i="0" dirty="0">
+                <a:solidFill>
+                  <a:schemeClr val="tx1">
+                    <a:lumMod val="65000"/>
+                    <a:lumOff val="35000"/>
+                  </a:schemeClr>
+                </a:solidFill>
+                <a:effectLst/>
+                <a:latin typeface="+mj-lt"/>
+                <a:ea typeface="Verdana" panose="020B0604030504040204" pitchFamily="34" charset="0"/>
+              </a:rPr>
+              <a:t>, UK: Packt Publishing. (Chapter </a:t>
+            </a:r>
+            <a:r>
+              <a:rPr lang="en-US" sz="1400" dirty="0">
+                <a:solidFill>
+                  <a:schemeClr val="tx1">
+                    <a:lumMod val="65000"/>
+                    <a:lumOff val="35000"/>
+                  </a:schemeClr>
+                </a:solidFill>
+                <a:latin typeface="+mj-lt"/>
+                <a:ea typeface="Verdana" panose="020B0604030504040204" pitchFamily="34" charset="0"/>
+              </a:rPr>
+              <a:t>3</a:t>
+            </a:r>
+            <a:r>
+              <a:rPr lang="en-US" sz="1400" b="0" i="0" dirty="0">
+                <a:solidFill>
+                  <a:schemeClr val="tx1">
+                    <a:lumMod val="65000"/>
+                    <a:lumOff val="35000"/>
+                  </a:schemeClr>
+                </a:solidFill>
+                <a:effectLst/>
+                <a:latin typeface="+mj-lt"/>
+                <a:ea typeface="Verdana" panose="020B0604030504040204" pitchFamily="34" charset="0"/>
+              </a:rPr>
+              <a:t>)</a:t>
+            </a:r>
+            <a:endParaRPr lang="en-US" sz="1400" dirty="0">
+              <a:solidFill>
+                <a:schemeClr val="tx1">
+                  <a:lumMod val="65000"/>
+                  <a:lumOff val="35000"/>
+                </a:schemeClr>
+              </a:solidFill>
+              <a:latin typeface="+mj-lt"/>
+              <a:ea typeface="Verdana" panose="020B0604030504040204" pitchFamily="34" charset="0"/>
+            </a:endParaRPr>
           </a:p>
         </p:txBody>
       </p:sp>
     </p:spTree>
     <p:extLst>
       <p:ext uri="{BB962C8B-B14F-4D97-AF65-F5344CB8AC3E}">
-        <p14:creationId xmlns:p14="http://schemas.microsoft.com/office/powerpoint/2010/main" val="2261991877"/>
+        <p14:creationId xmlns:p14="http://schemas.microsoft.com/office/powerpoint/2010/main" val="3226425761"/>
       </p:ext>
     </p:extLst>
   </p:cSld>
@@ -6241,59 +6512,177 @@
           <a:chExt cx="0" cy="0"/>
         </a:xfrm>
       </p:grpSpPr>
-      <p:pic>
-        <p:nvPicPr>
-          <p:cNvPr id="1026" name="Picture 2" descr="mls2 1104">
-            <a:extLst>
-              <a:ext uri="{FF2B5EF4-FFF2-40B4-BE49-F238E27FC236}">
-                <a16:creationId xmlns:a16="http://schemas.microsoft.com/office/drawing/2014/main" id="{4D99DD64-7E1E-4429-90DA-44ED8760C2A3}"/>
-              </a:ext>
-            </a:extLst>
-          </p:cNvPr>
-          <p:cNvPicPr>
-            <a:picLocks noChangeAspect="1" noChangeArrowheads="1"/>
-          </p:cNvPicPr>
+      <p:sp>
+        <p:nvSpPr>
+          <p:cNvPr id="7" name="TextBox 6">
+            <a:extLst>
+              <a:ext uri="{FF2B5EF4-FFF2-40B4-BE49-F238E27FC236}">
+                <a16:creationId xmlns:a16="http://schemas.microsoft.com/office/drawing/2014/main" id="{EBE2E334-0E03-42C3-8BF7-70FE7A83A4C1}"/>
+              </a:ext>
+            </a:extLst>
+          </p:cNvPr>
+          <p:cNvSpPr txBox="1"/>
           <p:nvPr/>
-        </p:nvPicPr>
-        <p:blipFill>
-          <a:blip r:embed="rId3">
-            <a:extLst>
-              <a:ext uri="{28A0092B-C50C-407E-A947-70E740481C1C}">
-                <a14:useLocalDpi xmlns:a14="http://schemas.microsoft.com/office/drawing/2010/main" val="0"/>
-              </a:ext>
-            </a:extLst>
-          </a:blip>
-          <a:srcRect/>
-          <a:stretch>
-            <a:fillRect/>
-          </a:stretch>
-        </p:blipFill>
-        <p:spPr bwMode="auto">
+        </p:nvSpPr>
+        <p:spPr>
           <a:xfrm>
-            <a:off x="2136220" y="139701"/>
-            <a:ext cx="7919560" cy="6121400"/>
+            <a:off x="0" y="2751550"/>
+            <a:ext cx="12192000" cy="461665"/>
           </a:xfrm>
           <a:prstGeom prst="rect">
             <a:avLst/>
           </a:prstGeom>
           <a:noFill/>
-          <a:extLst>
-            <a:ext uri="{909E8E84-426E-40DD-AFC4-6F175D3DCCD1}">
-              <a14:hiddenFill xmlns:a14="http://schemas.microsoft.com/office/drawing/2010/main">
-                <a:solidFill>
-                  <a:srgbClr val="FFFFFF"/>
-                </a:solidFill>
-              </a14:hiddenFill>
-            </a:ext>
-          </a:extLst>
         </p:spPr>
-      </p:pic>
+        <p:txBody>
+          <a:bodyPr wrap="square">
+            <a:spAutoFit/>
+          </a:bodyPr>
+          <a:lstStyle/>
+          <a:p>
+            <a:pPr algn="ctr"/>
+            <a:r>
+              <a:rPr lang="en-US" sz="2400" b="0" i="0" u="none" strike="noStrike" baseline="0" dirty="0">
+                <a:solidFill>
+                  <a:schemeClr val="tx1">
+                    <a:lumMod val="75000"/>
+                    <a:lumOff val="25000"/>
+                  </a:schemeClr>
+                </a:solidFill>
+                <a:latin typeface="Courier New" panose="02070309020205020404" pitchFamily="49" charset="0"/>
+                <a:cs typeface="Courier New" panose="02070309020205020404" pitchFamily="49" charset="0"/>
+              </a:rPr>
+              <a:t>model.save_weights('path_to_weights/weights.h5')</a:t>
+            </a:r>
+            <a:endParaRPr lang="en-US" sz="2400" dirty="0">
+              <a:solidFill>
+                <a:schemeClr val="tx1">
+                  <a:lumMod val="75000"/>
+                  <a:lumOff val="25000"/>
+                </a:schemeClr>
+              </a:solidFill>
+              <a:latin typeface="Courier New" panose="02070309020205020404" pitchFamily="49" charset="0"/>
+              <a:cs typeface="Courier New" panose="02070309020205020404" pitchFamily="49" charset="0"/>
+            </a:endParaRPr>
+          </a:p>
+        </p:txBody>
+      </p:sp>
+      <p:sp>
+        <p:nvSpPr>
+          <p:cNvPr id="8" name="TextBox 7">
+            <a:extLst>
+              <a:ext uri="{FF2B5EF4-FFF2-40B4-BE49-F238E27FC236}">
+                <a16:creationId xmlns:a16="http://schemas.microsoft.com/office/drawing/2014/main" id="{063847D9-D314-48FF-BC74-293BBB30771C}"/>
+              </a:ext>
+            </a:extLst>
+          </p:cNvPr>
+          <p:cNvSpPr txBox="1"/>
+          <p:nvPr/>
+        </p:nvSpPr>
+        <p:spPr>
+          <a:xfrm>
+            <a:off x="0" y="3520187"/>
+            <a:ext cx="12192000" cy="461665"/>
+          </a:xfrm>
+          <a:prstGeom prst="rect">
+            <a:avLst/>
+          </a:prstGeom>
+          <a:noFill/>
+        </p:spPr>
+        <p:txBody>
+          <a:bodyPr wrap="square">
+            <a:spAutoFit/>
+          </a:bodyPr>
+          <a:lstStyle/>
+          <a:p>
+            <a:pPr algn="ctr"/>
+            <a:r>
+              <a:rPr lang="en-US" sz="2400" b="0" i="0" u="none" strike="noStrike" baseline="0" dirty="0">
+                <a:solidFill>
+                  <a:schemeClr val="tx1">
+                    <a:lumMod val="75000"/>
+                    <a:lumOff val="25000"/>
+                  </a:schemeClr>
+                </a:solidFill>
+                <a:latin typeface="Courier New" panose="02070309020205020404" pitchFamily="49" charset="0"/>
+                <a:cs typeface="Courier New" panose="02070309020205020404" pitchFamily="49" charset="0"/>
+              </a:rPr>
+              <a:t>new_model.load_weights('path_to_weights/weights.h5')</a:t>
+            </a:r>
+            <a:endParaRPr lang="en-US" sz="2400" dirty="0">
+              <a:solidFill>
+                <a:schemeClr val="tx1">
+                  <a:lumMod val="75000"/>
+                  <a:lumOff val="25000"/>
+                </a:schemeClr>
+              </a:solidFill>
+              <a:latin typeface="Courier New" panose="02070309020205020404" pitchFamily="49" charset="0"/>
+              <a:cs typeface="Courier New" panose="02070309020205020404" pitchFamily="49" charset="0"/>
+            </a:endParaRPr>
+          </a:p>
+        </p:txBody>
+      </p:sp>
+      <p:sp>
+        <p:nvSpPr>
+          <p:cNvPr id="9" name="Title 1">
+            <a:extLst>
+              <a:ext uri="{FF2B5EF4-FFF2-40B4-BE49-F238E27FC236}">
+                <a16:creationId xmlns:a16="http://schemas.microsoft.com/office/drawing/2014/main" id="{494B99AA-9271-49F7-97BA-EA00ABB5D383}"/>
+              </a:ext>
+            </a:extLst>
+          </p:cNvPr>
+          <p:cNvSpPr>
+            <a:spLocks noGrp="1"/>
+          </p:cNvSpPr>
+          <p:nvPr>
+            <p:ph type="title"/>
+          </p:nvPr>
+        </p:nvSpPr>
+        <p:spPr>
+          <a:xfrm>
+            <a:off x="0" y="793808"/>
+            <a:ext cx="12192000" cy="606943"/>
+          </a:xfrm>
+          <a:noFill/>
+        </p:spPr>
+        <p:txBody>
+          <a:bodyPr>
+            <a:noAutofit/>
+          </a:bodyPr>
+          <a:lstStyle/>
+          <a:p>
+            <a:pPr algn="ctr"/>
+            <a:r>
+              <a:rPr lang="en-US" sz="3600" dirty="0">
+                <a:solidFill>
+                  <a:schemeClr val="tx1">
+                    <a:lumMod val="65000"/>
+                    <a:lumOff val="35000"/>
+                  </a:schemeClr>
+                </a:solidFill>
+                <a:latin typeface="Palatino Linotype" panose="02040502050505030304" pitchFamily="18" charset="0"/>
+              </a:rPr>
+              <a:t>Weights</a:t>
+            </a:r>
+            <a:endParaRPr lang="en-US" sz="3600" dirty="0">
+              <a:solidFill>
+                <a:schemeClr val="tx1">
+                  <a:lumMod val="65000"/>
+                  <a:lumOff val="35000"/>
+                </a:schemeClr>
+              </a:solidFill>
+              <a:latin typeface="Palatino Linotype" panose="02040502050505030304" pitchFamily="18" charset="0"/>
+              <a:cs typeface="Segoe UI Light" panose="020B0502040204020203" pitchFamily="34" charset="0"/>
+            </a:endParaRPr>
+          </a:p>
+        </p:txBody>
+      </p:sp>
       <p:sp>
         <p:nvSpPr>
           <p:cNvPr id="10" name="TextBox 9">
             <a:extLst>
               <a:ext uri="{FF2B5EF4-FFF2-40B4-BE49-F238E27FC236}">
-                <a16:creationId xmlns:a16="http://schemas.microsoft.com/office/drawing/2014/main" id="{819F191C-2EB7-40F9-8F3A-CC2671D0103A}"/>
+                <a16:creationId xmlns:a16="http://schemas.microsoft.com/office/drawing/2014/main" id="{F395B519-C665-4733-AF0D-9E1B78C14665}"/>
               </a:ext>
             </a:extLst>
           </p:cNvPr>
@@ -6327,7 +6716,7 @@
                 <a:latin typeface="+mj-lt"/>
                 <a:ea typeface="Verdana" panose="020B0604030504040204" pitchFamily="34" charset="0"/>
               </a:rPr>
-              <a:t>Source: Geron, A. (2019). </a:t>
+              <a:t>Source: Baig, M., et al (2020). </a:t>
             </a:r>
             <a:r>
               <a:rPr lang="en-US" sz="1400" i="1" dirty="0">
@@ -6340,7 +6729,20 @@
                 <a:latin typeface="+mj-lt"/>
                 <a:ea typeface="Verdana" panose="020B0604030504040204" pitchFamily="34" charset="0"/>
               </a:rPr>
-              <a:t>Hands-on machine learning with Sci-Kit Learn, Keras, and Tensorflow. </a:t>
+              <a:t>The deep learning workshop. </a:t>
+            </a:r>
+            <a:r>
+              <a:rPr lang="en-US" sz="1400" dirty="0">
+                <a:solidFill>
+                  <a:schemeClr val="tx1">
+                    <a:lumMod val="65000"/>
+                    <a:lumOff val="35000"/>
+                  </a:schemeClr>
+                </a:solidFill>
+                <a:latin typeface="+mj-lt"/>
+                <a:ea typeface="Verdana" panose="020B0604030504040204" pitchFamily="34" charset="0"/>
+              </a:rPr>
+              <a:t>Birmingham</a:t>
             </a:r>
             <a:r>
               <a:rPr lang="en-US" sz="1400" b="0" i="0" dirty="0">
@@ -6354,7 +6756,7 @@
                 <a:latin typeface="+mj-lt"/>
                 <a:ea typeface="Verdana" panose="020B0604030504040204" pitchFamily="34" charset="0"/>
               </a:rPr>
-              <a:t>Sebastopol, CA: </a:t>
+              <a:t>, UK: Packt Publishing. (Chapter </a:t>
             </a:r>
             <a:r>
               <a:rPr lang="en-US" sz="1400" dirty="0">
@@ -6367,7 +6769,7 @@
                 <a:latin typeface="+mj-lt"/>
                 <a:ea typeface="Verdana" panose="020B0604030504040204" pitchFamily="34" charset="0"/>
               </a:rPr>
-              <a:t>O’Reilly Media</a:t>
+              <a:t>3</a:t>
             </a:r>
             <a:r>
               <a:rPr lang="en-US" sz="1400" b="0" i="0" dirty="0">
@@ -6381,7 +6783,7 @@
                 <a:latin typeface="+mj-lt"/>
                 <a:ea typeface="Verdana" panose="020B0604030504040204" pitchFamily="34" charset="0"/>
               </a:rPr>
-              <a:t>. (Chapter 11)</a:t>
+              <a:t>)</a:t>
             </a:r>
             <a:endParaRPr lang="en-US" sz="1400" dirty="0">
               <a:solidFill>
@@ -6399,7 +6801,7 @@
     </p:spTree>
     <p:extLst>
       <p:ext uri="{BB962C8B-B14F-4D97-AF65-F5344CB8AC3E}">
-        <p14:creationId xmlns:p14="http://schemas.microsoft.com/office/powerpoint/2010/main" val="3452552887"/>
+        <p14:creationId xmlns:p14="http://schemas.microsoft.com/office/powerpoint/2010/main" val="314707158"/>
       </p:ext>
     </p:extLst>
   </p:cSld>
@@ -6440,10 +6842,10 @@
       </p:grpSpPr>
       <p:sp>
         <p:nvSpPr>
-          <p:cNvPr id="4" name="TextBox 3">
-            <a:extLst>
-              <a:ext uri="{FF2B5EF4-FFF2-40B4-BE49-F238E27FC236}">
-                <a16:creationId xmlns:a16="http://schemas.microsoft.com/office/drawing/2014/main" id="{CB9B36ED-58AA-4A06-8011-351836EA92CD}"/>
+          <p:cNvPr id="6" name="TextBox 5">
+            <a:extLst>
+              <a:ext uri="{FF2B5EF4-FFF2-40B4-BE49-F238E27FC236}">
+                <a16:creationId xmlns:a16="http://schemas.microsoft.com/office/drawing/2014/main" id="{6BAB0274-57F7-4C0B-98BC-933154431DF5}"/>
               </a:ext>
             </a:extLst>
           </p:cNvPr>
@@ -6452,8 +6854,8 @@
         </p:nvSpPr>
         <p:spPr>
           <a:xfrm>
-            <a:off x="0" y="2614483"/>
-            <a:ext cx="12192000" cy="369332"/>
+            <a:off x="1689100" y="2109039"/>
+            <a:ext cx="10502900" cy="1569660"/>
           </a:xfrm>
           <a:prstGeom prst="rect">
             <a:avLst/>
@@ -6466,9 +6868,9 @@
           </a:bodyPr>
           <a:lstStyle/>
           <a:p>
-            <a:pPr algn="ctr"/>
-            <a:r>
-              <a:rPr lang="en-US" b="0" i="0" u="none" strike="noStrike" baseline="0" dirty="0">
+            <a:pPr algn="l"/>
+            <a:r>
+              <a:rPr lang="en-US" sz="2400" b="0" i="0" u="none" strike="noStrike" baseline="0" dirty="0">
                 <a:solidFill>
                   <a:schemeClr val="tx1">
                     <a:lumMod val="75000"/>
@@ -6478,9 +6880,226 @@
                 <a:latin typeface="Courier New" panose="02070309020205020404" pitchFamily="49" charset="0"/>
                 <a:cs typeface="Courier New" panose="02070309020205020404" pitchFamily="49" charset="0"/>
               </a:rPr>
-              <a:t>model.save_model(filepath = 'path_to_model/model_name')</a:t>
-            </a:r>
-            <a:endParaRPr lang="en-US" dirty="0">
+              <a:t>import json</a:t>
+            </a:r>
+          </a:p>
+          <a:p>
+            <a:pPr algn="l"/>
+            <a:r>
+              <a:rPr lang="en-US" sz="2400" b="0" i="0" u="none" strike="noStrike" baseline="0" dirty="0" err="1">
+                <a:solidFill>
+                  <a:schemeClr val="tx1">
+                    <a:lumMod val="75000"/>
+                    <a:lumOff val="25000"/>
+                  </a:schemeClr>
+                </a:solidFill>
+                <a:latin typeface="Courier New" panose="02070309020205020404" pitchFamily="49" charset="0"/>
+                <a:cs typeface="Courier New" panose="02070309020205020404" pitchFamily="49" charset="0"/>
+              </a:rPr>
+              <a:t>config_json</a:t>
+            </a:r>
+            <a:r>
+              <a:rPr lang="en-US" sz="2400" b="0" i="0" u="none" strike="noStrike" baseline="0" dirty="0">
+                <a:solidFill>
+                  <a:schemeClr val="tx1">
+                    <a:lumMod val="75000"/>
+                    <a:lumOff val="25000"/>
+                  </a:schemeClr>
+                </a:solidFill>
+                <a:latin typeface="Courier New" panose="02070309020205020404" pitchFamily="49" charset="0"/>
+                <a:cs typeface="Courier New" panose="02070309020205020404" pitchFamily="49" charset="0"/>
+              </a:rPr>
+              <a:t> = </a:t>
+            </a:r>
+            <a:r>
+              <a:rPr lang="en-US" sz="2400" b="0" i="0" u="none" strike="noStrike" baseline="0" dirty="0" err="1">
+                <a:solidFill>
+                  <a:schemeClr val="tx1">
+                    <a:lumMod val="75000"/>
+                    <a:lumOff val="25000"/>
+                  </a:schemeClr>
+                </a:solidFill>
+                <a:latin typeface="Courier New" panose="02070309020205020404" pitchFamily="49" charset="0"/>
+                <a:cs typeface="Courier New" panose="02070309020205020404" pitchFamily="49" charset="0"/>
+              </a:rPr>
+              <a:t>model.to_json</a:t>
+            </a:r>
+            <a:r>
+              <a:rPr lang="en-US" sz="2400" b="0" i="0" u="none" strike="noStrike" baseline="0" dirty="0">
+                <a:solidFill>
+                  <a:schemeClr val="tx1">
+                    <a:lumMod val="75000"/>
+                    <a:lumOff val="25000"/>
+                  </a:schemeClr>
+                </a:solidFill>
+                <a:latin typeface="Courier New" panose="02070309020205020404" pitchFamily="49" charset="0"/>
+                <a:cs typeface="Courier New" panose="02070309020205020404" pitchFamily="49" charset="0"/>
+              </a:rPr>
+              <a:t>()</a:t>
+            </a:r>
+          </a:p>
+          <a:p>
+            <a:pPr algn="l"/>
+            <a:r>
+              <a:rPr lang="en-US" sz="2400" b="0" i="0" u="none" strike="noStrike" baseline="0" dirty="0">
+                <a:solidFill>
+                  <a:schemeClr val="tx1">
+                    <a:lumMod val="75000"/>
+                    <a:lumOff val="25000"/>
+                  </a:schemeClr>
+                </a:solidFill>
+                <a:latin typeface="Courier New" panose="02070309020205020404" pitchFamily="49" charset="0"/>
+                <a:cs typeface="Courier New" panose="02070309020205020404" pitchFamily="49" charset="0"/>
+              </a:rPr>
+              <a:t>with open('</a:t>
+            </a:r>
+            <a:r>
+              <a:rPr lang="en-US" sz="2400" b="0" i="0" u="none" strike="noStrike" baseline="0" dirty="0" err="1">
+                <a:solidFill>
+                  <a:schemeClr val="tx1">
+                    <a:lumMod val="75000"/>
+                    <a:lumOff val="25000"/>
+                  </a:schemeClr>
+                </a:solidFill>
+                <a:latin typeface="Courier New" panose="02070309020205020404" pitchFamily="49" charset="0"/>
+                <a:cs typeface="Courier New" panose="02070309020205020404" pitchFamily="49" charset="0"/>
+              </a:rPr>
+              <a:t>config.json</a:t>
+            </a:r>
+            <a:r>
+              <a:rPr lang="en-US" sz="2400" b="0" i="0" u="none" strike="noStrike" baseline="0" dirty="0">
+                <a:solidFill>
+                  <a:schemeClr val="tx1">
+                    <a:lumMod val="75000"/>
+                    <a:lumOff val="25000"/>
+                  </a:schemeClr>
+                </a:solidFill>
+                <a:latin typeface="Courier New" panose="02070309020205020404" pitchFamily="49" charset="0"/>
+                <a:cs typeface="Courier New" panose="02070309020205020404" pitchFamily="49" charset="0"/>
+              </a:rPr>
+              <a:t>', 'w') as </a:t>
+            </a:r>
+            <a:r>
+              <a:rPr lang="en-US" sz="2400" b="0" i="0" u="none" strike="noStrike" baseline="0" dirty="0" err="1">
+                <a:solidFill>
+                  <a:schemeClr val="tx1">
+                    <a:lumMod val="75000"/>
+                    <a:lumOff val="25000"/>
+                  </a:schemeClr>
+                </a:solidFill>
+                <a:latin typeface="Courier New" panose="02070309020205020404" pitchFamily="49" charset="0"/>
+                <a:cs typeface="Courier New" panose="02070309020205020404" pitchFamily="49" charset="0"/>
+              </a:rPr>
+              <a:t>outfile</a:t>
+            </a:r>
+            <a:r>
+              <a:rPr lang="en-US" sz="2400" b="0" i="0" u="none" strike="noStrike" baseline="0" dirty="0">
+                <a:solidFill>
+                  <a:schemeClr val="tx1">
+                    <a:lumMod val="75000"/>
+                    <a:lumOff val="25000"/>
+                  </a:schemeClr>
+                </a:solidFill>
+                <a:latin typeface="Courier New" panose="02070309020205020404" pitchFamily="49" charset="0"/>
+                <a:cs typeface="Courier New" panose="02070309020205020404" pitchFamily="49" charset="0"/>
+              </a:rPr>
+              <a:t>:</a:t>
+            </a:r>
+          </a:p>
+          <a:p>
+            <a:pPr algn="l"/>
+            <a:r>
+              <a:rPr lang="en-US" sz="2400" b="0" i="0" u="none" strike="noStrike" baseline="0" dirty="0">
+                <a:solidFill>
+                  <a:schemeClr val="tx1">
+                    <a:lumMod val="75000"/>
+                    <a:lumOff val="25000"/>
+                  </a:schemeClr>
+                </a:solidFill>
+                <a:latin typeface="Courier New" panose="02070309020205020404" pitchFamily="49" charset="0"/>
+                <a:cs typeface="Courier New" panose="02070309020205020404" pitchFamily="49" charset="0"/>
+              </a:rPr>
+              <a:t>	</a:t>
+            </a:r>
+            <a:r>
+              <a:rPr lang="en-US" sz="2400" b="0" i="0" u="none" strike="noStrike" baseline="0" dirty="0" err="1">
+                <a:solidFill>
+                  <a:schemeClr val="tx1">
+                    <a:lumMod val="75000"/>
+                    <a:lumOff val="25000"/>
+                  </a:schemeClr>
+                </a:solidFill>
+                <a:latin typeface="Courier New" panose="02070309020205020404" pitchFamily="49" charset="0"/>
+                <a:cs typeface="Courier New" panose="02070309020205020404" pitchFamily="49" charset="0"/>
+              </a:rPr>
+              <a:t>json.dump</a:t>
+            </a:r>
+            <a:r>
+              <a:rPr lang="en-US" sz="2400" b="0" i="0" u="none" strike="noStrike" baseline="0" dirty="0">
+                <a:solidFill>
+                  <a:schemeClr val="tx1">
+                    <a:lumMod val="75000"/>
+                    <a:lumOff val="25000"/>
+                  </a:schemeClr>
+                </a:solidFill>
+                <a:latin typeface="Courier New" panose="02070309020205020404" pitchFamily="49" charset="0"/>
+                <a:cs typeface="Courier New" panose="02070309020205020404" pitchFamily="49" charset="0"/>
+              </a:rPr>
+              <a:t>(</a:t>
+            </a:r>
+            <a:r>
+              <a:rPr lang="en-US" sz="2400" b="0" i="0" u="none" strike="noStrike" baseline="0" dirty="0" err="1">
+                <a:solidFill>
+                  <a:schemeClr val="tx1">
+                    <a:lumMod val="75000"/>
+                    <a:lumOff val="25000"/>
+                  </a:schemeClr>
+                </a:solidFill>
+                <a:latin typeface="Courier New" panose="02070309020205020404" pitchFamily="49" charset="0"/>
+                <a:cs typeface="Courier New" panose="02070309020205020404" pitchFamily="49" charset="0"/>
+              </a:rPr>
+              <a:t>config_json</a:t>
+            </a:r>
+            <a:r>
+              <a:rPr lang="en-US" sz="2400" b="0" i="0" u="none" strike="noStrike" baseline="0" dirty="0">
+                <a:solidFill>
+                  <a:schemeClr val="tx1">
+                    <a:lumMod val="75000"/>
+                    <a:lumOff val="25000"/>
+                  </a:schemeClr>
+                </a:solidFill>
+                <a:latin typeface="Courier New" panose="02070309020205020404" pitchFamily="49" charset="0"/>
+                <a:cs typeface="Courier New" panose="02070309020205020404" pitchFamily="49" charset="0"/>
+              </a:rPr>
+              <a:t>, </a:t>
+            </a:r>
+            <a:r>
+              <a:rPr lang="en-US" sz="2400" b="0" i="0" u="none" strike="noStrike" baseline="0" dirty="0" err="1">
+                <a:solidFill>
+                  <a:schemeClr val="tx1">
+                    <a:lumMod val="75000"/>
+                    <a:lumOff val="25000"/>
+                  </a:schemeClr>
+                </a:solidFill>
+                <a:latin typeface="Courier New" panose="02070309020205020404" pitchFamily="49" charset="0"/>
+                <a:cs typeface="Courier New" panose="02070309020205020404" pitchFamily="49" charset="0"/>
+              </a:rPr>
+              <a:t>outfile</a:t>
+            </a:r>
+            <a:r>
+              <a:rPr lang="en-US" sz="2400" b="0" i="0" u="none" strike="noStrike" baseline="0" dirty="0">
+                <a:solidFill>
+                  <a:schemeClr val="tx1">
+                    <a:lumMod val="75000"/>
+                    <a:lumOff val="25000"/>
+                  </a:schemeClr>
+                </a:solidFill>
+                <a:latin typeface="Courier New" panose="02070309020205020404" pitchFamily="49" charset="0"/>
+                <a:cs typeface="Courier New" panose="02070309020205020404" pitchFamily="49" charset="0"/>
+              </a:rPr>
+              <a:t>)</a:t>
+            </a:r>
+            <a:endParaRPr lang="en-US" sz="2400" dirty="0">
               <a:solidFill>
                 <a:schemeClr val="tx1">
                   <a:lumMod val="75000"/>
@@ -6495,10 +7114,10 @@
       </p:sp>
       <p:sp>
         <p:nvSpPr>
-          <p:cNvPr id="6" name="TextBox 5">
-            <a:extLst>
-              <a:ext uri="{FF2B5EF4-FFF2-40B4-BE49-F238E27FC236}">
-                <a16:creationId xmlns:a16="http://schemas.microsoft.com/office/drawing/2014/main" id="{2E098920-D23C-41D4-8CCC-91D98B6EC2E2}"/>
+          <p:cNvPr id="9" name="TextBox 8">
+            <a:extLst>
+              <a:ext uri="{FF2B5EF4-FFF2-40B4-BE49-F238E27FC236}">
+                <a16:creationId xmlns:a16="http://schemas.microsoft.com/office/drawing/2014/main" id="{ADD28ECA-870F-45B5-BFDD-0DF24D6CF3F2}"/>
               </a:ext>
             </a:extLst>
           </p:cNvPr>
@@ -6507,8 +7126,8 @@
         </p:nvSpPr>
         <p:spPr>
           <a:xfrm>
-            <a:off x="0" y="3429000"/>
-            <a:ext cx="12192000" cy="369332"/>
+            <a:off x="1689100" y="4258506"/>
+            <a:ext cx="10502900" cy="1938992"/>
           </a:xfrm>
           <a:prstGeom prst="rect">
             <a:avLst/>
@@ -6521,9 +7140,8 @@
           </a:bodyPr>
           <a:lstStyle/>
           <a:p>
-            <a:pPr algn="ctr"/>
-            <a:r>
-              <a:rPr lang="en-US" b="0" i="0" u="none" strike="noStrike" baseline="0" dirty="0">
+            <a:r>
+              <a:rPr lang="en-US" sz="2400" b="0" i="0" u="none" strike="noStrike" baseline="0" dirty="0">
                 <a:solidFill>
                   <a:schemeClr val="tx1">
                     <a:lumMod val="75000"/>
@@ -6533,10 +7151,12 @@
                 <a:latin typeface="Courier New" panose="02070309020205020404" pitchFamily="49" charset="0"/>
                 <a:cs typeface="Courier New" panose="02070309020205020404" pitchFamily="49" charset="0"/>
               </a:rPr>
-              <a:t>loaded_model = tf.keras.models.load_model</a:t>
-            </a:r>
-            <a:r>
-              <a:rPr lang="en-US" dirty="0">
+              <a:t>import json</a:t>
+            </a:r>
+          </a:p>
+          <a:p>
+            <a:r>
+              <a:rPr lang="en-US" sz="2400" b="0" i="0" u="none" strike="noStrike" baseline="0" dirty="0">
                 <a:solidFill>
                   <a:schemeClr val="tx1">
                     <a:lumMod val="75000"/>
@@ -6546,10 +7166,10 @@
                 <a:latin typeface="Courier New" panose="02070309020205020404" pitchFamily="49" charset="0"/>
                 <a:cs typeface="Courier New" panose="02070309020205020404" pitchFamily="49" charset="0"/>
               </a:rPr>
-              <a:t>(</a:t>
-            </a:r>
-            <a:r>
-              <a:rPr lang="en-US" b="0" i="0" u="none" strike="noStrike" baseline="0" dirty="0">
+              <a:t>with open('</a:t>
+            </a:r>
+            <a:r>
+              <a:rPr lang="en-US" sz="2400" b="0" i="0" u="none" strike="noStrike" baseline="0" dirty="0" err="1">
                 <a:solidFill>
                   <a:schemeClr val="tx1">
                     <a:lumMod val="75000"/>
@@ -6559,10 +7179,10 @@
                 <a:latin typeface="Courier New" panose="02070309020205020404" pitchFamily="49" charset="0"/>
                 <a:cs typeface="Courier New" panose="02070309020205020404" pitchFamily="49" charset="0"/>
               </a:rPr>
-              <a:t>filepath = 'path_to_model/</a:t>
-            </a:r>
-            <a:r>
-              <a:rPr lang="en-US" dirty="0">
+              <a:t>config.json</a:t>
+            </a:r>
+            <a:r>
+              <a:rPr lang="en-US" sz="2400" b="0" i="0" u="none" strike="noStrike" baseline="0" dirty="0">
                 <a:solidFill>
                   <a:schemeClr val="tx1">
                     <a:lumMod val="75000"/>
@@ -6572,10 +7192,10 @@
                 <a:latin typeface="Courier New" panose="02070309020205020404" pitchFamily="49" charset="0"/>
                 <a:cs typeface="Courier New" panose="02070309020205020404" pitchFamily="49" charset="0"/>
               </a:rPr>
-              <a:t>model_name</a:t>
-            </a:r>
-            <a:r>
-              <a:rPr lang="en-US" b="0" i="0" u="none" strike="noStrike" baseline="0" dirty="0">
+              <a:t>') as </a:t>
+            </a:r>
+            <a:r>
+              <a:rPr lang="en-US" sz="2400" b="0" i="0" u="none" strike="noStrike" baseline="0" dirty="0" err="1">
                 <a:solidFill>
                   <a:schemeClr val="tx1">
                     <a:lumMod val="75000"/>
@@ -6585,9 +7205,182 @@
                 <a:latin typeface="Courier New" panose="02070309020205020404" pitchFamily="49" charset="0"/>
                 <a:cs typeface="Courier New" panose="02070309020205020404" pitchFamily="49" charset="0"/>
               </a:rPr>
-              <a:t>')</a:t>
-            </a:r>
-            <a:endParaRPr lang="en-US" dirty="0">
+              <a:t>json_file</a:t>
+            </a:r>
+            <a:r>
+              <a:rPr lang="en-US" sz="2400" b="0" i="0" u="none" strike="noStrike" baseline="0" dirty="0">
+                <a:solidFill>
+                  <a:schemeClr val="tx1">
+                    <a:lumMod val="75000"/>
+                    <a:lumOff val="25000"/>
+                  </a:schemeClr>
+                </a:solidFill>
+                <a:latin typeface="Courier New" panose="02070309020205020404" pitchFamily="49" charset="0"/>
+                <a:cs typeface="Courier New" panose="02070309020205020404" pitchFamily="49" charset="0"/>
+              </a:rPr>
+              <a:t>:</a:t>
+            </a:r>
+          </a:p>
+          <a:p>
+            <a:r>
+              <a:rPr lang="en-US" sz="2400" b="0" i="0" u="none" strike="noStrike" baseline="0" dirty="0">
+                <a:solidFill>
+                  <a:schemeClr val="tx1">
+                    <a:lumMod val="75000"/>
+                    <a:lumOff val="25000"/>
+                  </a:schemeClr>
+                </a:solidFill>
+                <a:latin typeface="Courier New" panose="02070309020205020404" pitchFamily="49" charset="0"/>
+                <a:cs typeface="Courier New" panose="02070309020205020404" pitchFamily="49" charset="0"/>
+              </a:rPr>
+              <a:t>	</a:t>
+            </a:r>
+            <a:r>
+              <a:rPr lang="en-US" sz="2400" b="0" i="0" u="none" strike="noStrike" baseline="0" dirty="0" err="1">
+                <a:solidFill>
+                  <a:schemeClr val="tx1">
+                    <a:lumMod val="75000"/>
+                    <a:lumOff val="25000"/>
+                  </a:schemeClr>
+                </a:solidFill>
+                <a:latin typeface="Courier New" panose="02070309020205020404" pitchFamily="49" charset="0"/>
+                <a:cs typeface="Courier New" panose="02070309020205020404" pitchFamily="49" charset="0"/>
+              </a:rPr>
+              <a:t>config_data</a:t>
+            </a:r>
+            <a:r>
+              <a:rPr lang="en-US" sz="2400" b="0" i="0" u="none" strike="noStrike" baseline="0" dirty="0">
+                <a:solidFill>
+                  <a:schemeClr val="tx1">
+                    <a:lumMod val="75000"/>
+                    <a:lumOff val="25000"/>
+                  </a:schemeClr>
+                </a:solidFill>
+                <a:latin typeface="Courier New" panose="02070309020205020404" pitchFamily="49" charset="0"/>
+                <a:cs typeface="Courier New" panose="02070309020205020404" pitchFamily="49" charset="0"/>
+              </a:rPr>
+              <a:t>  = </a:t>
+            </a:r>
+            <a:r>
+              <a:rPr lang="en-US" sz="2400" b="0" i="0" u="none" strike="noStrike" baseline="0" dirty="0" err="1">
+                <a:solidFill>
+                  <a:schemeClr val="tx1">
+                    <a:lumMod val="75000"/>
+                    <a:lumOff val="25000"/>
+                  </a:schemeClr>
+                </a:solidFill>
+                <a:latin typeface="Courier New" panose="02070309020205020404" pitchFamily="49" charset="0"/>
+                <a:cs typeface="Courier New" panose="02070309020205020404" pitchFamily="49" charset="0"/>
+              </a:rPr>
+              <a:t>json.load</a:t>
+            </a:r>
+            <a:r>
+              <a:rPr lang="en-US" sz="2400" b="0" i="0" u="none" strike="noStrike" baseline="0" dirty="0">
+                <a:solidFill>
+                  <a:schemeClr val="tx1">
+                    <a:lumMod val="75000"/>
+                    <a:lumOff val="25000"/>
+                  </a:schemeClr>
+                </a:solidFill>
+                <a:latin typeface="Courier New" panose="02070309020205020404" pitchFamily="49" charset="0"/>
+                <a:cs typeface="Courier New" panose="02070309020205020404" pitchFamily="49" charset="0"/>
+              </a:rPr>
+              <a:t>(</a:t>
+            </a:r>
+            <a:r>
+              <a:rPr lang="en-US" sz="2400" b="0" i="0" u="none" strike="noStrike" baseline="0" dirty="0" err="1">
+                <a:solidFill>
+                  <a:schemeClr val="tx1">
+                    <a:lumMod val="75000"/>
+                    <a:lumOff val="25000"/>
+                  </a:schemeClr>
+                </a:solidFill>
+                <a:latin typeface="Courier New" panose="02070309020205020404" pitchFamily="49" charset="0"/>
+                <a:cs typeface="Courier New" panose="02070309020205020404" pitchFamily="49" charset="0"/>
+              </a:rPr>
+              <a:t>json_file</a:t>
+            </a:r>
+            <a:r>
+              <a:rPr lang="en-US" sz="2400" b="0" i="0" u="none" strike="noStrike" baseline="0" dirty="0">
+                <a:solidFill>
+                  <a:schemeClr val="tx1">
+                    <a:lumMod val="75000"/>
+                    <a:lumOff val="25000"/>
+                  </a:schemeClr>
+                </a:solidFill>
+                <a:latin typeface="Courier New" panose="02070309020205020404" pitchFamily="49" charset="0"/>
+                <a:cs typeface="Courier New" panose="02070309020205020404" pitchFamily="49" charset="0"/>
+              </a:rPr>
+              <a:t>)</a:t>
+            </a:r>
+          </a:p>
+          <a:p>
+            <a:r>
+              <a:rPr lang="en-US" sz="2400" b="0" i="0" u="none" strike="noStrike" baseline="0" dirty="0">
+                <a:solidFill>
+                  <a:schemeClr val="tx1">
+                    <a:lumMod val="75000"/>
+                    <a:lumOff val="25000"/>
+                  </a:schemeClr>
+                </a:solidFill>
+                <a:latin typeface="Courier New" panose="02070309020205020404" pitchFamily="49" charset="0"/>
+                <a:cs typeface="Courier New" panose="02070309020205020404" pitchFamily="49" charset="0"/>
+              </a:rPr>
+              <a:t>	loaded_model = </a:t>
+            </a:r>
+            <a:r>
+              <a:rPr lang="en-US" sz="2400" b="0" i="0" u="none" strike="noStrike" baseline="0" dirty="0" err="1">
+                <a:solidFill>
+                  <a:schemeClr val="tx1">
+                    <a:lumMod val="75000"/>
+                    <a:lumOff val="25000"/>
+                  </a:schemeClr>
+                </a:solidFill>
+                <a:latin typeface="Courier New" panose="02070309020205020404" pitchFamily="49" charset="0"/>
+                <a:cs typeface="Courier New" panose="02070309020205020404" pitchFamily="49" charset="0"/>
+              </a:rPr>
+              <a:t>tf.keras.models.model_from_json</a:t>
+            </a:r>
+            <a:r>
+              <a:rPr lang="en-US" sz="2400" b="0" i="0" u="none" strike="noStrike" baseline="0" dirty="0">
+                <a:solidFill>
+                  <a:schemeClr val="tx1">
+                    <a:lumMod val="75000"/>
+                    <a:lumOff val="25000"/>
+                  </a:schemeClr>
+                </a:solidFill>
+                <a:latin typeface="Courier New" panose="02070309020205020404" pitchFamily="49" charset="0"/>
+                <a:cs typeface="Courier New" panose="02070309020205020404" pitchFamily="49" charset="0"/>
+              </a:rPr>
+              <a:t>(</a:t>
+            </a:r>
+            <a:r>
+              <a:rPr lang="en-US" sz="2400" b="0" i="0" u="none" strike="noStrike" baseline="0" dirty="0" err="1">
+                <a:solidFill>
+                  <a:schemeClr val="tx1">
+                    <a:lumMod val="75000"/>
+                    <a:lumOff val="25000"/>
+                  </a:schemeClr>
+                </a:solidFill>
+                <a:latin typeface="Courier New" panose="02070309020205020404" pitchFamily="49" charset="0"/>
+                <a:cs typeface="Courier New" panose="02070309020205020404" pitchFamily="49" charset="0"/>
+              </a:rPr>
+              <a:t>config_data</a:t>
+            </a:r>
+            <a:r>
+              <a:rPr lang="en-US" sz="2400" b="0" i="0" u="none" strike="noStrike" baseline="0" dirty="0">
+                <a:solidFill>
+                  <a:schemeClr val="tx1">
+                    <a:lumMod val="75000"/>
+                    <a:lumOff val="25000"/>
+                  </a:schemeClr>
+                </a:solidFill>
+                <a:latin typeface="Courier New" panose="02070309020205020404" pitchFamily="49" charset="0"/>
+                <a:cs typeface="Courier New" panose="02070309020205020404" pitchFamily="49" charset="0"/>
+              </a:rPr>
+              <a:t>)</a:t>
+            </a:r>
+            <a:endParaRPr lang="en-US" sz="2400" dirty="0">
               <a:solidFill>
                 <a:schemeClr val="tx1">
                   <a:lumMod val="75000"/>
@@ -6602,10 +7395,10 @@
       </p:sp>
       <p:sp>
         <p:nvSpPr>
-          <p:cNvPr id="7" name="Title 1">
-            <a:extLst>
-              <a:ext uri="{FF2B5EF4-FFF2-40B4-BE49-F238E27FC236}">
-                <a16:creationId xmlns:a16="http://schemas.microsoft.com/office/drawing/2014/main" id="{D610C65F-E234-42DB-9E47-9793ADD911CD}"/>
+          <p:cNvPr id="10" name="Title 1">
+            <a:extLst>
+              <a:ext uri="{FF2B5EF4-FFF2-40B4-BE49-F238E27FC236}">
+                <a16:creationId xmlns:a16="http://schemas.microsoft.com/office/drawing/2014/main" id="{B712FBAE-1946-4EE1-A012-A84511AD7701}"/>
               </a:ext>
             </a:extLst>
           </p:cNvPr>
@@ -6640,7 +7433,7 @@
                 </a:solidFill>
                 <a:latin typeface="Palatino Linotype" panose="02040502050505030304" pitchFamily="18" charset="0"/>
               </a:rPr>
-              <a:t>Model</a:t>
+              <a:t>Architecture</a:t>
             </a:r>
             <a:endParaRPr lang="en-US" sz="3600" dirty="0">
               <a:solidFill>
@@ -6660,7 +7453,7 @@
           <p:cNvPr id="8" name="TextBox 7">
             <a:extLst>
               <a:ext uri="{FF2B5EF4-FFF2-40B4-BE49-F238E27FC236}">
-                <a16:creationId xmlns:a16="http://schemas.microsoft.com/office/drawing/2014/main" id="{8E5A19E1-FC5C-42BB-BA43-A274B8E8A46F}"/>
+                <a16:creationId xmlns:a16="http://schemas.microsoft.com/office/drawing/2014/main" id="{5FC80A33-5D96-4720-8133-7B1EC84D509F}"/>
               </a:ext>
             </a:extLst>
           </p:cNvPr>
@@ -6779,7 +7572,7 @@
     </p:spTree>
     <p:extLst>
       <p:ext uri="{BB962C8B-B14F-4D97-AF65-F5344CB8AC3E}">
-        <p14:creationId xmlns:p14="http://schemas.microsoft.com/office/powerpoint/2010/main" val="3226425761"/>
+        <p14:creationId xmlns:p14="http://schemas.microsoft.com/office/powerpoint/2010/main" val="3574358397"/>
       </p:ext>
     </p:extLst>
   </p:cSld>
@@ -6818,296 +7611,57 @@
           <a:chExt cx="0" cy="0"/>
         </a:xfrm>
       </p:grpSpPr>
-      <p:sp>
-        <p:nvSpPr>
-          <p:cNvPr id="7" name="TextBox 6">
-            <a:extLst>
-              <a:ext uri="{FF2B5EF4-FFF2-40B4-BE49-F238E27FC236}">
-                <a16:creationId xmlns:a16="http://schemas.microsoft.com/office/drawing/2014/main" id="{EBE2E334-0E03-42C3-8BF7-70FE7A83A4C1}"/>
-              </a:ext>
-            </a:extLst>
-          </p:cNvPr>
-          <p:cNvSpPr txBox="1"/>
+      <p:pic>
+        <p:nvPicPr>
+          <p:cNvPr id="1026" name="Picture 2" descr="Hugging Face: The Artificial Intelligence Community Building the Future">
+            <a:extLst>
+              <a:ext uri="{FF2B5EF4-FFF2-40B4-BE49-F238E27FC236}">
+                <a16:creationId xmlns:a16="http://schemas.microsoft.com/office/drawing/2014/main" id="{280E1861-D7F6-46FB-AFFE-3A33E6D35281}"/>
+              </a:ext>
+            </a:extLst>
+          </p:cNvPr>
+          <p:cNvPicPr>
+            <a:picLocks noChangeAspect="1" noChangeArrowheads="1"/>
+          </p:cNvPicPr>
           <p:nvPr/>
-        </p:nvSpPr>
-        <p:spPr>
+        </p:nvPicPr>
+        <p:blipFill>
+          <a:blip r:embed="rId3">
+            <a:extLst>
+              <a:ext uri="{28A0092B-C50C-407E-A947-70E740481C1C}">
+                <a14:useLocalDpi xmlns:a14="http://schemas.microsoft.com/office/drawing/2010/main" val="0"/>
+              </a:ext>
+            </a:extLst>
+          </a:blip>
+          <a:srcRect/>
+          <a:stretch>
+            <a:fillRect/>
+          </a:stretch>
+        </p:blipFill>
+        <p:spPr bwMode="auto">
           <a:xfrm>
-            <a:off x="0" y="2751550"/>
-            <a:ext cx="12192000" cy="461665"/>
+            <a:off x="2119312" y="781050"/>
+            <a:ext cx="7953375" cy="5295900"/>
           </a:xfrm>
           <a:prstGeom prst="rect">
             <a:avLst/>
           </a:prstGeom>
           <a:noFill/>
+          <a:extLst>
+            <a:ext uri="{909E8E84-426E-40DD-AFC4-6F175D3DCCD1}">
+              <a14:hiddenFill xmlns:a14="http://schemas.microsoft.com/office/drawing/2010/main">
+                <a:solidFill>
+                  <a:srgbClr val="FFFFFF"/>
+                </a:solidFill>
+              </a14:hiddenFill>
+            </a:ext>
+          </a:extLst>
         </p:spPr>
-        <p:txBody>
-          <a:bodyPr wrap="square">
-            <a:spAutoFit/>
-          </a:bodyPr>
-          <a:lstStyle/>
-          <a:p>
-            <a:pPr algn="ctr"/>
-            <a:r>
-              <a:rPr lang="en-US" sz="2400" b="0" i="0" u="none" strike="noStrike" baseline="0" dirty="0">
-                <a:solidFill>
-                  <a:schemeClr val="tx1">
-                    <a:lumMod val="75000"/>
-                    <a:lumOff val="25000"/>
-                  </a:schemeClr>
-                </a:solidFill>
-                <a:latin typeface="Courier New" panose="02070309020205020404" pitchFamily="49" charset="0"/>
-                <a:cs typeface="Courier New" panose="02070309020205020404" pitchFamily="49" charset="0"/>
-              </a:rPr>
-              <a:t>model.save_weights('path_to_weights/weights.h5')</a:t>
-            </a:r>
-            <a:endParaRPr lang="en-US" sz="2400" dirty="0">
-              <a:solidFill>
-                <a:schemeClr val="tx1">
-                  <a:lumMod val="75000"/>
-                  <a:lumOff val="25000"/>
-                </a:schemeClr>
-              </a:solidFill>
-              <a:latin typeface="Courier New" panose="02070309020205020404" pitchFamily="49" charset="0"/>
-              <a:cs typeface="Courier New" panose="02070309020205020404" pitchFamily="49" charset="0"/>
-            </a:endParaRPr>
-          </a:p>
-        </p:txBody>
-      </p:sp>
-      <p:sp>
-        <p:nvSpPr>
-          <p:cNvPr id="8" name="TextBox 7">
-            <a:extLst>
-              <a:ext uri="{FF2B5EF4-FFF2-40B4-BE49-F238E27FC236}">
-                <a16:creationId xmlns:a16="http://schemas.microsoft.com/office/drawing/2014/main" id="{063847D9-D314-48FF-BC74-293BBB30771C}"/>
-              </a:ext>
-            </a:extLst>
-          </p:cNvPr>
-          <p:cNvSpPr txBox="1"/>
-          <p:nvPr/>
-        </p:nvSpPr>
-        <p:spPr>
-          <a:xfrm>
-            <a:off x="0" y="3520187"/>
-            <a:ext cx="12192000" cy="461665"/>
-          </a:xfrm>
-          <a:prstGeom prst="rect">
-            <a:avLst/>
-          </a:prstGeom>
-          <a:noFill/>
-        </p:spPr>
-        <p:txBody>
-          <a:bodyPr wrap="square">
-            <a:spAutoFit/>
-          </a:bodyPr>
-          <a:lstStyle/>
-          <a:p>
-            <a:pPr algn="ctr"/>
-            <a:r>
-              <a:rPr lang="en-US" sz="2400" b="0" i="0" u="none" strike="noStrike" baseline="0" dirty="0">
-                <a:solidFill>
-                  <a:schemeClr val="tx1">
-                    <a:lumMod val="75000"/>
-                    <a:lumOff val="25000"/>
-                  </a:schemeClr>
-                </a:solidFill>
-                <a:latin typeface="Courier New" panose="02070309020205020404" pitchFamily="49" charset="0"/>
-                <a:cs typeface="Courier New" panose="02070309020205020404" pitchFamily="49" charset="0"/>
-              </a:rPr>
-              <a:t>new_model.load_weights('path_to_weights/weights.h5')</a:t>
-            </a:r>
-            <a:endParaRPr lang="en-US" sz="2400" dirty="0">
-              <a:solidFill>
-                <a:schemeClr val="tx1">
-                  <a:lumMod val="75000"/>
-                  <a:lumOff val="25000"/>
-                </a:schemeClr>
-              </a:solidFill>
-              <a:latin typeface="Courier New" panose="02070309020205020404" pitchFamily="49" charset="0"/>
-              <a:cs typeface="Courier New" panose="02070309020205020404" pitchFamily="49" charset="0"/>
-            </a:endParaRPr>
-          </a:p>
-        </p:txBody>
-      </p:sp>
-      <p:sp>
-        <p:nvSpPr>
-          <p:cNvPr id="9" name="Title 1">
-            <a:extLst>
-              <a:ext uri="{FF2B5EF4-FFF2-40B4-BE49-F238E27FC236}">
-                <a16:creationId xmlns:a16="http://schemas.microsoft.com/office/drawing/2014/main" id="{494B99AA-9271-49F7-97BA-EA00ABB5D383}"/>
-              </a:ext>
-            </a:extLst>
-          </p:cNvPr>
-          <p:cNvSpPr>
-            <a:spLocks noGrp="1"/>
-          </p:cNvSpPr>
-          <p:nvPr>
-            <p:ph type="title"/>
-          </p:nvPr>
-        </p:nvSpPr>
-        <p:spPr>
-          <a:xfrm>
-            <a:off x="0" y="793808"/>
-            <a:ext cx="12192000" cy="606943"/>
-          </a:xfrm>
-          <a:noFill/>
-        </p:spPr>
-        <p:txBody>
-          <a:bodyPr>
-            <a:noAutofit/>
-          </a:bodyPr>
-          <a:lstStyle/>
-          <a:p>
-            <a:pPr algn="ctr"/>
-            <a:r>
-              <a:rPr lang="en-US" sz="3600" dirty="0">
-                <a:solidFill>
-                  <a:schemeClr val="tx1">
-                    <a:lumMod val="65000"/>
-                    <a:lumOff val="35000"/>
-                  </a:schemeClr>
-                </a:solidFill>
-                <a:latin typeface="Palatino Linotype" panose="02040502050505030304" pitchFamily="18" charset="0"/>
-              </a:rPr>
-              <a:t>Weights</a:t>
-            </a:r>
-            <a:endParaRPr lang="en-US" sz="3600" dirty="0">
-              <a:solidFill>
-                <a:schemeClr val="tx1">
-                  <a:lumMod val="65000"/>
-                  <a:lumOff val="35000"/>
-                </a:schemeClr>
-              </a:solidFill>
-              <a:latin typeface="Palatino Linotype" panose="02040502050505030304" pitchFamily="18" charset="0"/>
-              <a:cs typeface="Segoe UI Light" panose="020B0502040204020203" pitchFamily="34" charset="0"/>
-            </a:endParaRPr>
-          </a:p>
-        </p:txBody>
-      </p:sp>
-      <p:sp>
-        <p:nvSpPr>
-          <p:cNvPr id="10" name="TextBox 9">
-            <a:extLst>
-              <a:ext uri="{FF2B5EF4-FFF2-40B4-BE49-F238E27FC236}">
-                <a16:creationId xmlns:a16="http://schemas.microsoft.com/office/drawing/2014/main" id="{F395B519-C665-4733-AF0D-9E1B78C14665}"/>
-              </a:ext>
-            </a:extLst>
-          </p:cNvPr>
-          <p:cNvSpPr txBox="1"/>
-          <p:nvPr/>
-        </p:nvSpPr>
-        <p:spPr>
-          <a:xfrm>
-            <a:off x="0" y="6550223"/>
-            <a:ext cx="12192000" cy="307777"/>
-          </a:xfrm>
-          <a:prstGeom prst="rect">
-            <a:avLst/>
-          </a:prstGeom>
-          <a:noFill/>
-        </p:spPr>
-        <p:txBody>
-          <a:bodyPr wrap="square" rtlCol="0">
-            <a:spAutoFit/>
-          </a:bodyPr>
-          <a:lstStyle/>
-          <a:p>
-            <a:r>
-              <a:rPr lang="en-US" sz="1400" dirty="0">
-                <a:solidFill>
-                  <a:schemeClr val="tx1">
-                    <a:lumMod val="65000"/>
-                    <a:lumOff val="35000"/>
-                  </a:schemeClr>
-                </a:solidFill>
-                <a:latin typeface="+mj-lt"/>
-                <a:ea typeface="Verdana" panose="020B0604030504040204" pitchFamily="34" charset="0"/>
-              </a:rPr>
-              <a:t>Source: Baig, M., et al (2020). </a:t>
-            </a:r>
-            <a:r>
-              <a:rPr lang="en-US" sz="1400" i="1" dirty="0">
-                <a:solidFill>
-                  <a:schemeClr val="tx1">
-                    <a:lumMod val="65000"/>
-                    <a:lumOff val="35000"/>
-                  </a:schemeClr>
-                </a:solidFill>
-                <a:latin typeface="+mj-lt"/>
-                <a:ea typeface="Verdana" panose="020B0604030504040204" pitchFamily="34" charset="0"/>
-              </a:rPr>
-              <a:t>The deep learning workshop. </a:t>
-            </a:r>
-            <a:r>
-              <a:rPr lang="en-US" sz="1400" dirty="0">
-                <a:solidFill>
-                  <a:schemeClr val="tx1">
-                    <a:lumMod val="65000"/>
-                    <a:lumOff val="35000"/>
-                  </a:schemeClr>
-                </a:solidFill>
-                <a:latin typeface="+mj-lt"/>
-                <a:ea typeface="Verdana" panose="020B0604030504040204" pitchFamily="34" charset="0"/>
-              </a:rPr>
-              <a:t>Birmingham</a:t>
-            </a:r>
-            <a:r>
-              <a:rPr lang="en-US" sz="1400" b="0" i="0" dirty="0">
-                <a:solidFill>
-                  <a:schemeClr val="tx1">
-                    <a:lumMod val="65000"/>
-                    <a:lumOff val="35000"/>
-                  </a:schemeClr>
-                </a:solidFill>
-                <a:effectLst/>
-                <a:latin typeface="+mj-lt"/>
-                <a:ea typeface="Verdana" panose="020B0604030504040204" pitchFamily="34" charset="0"/>
-              </a:rPr>
-              <a:t>, UK: Packt Publishing. (Chapter </a:t>
-            </a:r>
-            <a:r>
-              <a:rPr lang="en-US" sz="1400" dirty="0">
-                <a:solidFill>
-                  <a:schemeClr val="tx1">
-                    <a:lumMod val="65000"/>
-                    <a:lumOff val="35000"/>
-                  </a:schemeClr>
-                </a:solidFill>
-                <a:latin typeface="+mj-lt"/>
-                <a:ea typeface="Verdana" panose="020B0604030504040204" pitchFamily="34" charset="0"/>
-              </a:rPr>
-              <a:t>3</a:t>
-            </a:r>
-            <a:r>
-              <a:rPr lang="en-US" sz="1400" b="0" i="0" dirty="0">
-                <a:solidFill>
-                  <a:schemeClr val="tx1">
-                    <a:lumMod val="65000"/>
-                    <a:lumOff val="35000"/>
-                  </a:schemeClr>
-                </a:solidFill>
-                <a:effectLst/>
-                <a:latin typeface="+mj-lt"/>
-                <a:ea typeface="Verdana" panose="020B0604030504040204" pitchFamily="34" charset="0"/>
-              </a:rPr>
-              <a:t>)</a:t>
-            </a:r>
-            <a:endParaRPr lang="en-US" sz="1400" dirty="0">
-              <a:solidFill>
-                <a:schemeClr val="tx1">
-                  <a:lumMod val="65000"/>
-                  <a:lumOff val="35000"/>
-                </a:schemeClr>
-              </a:solidFill>
-              <a:latin typeface="+mj-lt"/>
-              <a:ea typeface="Verdana" panose="020B0604030504040204" pitchFamily="34" charset="0"/>
-            </a:endParaRPr>
-          </a:p>
-        </p:txBody>
-      </p:sp>
+      </p:pic>
     </p:spTree>
     <p:extLst>
       <p:ext uri="{BB962C8B-B14F-4D97-AF65-F5344CB8AC3E}">
-        <p14:creationId xmlns:p14="http://schemas.microsoft.com/office/powerpoint/2010/main" val="314707158"/>
+        <p14:creationId xmlns:p14="http://schemas.microsoft.com/office/powerpoint/2010/main" val="3503339875"/>
       </p:ext>
     </p:extLst>
   </p:cSld>
@@ -7146,12 +7700,42 @@
           <a:chExt cx="0" cy="0"/>
         </a:xfrm>
       </p:grpSpPr>
-      <p:sp>
-        <p:nvSpPr>
-          <p:cNvPr id="6" name="TextBox 5">
-            <a:extLst>
-              <a:ext uri="{FF2B5EF4-FFF2-40B4-BE49-F238E27FC236}">
-                <a16:creationId xmlns:a16="http://schemas.microsoft.com/office/drawing/2014/main" id="{6BAB0274-57F7-4C0B-98BC-933154431DF5}"/>
+      <p:pic>
+        <p:nvPicPr>
+          <p:cNvPr id="3" name="Picture 2">
+            <a:extLst>
+              <a:ext uri="{FF2B5EF4-FFF2-40B4-BE49-F238E27FC236}">
+                <a16:creationId xmlns:a16="http://schemas.microsoft.com/office/drawing/2014/main" id="{88CC7D4C-7D31-4E3C-92F7-200A7C7F587F}"/>
+              </a:ext>
+            </a:extLst>
+          </p:cNvPr>
+          <p:cNvPicPr>
+            <a:picLocks noChangeAspect="1"/>
+          </p:cNvPicPr>
+          <p:nvPr/>
+        </p:nvPicPr>
+        <p:blipFill>
+          <a:blip r:embed="rId3"/>
+          <a:stretch>
+            <a:fillRect/>
+          </a:stretch>
+        </p:blipFill>
+        <p:spPr>
+          <a:xfrm>
+            <a:off x="0" y="365760"/>
+            <a:ext cx="3233668" cy="805144"/>
+          </a:xfrm>
+          <a:prstGeom prst="rect">
+            <a:avLst/>
+          </a:prstGeom>
+        </p:spPr>
+      </p:pic>
+      <p:sp>
+        <p:nvSpPr>
+          <p:cNvPr id="4" name="TextBox 3">
+            <a:extLst>
+              <a:ext uri="{FF2B5EF4-FFF2-40B4-BE49-F238E27FC236}">
+                <a16:creationId xmlns:a16="http://schemas.microsoft.com/office/drawing/2014/main" id="{D80C2300-C072-4EDD-91B9-F3EBA464EDE2}"/>
               </a:ext>
             </a:extLst>
           </p:cNvPr>
@@ -7160,8 +7744,8 @@
         </p:nvSpPr>
         <p:spPr>
           <a:xfrm>
-            <a:off x="1689100" y="2109039"/>
-            <a:ext cx="10502900" cy="1569660"/>
+            <a:off x="0" y="3291840"/>
+            <a:ext cx="12192000" cy="1200329"/>
           </a:xfrm>
           <a:prstGeom prst="rect">
             <a:avLst/>
@@ -7169,716 +7753,47 @@
           <a:noFill/>
         </p:spPr>
         <p:txBody>
-          <a:bodyPr wrap="square">
-            <a:spAutoFit/>
-          </a:bodyPr>
-          <a:lstStyle/>
-          <a:p>
-            <a:pPr algn="l"/>
-            <a:r>
-              <a:rPr lang="en-US" sz="2400" b="0" i="0" u="none" strike="noStrike" baseline="0" dirty="0">
-                <a:solidFill>
-                  <a:schemeClr val="tx1">
-                    <a:lumMod val="75000"/>
-                    <a:lumOff val="25000"/>
-                  </a:schemeClr>
-                </a:solidFill>
-                <a:latin typeface="Courier New" panose="02070309020205020404" pitchFamily="49" charset="0"/>
-                <a:cs typeface="Courier New" panose="02070309020205020404" pitchFamily="49" charset="0"/>
-              </a:rPr>
-              <a:t>import json</a:t>
-            </a:r>
-          </a:p>
-          <a:p>
-            <a:pPr algn="l"/>
-            <a:r>
-              <a:rPr lang="en-US" sz="2400" b="0" i="0" u="none" strike="noStrike" baseline="0" dirty="0" err="1">
-                <a:solidFill>
-                  <a:schemeClr val="tx1">
-                    <a:lumMod val="75000"/>
-                    <a:lumOff val="25000"/>
-                  </a:schemeClr>
-                </a:solidFill>
-                <a:latin typeface="Courier New" panose="02070309020205020404" pitchFamily="49" charset="0"/>
-                <a:cs typeface="Courier New" panose="02070309020205020404" pitchFamily="49" charset="0"/>
-              </a:rPr>
-              <a:t>config_json</a:t>
-            </a:r>
-            <a:r>
-              <a:rPr lang="en-US" sz="2400" b="0" i="0" u="none" strike="noStrike" baseline="0" dirty="0">
-                <a:solidFill>
-                  <a:schemeClr val="tx1">
-                    <a:lumMod val="75000"/>
-                    <a:lumOff val="25000"/>
-                  </a:schemeClr>
-                </a:solidFill>
-                <a:latin typeface="Courier New" panose="02070309020205020404" pitchFamily="49" charset="0"/>
-                <a:cs typeface="Courier New" panose="02070309020205020404" pitchFamily="49" charset="0"/>
-              </a:rPr>
-              <a:t> = </a:t>
-            </a:r>
-            <a:r>
-              <a:rPr lang="en-US" sz="2400" b="0" i="0" u="none" strike="noStrike" baseline="0" dirty="0" err="1">
-                <a:solidFill>
-                  <a:schemeClr val="tx1">
-                    <a:lumMod val="75000"/>
-                    <a:lumOff val="25000"/>
-                  </a:schemeClr>
-                </a:solidFill>
-                <a:latin typeface="Courier New" panose="02070309020205020404" pitchFamily="49" charset="0"/>
-                <a:cs typeface="Courier New" panose="02070309020205020404" pitchFamily="49" charset="0"/>
-              </a:rPr>
-              <a:t>model.to_json</a:t>
-            </a:r>
-            <a:r>
-              <a:rPr lang="en-US" sz="2400" b="0" i="0" u="none" strike="noStrike" baseline="0" dirty="0">
-                <a:solidFill>
-                  <a:schemeClr val="tx1">
-                    <a:lumMod val="75000"/>
-                    <a:lumOff val="25000"/>
-                  </a:schemeClr>
-                </a:solidFill>
-                <a:latin typeface="Courier New" panose="02070309020205020404" pitchFamily="49" charset="0"/>
-                <a:cs typeface="Courier New" panose="02070309020205020404" pitchFamily="49" charset="0"/>
-              </a:rPr>
-              <a:t>()</a:t>
-            </a:r>
-          </a:p>
-          <a:p>
-            <a:pPr algn="l"/>
-            <a:r>
-              <a:rPr lang="en-US" sz="2400" b="0" i="0" u="none" strike="noStrike" baseline="0" dirty="0">
-                <a:solidFill>
-                  <a:schemeClr val="tx1">
-                    <a:lumMod val="75000"/>
-                    <a:lumOff val="25000"/>
-                  </a:schemeClr>
-                </a:solidFill>
-                <a:latin typeface="Courier New" panose="02070309020205020404" pitchFamily="49" charset="0"/>
-                <a:cs typeface="Courier New" panose="02070309020205020404" pitchFamily="49" charset="0"/>
-              </a:rPr>
-              <a:t>with open('</a:t>
-            </a:r>
-            <a:r>
-              <a:rPr lang="en-US" sz="2400" b="0" i="0" u="none" strike="noStrike" baseline="0" dirty="0" err="1">
-                <a:solidFill>
-                  <a:schemeClr val="tx1">
-                    <a:lumMod val="75000"/>
-                    <a:lumOff val="25000"/>
-                  </a:schemeClr>
-                </a:solidFill>
-                <a:latin typeface="Courier New" panose="02070309020205020404" pitchFamily="49" charset="0"/>
-                <a:cs typeface="Courier New" panose="02070309020205020404" pitchFamily="49" charset="0"/>
-              </a:rPr>
-              <a:t>config.json</a:t>
-            </a:r>
-            <a:r>
-              <a:rPr lang="en-US" sz="2400" b="0" i="0" u="none" strike="noStrike" baseline="0" dirty="0">
-                <a:solidFill>
-                  <a:schemeClr val="tx1">
-                    <a:lumMod val="75000"/>
-                    <a:lumOff val="25000"/>
-                  </a:schemeClr>
-                </a:solidFill>
-                <a:latin typeface="Courier New" panose="02070309020205020404" pitchFamily="49" charset="0"/>
-                <a:cs typeface="Courier New" panose="02070309020205020404" pitchFamily="49" charset="0"/>
-              </a:rPr>
-              <a:t>', 'w') as </a:t>
-            </a:r>
-            <a:r>
-              <a:rPr lang="en-US" sz="2400" b="0" i="0" u="none" strike="noStrike" baseline="0" dirty="0" err="1">
-                <a:solidFill>
-                  <a:schemeClr val="tx1">
-                    <a:lumMod val="75000"/>
-                    <a:lumOff val="25000"/>
-                  </a:schemeClr>
-                </a:solidFill>
-                <a:latin typeface="Courier New" panose="02070309020205020404" pitchFamily="49" charset="0"/>
-                <a:cs typeface="Courier New" panose="02070309020205020404" pitchFamily="49" charset="0"/>
-              </a:rPr>
-              <a:t>outfile</a:t>
-            </a:r>
-            <a:r>
-              <a:rPr lang="en-US" sz="2400" b="0" i="0" u="none" strike="noStrike" baseline="0" dirty="0">
-                <a:solidFill>
-                  <a:schemeClr val="tx1">
-                    <a:lumMod val="75000"/>
-                    <a:lumOff val="25000"/>
-                  </a:schemeClr>
-                </a:solidFill>
-                <a:latin typeface="Courier New" panose="02070309020205020404" pitchFamily="49" charset="0"/>
-                <a:cs typeface="Courier New" panose="02070309020205020404" pitchFamily="49" charset="0"/>
-              </a:rPr>
-              <a:t>:</a:t>
-            </a:r>
-          </a:p>
-          <a:p>
-            <a:pPr algn="l"/>
-            <a:r>
-              <a:rPr lang="en-US" sz="2400" b="0" i="0" u="none" strike="noStrike" baseline="0" dirty="0">
-                <a:solidFill>
-                  <a:schemeClr val="tx1">
-                    <a:lumMod val="75000"/>
-                    <a:lumOff val="25000"/>
-                  </a:schemeClr>
-                </a:solidFill>
-                <a:latin typeface="Courier New" panose="02070309020205020404" pitchFamily="49" charset="0"/>
-                <a:cs typeface="Courier New" panose="02070309020205020404" pitchFamily="49" charset="0"/>
-              </a:rPr>
-              <a:t>	</a:t>
-            </a:r>
-            <a:r>
-              <a:rPr lang="en-US" sz="2400" b="0" i="0" u="none" strike="noStrike" baseline="0" dirty="0" err="1">
-                <a:solidFill>
-                  <a:schemeClr val="tx1">
-                    <a:lumMod val="75000"/>
-                    <a:lumOff val="25000"/>
-                  </a:schemeClr>
-                </a:solidFill>
-                <a:latin typeface="Courier New" panose="02070309020205020404" pitchFamily="49" charset="0"/>
-                <a:cs typeface="Courier New" panose="02070309020205020404" pitchFamily="49" charset="0"/>
-              </a:rPr>
-              <a:t>json.dump</a:t>
-            </a:r>
-            <a:r>
-              <a:rPr lang="en-US" sz="2400" b="0" i="0" u="none" strike="noStrike" baseline="0" dirty="0">
-                <a:solidFill>
-                  <a:schemeClr val="tx1">
-                    <a:lumMod val="75000"/>
-                    <a:lumOff val="25000"/>
-                  </a:schemeClr>
-                </a:solidFill>
-                <a:latin typeface="Courier New" panose="02070309020205020404" pitchFamily="49" charset="0"/>
-                <a:cs typeface="Courier New" panose="02070309020205020404" pitchFamily="49" charset="0"/>
-              </a:rPr>
-              <a:t>(</a:t>
-            </a:r>
-            <a:r>
-              <a:rPr lang="en-US" sz="2400" b="0" i="0" u="none" strike="noStrike" baseline="0" dirty="0" err="1">
-                <a:solidFill>
-                  <a:schemeClr val="tx1">
-                    <a:lumMod val="75000"/>
-                    <a:lumOff val="25000"/>
-                  </a:schemeClr>
-                </a:solidFill>
-                <a:latin typeface="Courier New" panose="02070309020205020404" pitchFamily="49" charset="0"/>
-                <a:cs typeface="Courier New" panose="02070309020205020404" pitchFamily="49" charset="0"/>
-              </a:rPr>
-              <a:t>config_json</a:t>
-            </a:r>
-            <a:r>
-              <a:rPr lang="en-US" sz="2400" b="0" i="0" u="none" strike="noStrike" baseline="0" dirty="0">
-                <a:solidFill>
-                  <a:schemeClr val="tx1">
-                    <a:lumMod val="75000"/>
-                    <a:lumOff val="25000"/>
-                  </a:schemeClr>
-                </a:solidFill>
-                <a:latin typeface="Courier New" panose="02070309020205020404" pitchFamily="49" charset="0"/>
-                <a:cs typeface="Courier New" panose="02070309020205020404" pitchFamily="49" charset="0"/>
-              </a:rPr>
-              <a:t>, </a:t>
-            </a:r>
-            <a:r>
-              <a:rPr lang="en-US" sz="2400" b="0" i="0" u="none" strike="noStrike" baseline="0" dirty="0" err="1">
-                <a:solidFill>
-                  <a:schemeClr val="tx1">
-                    <a:lumMod val="75000"/>
-                    <a:lumOff val="25000"/>
-                  </a:schemeClr>
-                </a:solidFill>
-                <a:latin typeface="Courier New" panose="02070309020205020404" pitchFamily="49" charset="0"/>
-                <a:cs typeface="Courier New" panose="02070309020205020404" pitchFamily="49" charset="0"/>
-              </a:rPr>
-              <a:t>outfile</a:t>
-            </a:r>
-            <a:r>
-              <a:rPr lang="en-US" sz="2400" b="0" i="0" u="none" strike="noStrike" baseline="0" dirty="0">
-                <a:solidFill>
-                  <a:schemeClr val="tx1">
-                    <a:lumMod val="75000"/>
-                    <a:lumOff val="25000"/>
-                  </a:schemeClr>
-                </a:solidFill>
-                <a:latin typeface="Courier New" panose="02070309020205020404" pitchFamily="49" charset="0"/>
-                <a:cs typeface="Courier New" panose="02070309020205020404" pitchFamily="49" charset="0"/>
-              </a:rPr>
-              <a:t>)</a:t>
-            </a:r>
-            <a:endParaRPr lang="en-US" sz="2400" dirty="0">
-              <a:solidFill>
-                <a:schemeClr val="tx1">
-                  <a:lumMod val="75000"/>
-                  <a:lumOff val="25000"/>
-                </a:schemeClr>
-              </a:solidFill>
-              <a:latin typeface="Courier New" panose="02070309020205020404" pitchFamily="49" charset="0"/>
-              <a:cs typeface="Courier New" panose="02070309020205020404" pitchFamily="49" charset="0"/>
-            </a:endParaRPr>
-          </a:p>
-        </p:txBody>
-      </p:sp>
-      <p:sp>
-        <p:nvSpPr>
-          <p:cNvPr id="9" name="TextBox 8">
-            <a:extLst>
-              <a:ext uri="{FF2B5EF4-FFF2-40B4-BE49-F238E27FC236}">
-                <a16:creationId xmlns:a16="http://schemas.microsoft.com/office/drawing/2014/main" id="{ADD28ECA-870F-45B5-BFDD-0DF24D6CF3F2}"/>
-              </a:ext>
-            </a:extLst>
-          </p:cNvPr>
-          <p:cNvSpPr txBox="1"/>
-          <p:nvPr/>
-        </p:nvSpPr>
-        <p:spPr>
-          <a:xfrm>
-            <a:off x="1689100" y="4258506"/>
-            <a:ext cx="10502900" cy="1938992"/>
-          </a:xfrm>
-          <a:prstGeom prst="rect">
-            <a:avLst/>
-          </a:prstGeom>
-          <a:noFill/>
-        </p:spPr>
-        <p:txBody>
-          <a:bodyPr wrap="square">
-            <a:spAutoFit/>
-          </a:bodyPr>
-          <a:lstStyle/>
-          <a:p>
-            <a:r>
-              <a:rPr lang="en-US" sz="2400" b="0" i="0" u="none" strike="noStrike" baseline="0" dirty="0">
-                <a:solidFill>
-                  <a:schemeClr val="tx1">
-                    <a:lumMod val="75000"/>
-                    <a:lumOff val="25000"/>
-                  </a:schemeClr>
-                </a:solidFill>
-                <a:latin typeface="Courier New" panose="02070309020205020404" pitchFamily="49" charset="0"/>
-                <a:cs typeface="Courier New" panose="02070309020205020404" pitchFamily="49" charset="0"/>
-              </a:rPr>
-              <a:t>import json</a:t>
-            </a:r>
-          </a:p>
-          <a:p>
-            <a:r>
-              <a:rPr lang="en-US" sz="2400" b="0" i="0" u="none" strike="noStrike" baseline="0" dirty="0">
-                <a:solidFill>
-                  <a:schemeClr val="tx1">
-                    <a:lumMod val="75000"/>
-                    <a:lumOff val="25000"/>
-                  </a:schemeClr>
-                </a:solidFill>
-                <a:latin typeface="Courier New" panose="02070309020205020404" pitchFamily="49" charset="0"/>
-                <a:cs typeface="Courier New" panose="02070309020205020404" pitchFamily="49" charset="0"/>
-              </a:rPr>
-              <a:t>with open('</a:t>
-            </a:r>
-            <a:r>
-              <a:rPr lang="en-US" sz="2400" b="0" i="0" u="none" strike="noStrike" baseline="0" dirty="0" err="1">
-                <a:solidFill>
-                  <a:schemeClr val="tx1">
-                    <a:lumMod val="75000"/>
-                    <a:lumOff val="25000"/>
-                  </a:schemeClr>
-                </a:solidFill>
-                <a:latin typeface="Courier New" panose="02070309020205020404" pitchFamily="49" charset="0"/>
-                <a:cs typeface="Courier New" panose="02070309020205020404" pitchFamily="49" charset="0"/>
-              </a:rPr>
-              <a:t>config.json</a:t>
-            </a:r>
-            <a:r>
-              <a:rPr lang="en-US" sz="2400" b="0" i="0" u="none" strike="noStrike" baseline="0" dirty="0">
-                <a:solidFill>
-                  <a:schemeClr val="tx1">
-                    <a:lumMod val="75000"/>
-                    <a:lumOff val="25000"/>
-                  </a:schemeClr>
-                </a:solidFill>
-                <a:latin typeface="Courier New" panose="02070309020205020404" pitchFamily="49" charset="0"/>
-                <a:cs typeface="Courier New" panose="02070309020205020404" pitchFamily="49" charset="0"/>
-              </a:rPr>
-              <a:t>') as </a:t>
-            </a:r>
-            <a:r>
-              <a:rPr lang="en-US" sz="2400" b="0" i="0" u="none" strike="noStrike" baseline="0" dirty="0" err="1">
-                <a:solidFill>
-                  <a:schemeClr val="tx1">
-                    <a:lumMod val="75000"/>
-                    <a:lumOff val="25000"/>
-                  </a:schemeClr>
-                </a:solidFill>
-                <a:latin typeface="Courier New" panose="02070309020205020404" pitchFamily="49" charset="0"/>
-                <a:cs typeface="Courier New" panose="02070309020205020404" pitchFamily="49" charset="0"/>
-              </a:rPr>
-              <a:t>json_file</a:t>
-            </a:r>
-            <a:r>
-              <a:rPr lang="en-US" sz="2400" b="0" i="0" u="none" strike="noStrike" baseline="0" dirty="0">
-                <a:solidFill>
-                  <a:schemeClr val="tx1">
-                    <a:lumMod val="75000"/>
-                    <a:lumOff val="25000"/>
-                  </a:schemeClr>
-                </a:solidFill>
-                <a:latin typeface="Courier New" panose="02070309020205020404" pitchFamily="49" charset="0"/>
-                <a:cs typeface="Courier New" panose="02070309020205020404" pitchFamily="49" charset="0"/>
-              </a:rPr>
-              <a:t>:</a:t>
-            </a:r>
-          </a:p>
-          <a:p>
-            <a:r>
-              <a:rPr lang="en-US" sz="2400" b="0" i="0" u="none" strike="noStrike" baseline="0" dirty="0">
-                <a:solidFill>
-                  <a:schemeClr val="tx1">
-                    <a:lumMod val="75000"/>
-                    <a:lumOff val="25000"/>
-                  </a:schemeClr>
-                </a:solidFill>
-                <a:latin typeface="Courier New" panose="02070309020205020404" pitchFamily="49" charset="0"/>
-                <a:cs typeface="Courier New" panose="02070309020205020404" pitchFamily="49" charset="0"/>
-              </a:rPr>
-              <a:t>	</a:t>
-            </a:r>
-            <a:r>
-              <a:rPr lang="en-US" sz="2400" b="0" i="0" u="none" strike="noStrike" baseline="0" dirty="0" err="1">
-                <a:solidFill>
-                  <a:schemeClr val="tx1">
-                    <a:lumMod val="75000"/>
-                    <a:lumOff val="25000"/>
-                  </a:schemeClr>
-                </a:solidFill>
-                <a:latin typeface="Courier New" panose="02070309020205020404" pitchFamily="49" charset="0"/>
-                <a:cs typeface="Courier New" panose="02070309020205020404" pitchFamily="49" charset="0"/>
-              </a:rPr>
-              <a:t>config_data</a:t>
-            </a:r>
-            <a:r>
-              <a:rPr lang="en-US" sz="2400" b="0" i="0" u="none" strike="noStrike" baseline="0" dirty="0">
-                <a:solidFill>
-                  <a:schemeClr val="tx1">
-                    <a:lumMod val="75000"/>
-                    <a:lumOff val="25000"/>
-                  </a:schemeClr>
-                </a:solidFill>
-                <a:latin typeface="Courier New" panose="02070309020205020404" pitchFamily="49" charset="0"/>
-                <a:cs typeface="Courier New" panose="02070309020205020404" pitchFamily="49" charset="0"/>
-              </a:rPr>
-              <a:t>  = </a:t>
-            </a:r>
-            <a:r>
-              <a:rPr lang="en-US" sz="2400" b="0" i="0" u="none" strike="noStrike" baseline="0" dirty="0" err="1">
-                <a:solidFill>
-                  <a:schemeClr val="tx1">
-                    <a:lumMod val="75000"/>
-                    <a:lumOff val="25000"/>
-                  </a:schemeClr>
-                </a:solidFill>
-                <a:latin typeface="Courier New" panose="02070309020205020404" pitchFamily="49" charset="0"/>
-                <a:cs typeface="Courier New" panose="02070309020205020404" pitchFamily="49" charset="0"/>
-              </a:rPr>
-              <a:t>json.load</a:t>
-            </a:r>
-            <a:r>
-              <a:rPr lang="en-US" sz="2400" b="0" i="0" u="none" strike="noStrike" baseline="0" dirty="0">
-                <a:solidFill>
-                  <a:schemeClr val="tx1">
-                    <a:lumMod val="75000"/>
-                    <a:lumOff val="25000"/>
-                  </a:schemeClr>
-                </a:solidFill>
-                <a:latin typeface="Courier New" panose="02070309020205020404" pitchFamily="49" charset="0"/>
-                <a:cs typeface="Courier New" panose="02070309020205020404" pitchFamily="49" charset="0"/>
-              </a:rPr>
-              <a:t>(</a:t>
-            </a:r>
-            <a:r>
-              <a:rPr lang="en-US" sz="2400" b="0" i="0" u="none" strike="noStrike" baseline="0" dirty="0" err="1">
-                <a:solidFill>
-                  <a:schemeClr val="tx1">
-                    <a:lumMod val="75000"/>
-                    <a:lumOff val="25000"/>
-                  </a:schemeClr>
-                </a:solidFill>
-                <a:latin typeface="Courier New" panose="02070309020205020404" pitchFamily="49" charset="0"/>
-                <a:cs typeface="Courier New" panose="02070309020205020404" pitchFamily="49" charset="0"/>
-              </a:rPr>
-              <a:t>json_file</a:t>
-            </a:r>
-            <a:r>
-              <a:rPr lang="en-US" sz="2400" b="0" i="0" u="none" strike="noStrike" baseline="0" dirty="0">
-                <a:solidFill>
-                  <a:schemeClr val="tx1">
-                    <a:lumMod val="75000"/>
-                    <a:lumOff val="25000"/>
-                  </a:schemeClr>
-                </a:solidFill>
-                <a:latin typeface="Courier New" panose="02070309020205020404" pitchFamily="49" charset="0"/>
-                <a:cs typeface="Courier New" panose="02070309020205020404" pitchFamily="49" charset="0"/>
-              </a:rPr>
-              <a:t>)</a:t>
-            </a:r>
-          </a:p>
-          <a:p>
-            <a:r>
-              <a:rPr lang="en-US" sz="2400" b="0" i="0" u="none" strike="noStrike" baseline="0" dirty="0">
-                <a:solidFill>
-                  <a:schemeClr val="tx1">
-                    <a:lumMod val="75000"/>
-                    <a:lumOff val="25000"/>
-                  </a:schemeClr>
-                </a:solidFill>
-                <a:latin typeface="Courier New" panose="02070309020205020404" pitchFamily="49" charset="0"/>
-                <a:cs typeface="Courier New" panose="02070309020205020404" pitchFamily="49" charset="0"/>
-              </a:rPr>
-              <a:t>	loaded_model = </a:t>
-            </a:r>
-            <a:r>
-              <a:rPr lang="en-US" sz="2400" b="0" i="0" u="none" strike="noStrike" baseline="0" dirty="0" err="1">
-                <a:solidFill>
-                  <a:schemeClr val="tx1">
-                    <a:lumMod val="75000"/>
-                    <a:lumOff val="25000"/>
-                  </a:schemeClr>
-                </a:solidFill>
-                <a:latin typeface="Courier New" panose="02070309020205020404" pitchFamily="49" charset="0"/>
-                <a:cs typeface="Courier New" panose="02070309020205020404" pitchFamily="49" charset="0"/>
-              </a:rPr>
-              <a:t>tf.keras.models.model_from_json</a:t>
-            </a:r>
-            <a:r>
-              <a:rPr lang="en-US" sz="2400" b="0" i="0" u="none" strike="noStrike" baseline="0" dirty="0">
-                <a:solidFill>
-                  <a:schemeClr val="tx1">
-                    <a:lumMod val="75000"/>
-                    <a:lumOff val="25000"/>
-                  </a:schemeClr>
-                </a:solidFill>
-                <a:latin typeface="Courier New" panose="02070309020205020404" pitchFamily="49" charset="0"/>
-                <a:cs typeface="Courier New" panose="02070309020205020404" pitchFamily="49" charset="0"/>
-              </a:rPr>
-              <a:t>(</a:t>
-            </a:r>
-            <a:r>
-              <a:rPr lang="en-US" sz="2400" b="0" i="0" u="none" strike="noStrike" baseline="0" dirty="0" err="1">
-                <a:solidFill>
-                  <a:schemeClr val="tx1">
-                    <a:lumMod val="75000"/>
-                    <a:lumOff val="25000"/>
-                  </a:schemeClr>
-                </a:solidFill>
-                <a:latin typeface="Courier New" panose="02070309020205020404" pitchFamily="49" charset="0"/>
-                <a:cs typeface="Courier New" panose="02070309020205020404" pitchFamily="49" charset="0"/>
-              </a:rPr>
-              <a:t>config_data</a:t>
-            </a:r>
-            <a:r>
-              <a:rPr lang="en-US" sz="2400" b="0" i="0" u="none" strike="noStrike" baseline="0" dirty="0">
-                <a:solidFill>
-                  <a:schemeClr val="tx1">
-                    <a:lumMod val="75000"/>
-                    <a:lumOff val="25000"/>
-                  </a:schemeClr>
-                </a:solidFill>
-                <a:latin typeface="Courier New" panose="02070309020205020404" pitchFamily="49" charset="0"/>
-                <a:cs typeface="Courier New" panose="02070309020205020404" pitchFamily="49" charset="0"/>
-              </a:rPr>
-              <a:t>)</a:t>
-            </a:r>
-            <a:endParaRPr lang="en-US" sz="2400" dirty="0">
-              <a:solidFill>
-                <a:schemeClr val="tx1">
-                  <a:lumMod val="75000"/>
-                  <a:lumOff val="25000"/>
-                </a:schemeClr>
-              </a:solidFill>
-              <a:latin typeface="Courier New" panose="02070309020205020404" pitchFamily="49" charset="0"/>
-              <a:cs typeface="Courier New" panose="02070309020205020404" pitchFamily="49" charset="0"/>
-            </a:endParaRPr>
-          </a:p>
-        </p:txBody>
-      </p:sp>
-      <p:sp>
-        <p:nvSpPr>
-          <p:cNvPr id="10" name="Title 1">
-            <a:extLst>
-              <a:ext uri="{FF2B5EF4-FFF2-40B4-BE49-F238E27FC236}">
-                <a16:creationId xmlns:a16="http://schemas.microsoft.com/office/drawing/2014/main" id="{B712FBAE-1946-4EE1-A012-A84511AD7701}"/>
-              </a:ext>
-            </a:extLst>
-          </p:cNvPr>
-          <p:cNvSpPr>
-            <a:spLocks noGrp="1"/>
-          </p:cNvSpPr>
-          <p:nvPr>
-            <p:ph type="title"/>
-          </p:nvPr>
-        </p:nvSpPr>
-        <p:spPr>
-          <a:xfrm>
-            <a:off x="0" y="793808"/>
-            <a:ext cx="12192000" cy="606943"/>
-          </a:xfrm>
-          <a:noFill/>
-        </p:spPr>
-        <p:txBody>
-          <a:bodyPr>
-            <a:noAutofit/>
-          </a:bodyPr>
-          <a:lstStyle/>
-          <a:p>
-            <a:pPr algn="ctr"/>
-            <a:r>
-              <a:rPr lang="en-US" sz="3600" dirty="0">
-                <a:solidFill>
-                  <a:schemeClr val="tx1">
-                    <a:lumMod val="65000"/>
-                    <a:lumOff val="35000"/>
-                  </a:schemeClr>
-                </a:solidFill>
-                <a:latin typeface="Palatino Linotype" panose="02040502050505030304" pitchFamily="18" charset="0"/>
-              </a:rPr>
-              <a:t>Architecture</a:t>
-            </a:r>
-            <a:endParaRPr lang="en-US" sz="3600" dirty="0">
-              <a:solidFill>
-                <a:schemeClr val="tx1">
-                  <a:lumMod val="65000"/>
-                  <a:lumOff val="35000"/>
-                </a:schemeClr>
-              </a:solidFill>
-              <a:latin typeface="Palatino Linotype" panose="02040502050505030304" pitchFamily="18" charset="0"/>
-              <a:cs typeface="Segoe UI Light" panose="020B0502040204020203" pitchFamily="34" charset="0"/>
-            </a:endParaRPr>
-          </a:p>
-        </p:txBody>
-      </p:sp>
-      <p:sp>
-        <p:nvSpPr>
-          <p:cNvPr id="8" name="TextBox 7">
-            <a:extLst>
-              <a:ext uri="{FF2B5EF4-FFF2-40B4-BE49-F238E27FC236}">
-                <a16:creationId xmlns:a16="http://schemas.microsoft.com/office/drawing/2014/main" id="{5FC80A33-5D96-4720-8133-7B1EC84D509F}"/>
-              </a:ext>
-            </a:extLst>
-          </p:cNvPr>
-          <p:cNvSpPr txBox="1"/>
-          <p:nvPr/>
-        </p:nvSpPr>
-        <p:spPr>
-          <a:xfrm>
-            <a:off x="0" y="6550223"/>
-            <a:ext cx="12192000" cy="307777"/>
-          </a:xfrm>
-          <a:prstGeom prst="rect">
-            <a:avLst/>
-          </a:prstGeom>
-          <a:noFill/>
-        </p:spPr>
-        <p:txBody>
           <a:bodyPr wrap="square" rtlCol="0">
             <a:spAutoFit/>
           </a:bodyPr>
           <a:lstStyle/>
           <a:p>
-            <a:r>
-              <a:rPr lang="en-US" sz="1400" dirty="0">
+            <a:pPr algn="ctr"/>
+            <a:r>
+              <a:rPr lang="en-US" sz="3600" dirty="0">
                 <a:solidFill>
                   <a:schemeClr val="tx1">
                     <a:lumMod val="65000"/>
                     <a:lumOff val="35000"/>
                   </a:schemeClr>
                 </a:solidFill>
-                <a:latin typeface="+mj-lt"/>
-                <a:ea typeface="Verdana" panose="020B0604030504040204" pitchFamily="34" charset="0"/>
-              </a:rPr>
-              <a:t>Source: Baig, M., et al (2020). </a:t>
-            </a:r>
-            <a:r>
-              <a:rPr lang="en-US" sz="1400" i="1" dirty="0">
+                <a:latin typeface="Palatino Linotype" panose="02040502050505030304" pitchFamily="18" charset="0"/>
+              </a:rPr>
+              <a:t>Transfer Learning (Fine Tuning)</a:t>
+            </a:r>
+          </a:p>
+          <a:p>
+            <a:pPr algn="ctr"/>
+            <a:r>
+              <a:rPr lang="en-US" sz="3600" dirty="0">
                 <a:solidFill>
                   <a:schemeClr val="tx1">
                     <a:lumMod val="65000"/>
                     <a:lumOff val="35000"/>
                   </a:schemeClr>
                 </a:solidFill>
-                <a:latin typeface="+mj-lt"/>
-                <a:ea typeface="Verdana" panose="020B0604030504040204" pitchFamily="34" charset="0"/>
-              </a:rPr>
-              <a:t>The deep learning workshop. </a:t>
-            </a:r>
-            <a:r>
-              <a:rPr lang="en-US" sz="1400" dirty="0">
-                <a:solidFill>
-                  <a:schemeClr val="tx1">
-                    <a:lumMod val="65000"/>
-                    <a:lumOff val="35000"/>
-                  </a:schemeClr>
-                </a:solidFill>
-                <a:latin typeface="+mj-lt"/>
-                <a:ea typeface="Verdana" panose="020B0604030504040204" pitchFamily="34" charset="0"/>
-              </a:rPr>
-              <a:t>Birmingham</a:t>
-            </a:r>
-            <a:r>
-              <a:rPr lang="en-US" sz="1400" b="0" i="0" dirty="0">
-                <a:solidFill>
-                  <a:schemeClr val="tx1">
-                    <a:lumMod val="65000"/>
-                    <a:lumOff val="35000"/>
-                  </a:schemeClr>
-                </a:solidFill>
-                <a:effectLst/>
-                <a:latin typeface="+mj-lt"/>
-                <a:ea typeface="Verdana" panose="020B0604030504040204" pitchFamily="34" charset="0"/>
-              </a:rPr>
-              <a:t>, UK: Packt Publishing. (Chapter </a:t>
-            </a:r>
-            <a:r>
-              <a:rPr lang="en-US" sz="1400" dirty="0">
-                <a:solidFill>
-                  <a:schemeClr val="tx1">
-                    <a:lumMod val="65000"/>
-                    <a:lumOff val="35000"/>
-                  </a:schemeClr>
-                </a:solidFill>
-                <a:latin typeface="+mj-lt"/>
-                <a:ea typeface="Verdana" panose="020B0604030504040204" pitchFamily="34" charset="0"/>
-              </a:rPr>
-              <a:t>3</a:t>
-            </a:r>
-            <a:r>
-              <a:rPr lang="en-US" sz="1400" b="0" i="0" dirty="0">
-                <a:solidFill>
-                  <a:schemeClr val="tx1">
-                    <a:lumMod val="65000"/>
-                    <a:lumOff val="35000"/>
-                  </a:schemeClr>
-                </a:solidFill>
-                <a:effectLst/>
-                <a:latin typeface="+mj-lt"/>
-                <a:ea typeface="Verdana" panose="020B0604030504040204" pitchFamily="34" charset="0"/>
-              </a:rPr>
-              <a:t>)</a:t>
-            </a:r>
-            <a:endParaRPr lang="en-US" sz="1400" dirty="0">
-              <a:solidFill>
-                <a:schemeClr val="tx1">
-                  <a:lumMod val="65000"/>
-                  <a:lumOff val="35000"/>
-                </a:schemeClr>
-              </a:solidFill>
-              <a:latin typeface="+mj-lt"/>
-              <a:ea typeface="Verdana" panose="020B0604030504040204" pitchFamily="34" charset="0"/>
-            </a:endParaRPr>
+                <a:latin typeface="Palatino Linotype" panose="02040502050505030304" pitchFamily="18" charset="0"/>
+              </a:rPr>
+              <a:t>01.2_fine_tune.ipynb</a:t>
+            </a:r>
+            <a:endParaRPr lang="en-US" sz="3600" dirty="0"/>
           </a:p>
         </p:txBody>
       </p:sp>
     </p:spTree>
     <p:extLst>
       <p:ext uri="{BB962C8B-B14F-4D97-AF65-F5344CB8AC3E}">
-        <p14:creationId xmlns:p14="http://schemas.microsoft.com/office/powerpoint/2010/main" val="3574358397"/>
+        <p14:creationId xmlns:p14="http://schemas.microsoft.com/office/powerpoint/2010/main" val="609489790"/>
       </p:ext>
     </p:extLst>
   </p:cSld>
@@ -7919,227 +7834,6 @@
       </p:grpSpPr>
       <p:pic>
         <p:nvPicPr>
-          <p:cNvPr id="1026" name="Picture 2" descr="Hugging Face: The Artificial Intelligence Community Building the Future">
-            <a:extLst>
-              <a:ext uri="{FF2B5EF4-FFF2-40B4-BE49-F238E27FC236}">
-                <a16:creationId xmlns:a16="http://schemas.microsoft.com/office/drawing/2014/main" id="{280E1861-D7F6-46FB-AFFE-3A33E6D35281}"/>
-              </a:ext>
-            </a:extLst>
-          </p:cNvPr>
-          <p:cNvPicPr>
-            <a:picLocks noChangeAspect="1" noChangeArrowheads="1"/>
-          </p:cNvPicPr>
-          <p:nvPr/>
-        </p:nvPicPr>
-        <p:blipFill>
-          <a:blip r:embed="rId3">
-            <a:extLst>
-              <a:ext uri="{28A0092B-C50C-407E-A947-70E740481C1C}">
-                <a14:useLocalDpi xmlns:a14="http://schemas.microsoft.com/office/drawing/2010/main" val="0"/>
-              </a:ext>
-            </a:extLst>
-          </a:blip>
-          <a:srcRect/>
-          <a:stretch>
-            <a:fillRect/>
-          </a:stretch>
-        </p:blipFill>
-        <p:spPr bwMode="auto">
-          <a:xfrm>
-            <a:off x="2119312" y="781050"/>
-            <a:ext cx="7953375" cy="5295900"/>
-          </a:xfrm>
-          <a:prstGeom prst="rect">
-            <a:avLst/>
-          </a:prstGeom>
-          <a:noFill/>
-          <a:extLst>
-            <a:ext uri="{909E8E84-426E-40DD-AFC4-6F175D3DCCD1}">
-              <a14:hiddenFill xmlns:a14="http://schemas.microsoft.com/office/drawing/2010/main">
-                <a:solidFill>
-                  <a:srgbClr val="FFFFFF"/>
-                </a:solidFill>
-              </a14:hiddenFill>
-            </a:ext>
-          </a:extLst>
-        </p:spPr>
-      </p:pic>
-    </p:spTree>
-    <p:extLst>
-      <p:ext uri="{BB962C8B-B14F-4D97-AF65-F5344CB8AC3E}">
-        <p14:creationId xmlns:p14="http://schemas.microsoft.com/office/powerpoint/2010/main" val="3503339875"/>
-      </p:ext>
-    </p:extLst>
-  </p:cSld>
-  <p:clrMapOvr>
-    <a:masterClrMapping/>
-  </p:clrMapOvr>
-  <mc:AlternateContent xmlns:mc="http://schemas.openxmlformats.org/markup-compatibility/2006" xmlns:p14="http://schemas.microsoft.com/office/powerpoint/2010/main">
-    <mc:Choice Requires="p14">
-      <p:transition spd="med" p14:dur="700">
-        <p:fade/>
-      </p:transition>
-    </mc:Choice>
-    <mc:Fallback xmlns="">
-      <p:transition spd="med">
-        <p:fade/>
-      </p:transition>
-    </mc:Fallback>
-  </mc:AlternateContent>
-</p:sld>
-</file>
-
-<file path=ppt/slides/slide17.xml><?xml version="1.0" encoding="utf-8"?>
-<p:sld xmlns:a="http://schemas.openxmlformats.org/drawingml/2006/main" xmlns:r="http://schemas.openxmlformats.org/officeDocument/2006/relationships" xmlns:p="http://schemas.openxmlformats.org/presentationml/2006/main">
-  <p:cSld>
-    <p:spTree>
-      <p:nvGrpSpPr>
-        <p:cNvPr id="1" name=""/>
-        <p:cNvGrpSpPr/>
-        <p:nvPr/>
-      </p:nvGrpSpPr>
-      <p:grpSpPr>
-        <a:xfrm>
-          <a:off x="0" y="0"/>
-          <a:ext cx="0" cy="0"/>
-          <a:chOff x="0" y="0"/>
-          <a:chExt cx="0" cy="0"/>
-        </a:xfrm>
-      </p:grpSpPr>
-      <p:pic>
-        <p:nvPicPr>
-          <p:cNvPr id="3" name="Picture 2">
-            <a:extLst>
-              <a:ext uri="{FF2B5EF4-FFF2-40B4-BE49-F238E27FC236}">
-                <a16:creationId xmlns:a16="http://schemas.microsoft.com/office/drawing/2014/main" id="{88CC7D4C-7D31-4E3C-92F7-200A7C7F587F}"/>
-              </a:ext>
-            </a:extLst>
-          </p:cNvPr>
-          <p:cNvPicPr>
-            <a:picLocks noChangeAspect="1"/>
-          </p:cNvPicPr>
-          <p:nvPr/>
-        </p:nvPicPr>
-        <p:blipFill>
-          <a:blip r:embed="rId3"/>
-          <a:stretch>
-            <a:fillRect/>
-          </a:stretch>
-        </p:blipFill>
-        <p:spPr>
-          <a:xfrm>
-            <a:off x="0" y="365760"/>
-            <a:ext cx="3233668" cy="805144"/>
-          </a:xfrm>
-          <a:prstGeom prst="rect">
-            <a:avLst/>
-          </a:prstGeom>
-        </p:spPr>
-      </p:pic>
-      <p:sp>
-        <p:nvSpPr>
-          <p:cNvPr id="4" name="TextBox 3">
-            <a:extLst>
-              <a:ext uri="{FF2B5EF4-FFF2-40B4-BE49-F238E27FC236}">
-                <a16:creationId xmlns:a16="http://schemas.microsoft.com/office/drawing/2014/main" id="{D80C2300-C072-4EDD-91B9-F3EBA464EDE2}"/>
-              </a:ext>
-            </a:extLst>
-          </p:cNvPr>
-          <p:cNvSpPr txBox="1"/>
-          <p:nvPr/>
-        </p:nvSpPr>
-        <p:spPr>
-          <a:xfrm>
-            <a:off x="0" y="3291840"/>
-            <a:ext cx="12192000" cy="1200329"/>
-          </a:xfrm>
-          <a:prstGeom prst="rect">
-            <a:avLst/>
-          </a:prstGeom>
-          <a:noFill/>
-        </p:spPr>
-        <p:txBody>
-          <a:bodyPr wrap="square" rtlCol="0">
-            <a:spAutoFit/>
-          </a:bodyPr>
-          <a:lstStyle/>
-          <a:p>
-            <a:pPr algn="ctr"/>
-            <a:r>
-              <a:rPr lang="en-US" sz="3600" dirty="0">
-                <a:solidFill>
-                  <a:schemeClr val="tx1">
-                    <a:lumMod val="65000"/>
-                    <a:lumOff val="35000"/>
-                  </a:schemeClr>
-                </a:solidFill>
-                <a:latin typeface="Palatino Linotype" panose="02040502050505030304" pitchFamily="18" charset="0"/>
-              </a:rPr>
-              <a:t>Transfer Learning (Fine Tuning)</a:t>
-            </a:r>
-          </a:p>
-          <a:p>
-            <a:pPr algn="ctr"/>
-            <a:r>
-              <a:rPr lang="en-US" sz="3600" dirty="0">
-                <a:solidFill>
-                  <a:schemeClr val="tx1">
-                    <a:lumMod val="65000"/>
-                    <a:lumOff val="35000"/>
-                  </a:schemeClr>
-                </a:solidFill>
-                <a:latin typeface="Palatino Linotype" panose="02040502050505030304" pitchFamily="18" charset="0"/>
-              </a:rPr>
-              <a:t>01.2_fine_tune.ipynb</a:t>
-            </a:r>
-            <a:endParaRPr lang="en-US" sz="3600" dirty="0"/>
-          </a:p>
-        </p:txBody>
-      </p:sp>
-    </p:spTree>
-    <p:extLst>
-      <p:ext uri="{BB962C8B-B14F-4D97-AF65-F5344CB8AC3E}">
-        <p14:creationId xmlns:p14="http://schemas.microsoft.com/office/powerpoint/2010/main" val="609489790"/>
-      </p:ext>
-    </p:extLst>
-  </p:cSld>
-  <p:clrMapOvr>
-    <a:masterClrMapping/>
-  </p:clrMapOvr>
-  <mc:AlternateContent xmlns:mc="http://schemas.openxmlformats.org/markup-compatibility/2006" xmlns:p14="http://schemas.microsoft.com/office/powerpoint/2010/main">
-    <mc:Choice Requires="p14">
-      <p:transition spd="med" p14:dur="700">
-        <p:fade/>
-      </p:transition>
-    </mc:Choice>
-    <mc:Fallback xmlns="">
-      <p:transition spd="med">
-        <p:fade/>
-      </p:transition>
-    </mc:Fallback>
-  </mc:AlternateContent>
-</p:sld>
-</file>
-
-<file path=ppt/slides/slide18.xml><?xml version="1.0" encoding="utf-8"?>
-<p:sld xmlns:a="http://schemas.openxmlformats.org/drawingml/2006/main" xmlns:r="http://schemas.openxmlformats.org/officeDocument/2006/relationships" xmlns:p="http://schemas.openxmlformats.org/presentationml/2006/main">
-  <p:cSld>
-    <p:spTree>
-      <p:nvGrpSpPr>
-        <p:cNvPr id="1" name=""/>
-        <p:cNvGrpSpPr/>
-        <p:nvPr/>
-      </p:nvGrpSpPr>
-      <p:grpSpPr>
-        <a:xfrm>
-          <a:off x="0" y="0"/>
-          <a:ext cx="0" cy="0"/>
-          <a:chOff x="0" y="0"/>
-          <a:chExt cx="0" cy="0"/>
-        </a:xfrm>
-      </p:grpSpPr>
-      <p:pic>
-        <p:nvPicPr>
           <p:cNvPr id="3" name="Picture 2">
             <a:extLst>
               <a:ext uri="{FF2B5EF4-FFF2-40B4-BE49-F238E27FC236}">
@@ -8253,7 +7947,7 @@
 </p:sld>
 </file>
 
-<file path=ppt/slides/slide19.xml><?xml version="1.0" encoding="utf-8"?>
+<file path=ppt/slides/slide17.xml><?xml version="1.0" encoding="utf-8"?>
 <p:sld xmlns:a="http://schemas.openxmlformats.org/drawingml/2006/main" xmlns:r="http://schemas.openxmlformats.org/officeDocument/2006/relationships" xmlns:p="http://schemas.openxmlformats.org/presentationml/2006/main">
   <p:cSld>
     <p:spTree>
@@ -8295,7 +7989,7 @@
 </p:sld>
 </file>
 
-<file path=ppt/slides/slide2.xml><?xml version="1.0" encoding="utf-8"?>
+<file path=ppt/slides/slide18.xml><?xml version="1.0" encoding="utf-8"?>
 <p:sld xmlns:a="http://schemas.openxmlformats.org/drawingml/2006/main" xmlns:r="http://schemas.openxmlformats.org/officeDocument/2006/relationships" xmlns:p="http://schemas.openxmlformats.org/presentationml/2006/main">
   <p:cSld>
     <p:spTree>
@@ -8417,6 +8111,161 @@
 </p:sld>
 </file>
 
+<file path=ppt/slides/slide2.xml><?xml version="1.0" encoding="utf-8"?>
+<p:sld xmlns:a="http://schemas.openxmlformats.org/drawingml/2006/main" xmlns:r="http://schemas.openxmlformats.org/officeDocument/2006/relationships" xmlns:p="http://schemas.openxmlformats.org/presentationml/2006/main">
+  <p:cSld>
+    <p:spTree>
+      <p:nvGrpSpPr>
+        <p:cNvPr id="1" name=""/>
+        <p:cNvGrpSpPr/>
+        <p:nvPr/>
+      </p:nvGrpSpPr>
+      <p:grpSpPr>
+        <a:xfrm>
+          <a:off x="0" y="0"/>
+          <a:ext cx="0" cy="0"/>
+          <a:chOff x="0" y="0"/>
+          <a:chExt cx="0" cy="0"/>
+        </a:xfrm>
+      </p:grpSpPr>
+      <p:sp>
+        <p:nvSpPr>
+          <p:cNvPr id="4" name="Title 3">
+            <a:extLst>
+              <a:ext uri="{FF2B5EF4-FFF2-40B4-BE49-F238E27FC236}">
+                <a16:creationId xmlns:a16="http://schemas.microsoft.com/office/drawing/2014/main" id="{E094B437-B60B-42B9-A85A-EB6CDDA02B57}"/>
+              </a:ext>
+            </a:extLst>
+          </p:cNvPr>
+          <p:cNvSpPr>
+            <a:spLocks noGrp="1"/>
+          </p:cNvSpPr>
+          <p:nvPr>
+            <p:ph type="title"/>
+          </p:nvPr>
+        </p:nvSpPr>
+        <p:spPr/>
+        <p:txBody>
+          <a:bodyPr/>
+          <a:lstStyle/>
+          <a:p>
+            <a:endParaRPr lang="en-US"/>
+          </a:p>
+        </p:txBody>
+      </p:sp>
+      <p:sp>
+        <p:nvSpPr>
+          <p:cNvPr id="8" name="TextBox 7">
+            <a:extLst>
+              <a:ext uri="{FF2B5EF4-FFF2-40B4-BE49-F238E27FC236}">
+                <a16:creationId xmlns:a16="http://schemas.microsoft.com/office/drawing/2014/main" id="{76D5AA6B-79E3-4711-B807-D3A12B3E8377}"/>
+              </a:ext>
+            </a:extLst>
+          </p:cNvPr>
+          <p:cNvSpPr txBox="1"/>
+          <p:nvPr/>
+        </p:nvSpPr>
+        <p:spPr>
+          <a:xfrm>
+            <a:off x="0" y="3101454"/>
+            <a:ext cx="12192000" cy="1877437"/>
+          </a:xfrm>
+          <a:prstGeom prst="rect">
+            <a:avLst/>
+          </a:prstGeom>
+          <a:noFill/>
+        </p:spPr>
+        <p:txBody>
+          <a:bodyPr wrap="square">
+            <a:spAutoFit/>
+          </a:bodyPr>
+          <a:lstStyle/>
+          <a:p>
+            <a:pPr algn="ctr"/>
+            <a:r>
+              <a:rPr lang="en-US" sz="3200" b="0" i="1" u="none" strike="noStrike" baseline="0" dirty="0">
+                <a:solidFill>
+                  <a:schemeClr val="tx1">
+                    <a:lumMod val="75000"/>
+                    <a:lumOff val="25000"/>
+                  </a:schemeClr>
+                </a:solidFill>
+                <a:latin typeface="PalatinoLinotype-Italic"/>
+              </a:rPr>
+              <a:t>Situation where what has been learned in one setting is exploited to improve generalization in another setting</a:t>
+            </a:r>
+          </a:p>
+          <a:p>
+            <a:pPr algn="ctr"/>
+            <a:endParaRPr lang="en-US" sz="3200" b="0" i="1" u="none" strike="noStrike" baseline="0" dirty="0">
+              <a:solidFill>
+                <a:schemeClr val="tx1">
+                  <a:lumMod val="75000"/>
+                  <a:lumOff val="25000"/>
+                </a:schemeClr>
+              </a:solidFill>
+              <a:latin typeface="PalatinoLinotype-Italic"/>
+            </a:endParaRPr>
+          </a:p>
+          <a:p>
+            <a:pPr algn="r"/>
+            <a:r>
+              <a:rPr lang="en-US" sz="2000" i="1" dirty="0">
+                <a:solidFill>
+                  <a:schemeClr val="tx2">
+                    <a:lumMod val="75000"/>
+                  </a:schemeClr>
+                </a:solidFill>
+                <a:latin typeface="PalatinoLinotype-Italic"/>
+              </a:rPr>
+              <a:t>Deep Learning (</a:t>
+            </a:r>
+            <a:r>
+              <a:rPr lang="en-US" sz="2000" dirty="0">
+                <a:solidFill>
+                  <a:schemeClr val="tx2">
+                    <a:lumMod val="75000"/>
+                  </a:schemeClr>
+                </a:solidFill>
+                <a:latin typeface="PalatinoLinotype-Italic"/>
+              </a:rPr>
+              <a:t>Ian Goodfellow, et al)</a:t>
+            </a:r>
+            <a:endParaRPr lang="en-US" sz="2000" dirty="0">
+              <a:solidFill>
+                <a:schemeClr val="tx2">
+                  <a:lumMod val="75000"/>
+                </a:schemeClr>
+              </a:solidFill>
+            </a:endParaRPr>
+          </a:p>
+        </p:txBody>
+      </p:sp>
+    </p:spTree>
+    <p:extLst>
+      <p:ext uri="{BB962C8B-B14F-4D97-AF65-F5344CB8AC3E}">
+        <p14:creationId xmlns:p14="http://schemas.microsoft.com/office/powerpoint/2010/main" val="800490332"/>
+      </p:ext>
+    </p:extLst>
+  </p:cSld>
+  <p:clrMapOvr>
+    <a:masterClrMapping/>
+  </p:clrMapOvr>
+  <mc:AlternateContent xmlns:mc="http://schemas.openxmlformats.org/markup-compatibility/2006" xmlns:p14="http://schemas.microsoft.com/office/powerpoint/2010/main">
+    <mc:Choice Requires="p14">
+      <p:transition spd="med" p14:dur="700">
+        <p:fade/>
+      </p:transition>
+    </mc:Choice>
+    <mc:Fallback xmlns="">
+      <p:transition spd="med">
+        <p:fade/>
+      </p:transition>
+    </mc:Fallback>
+  </mc:AlternateContent>
+</p:sld>
+</file>
+
 <file path=ppt/slides/slide3.xml><?xml version="1.0" encoding="utf-8"?>
 <p:sld xmlns:a="http://schemas.openxmlformats.org/drawingml/2006/main" xmlns:r="http://schemas.openxmlformats.org/officeDocument/2006/relationships" xmlns:p="http://schemas.openxmlformats.org/presentationml/2006/main">
   <p:cSld>
@@ -8436,205 +8285,131 @@
       </p:grpSpPr>
       <p:sp>
         <p:nvSpPr>
-          <p:cNvPr id="6" name="Rectangle 5">
-            <a:extLst>
-              <a:ext uri="{FF2B5EF4-FFF2-40B4-BE49-F238E27FC236}">
-                <a16:creationId xmlns:a16="http://schemas.microsoft.com/office/drawing/2014/main" id="{0AED260D-91FC-4000-B413-7CBF6388F332}"/>
-              </a:ext>
-            </a:extLst>
-          </p:cNvPr>
-          <p:cNvSpPr/>
+          <p:cNvPr id="5" name="TextBox 4">
+            <a:extLst>
+              <a:ext uri="{FF2B5EF4-FFF2-40B4-BE49-F238E27FC236}">
+                <a16:creationId xmlns:a16="http://schemas.microsoft.com/office/drawing/2014/main" id="{704F704F-30F7-40EA-AC96-87B3164ABC63}"/>
+              </a:ext>
+            </a:extLst>
+          </p:cNvPr>
+          <p:cNvSpPr txBox="1"/>
           <p:nvPr/>
         </p:nvSpPr>
         <p:spPr>
           <a:xfrm>
-            <a:off x="7255932" y="3866150"/>
-            <a:ext cx="1757894" cy="2085920"/>
+            <a:off x="0" y="6550223"/>
+            <a:ext cx="12192000" cy="307777"/>
           </a:xfrm>
           <a:prstGeom prst="rect">
             <a:avLst/>
           </a:prstGeom>
-          <a:ln>
-            <a:solidFill>
-              <a:schemeClr val="tx1">
-                <a:lumMod val="65000"/>
-                <a:lumOff val="35000"/>
-              </a:schemeClr>
-            </a:solidFill>
-          </a:ln>
-          <a:effectLst>
-            <a:outerShdw blurRad="50800" dist="38100" dir="2700000" algn="tl" rotWithShape="0">
-              <a:prstClr val="black">
-                <a:alpha val="40000"/>
-              </a:prstClr>
-            </a:outerShdw>
-          </a:effectLst>
+          <a:noFill/>
         </p:spPr>
-        <p:style>
-          <a:lnRef idx="2">
-            <a:schemeClr val="accent1"/>
-          </a:lnRef>
-          <a:fillRef idx="1">
-            <a:schemeClr val="lt1"/>
-          </a:fillRef>
-          <a:effectRef idx="0">
-            <a:schemeClr val="accent1"/>
-          </a:effectRef>
-          <a:fontRef idx="minor">
-            <a:schemeClr val="dk1"/>
-          </a:fontRef>
-        </p:style>
-        <p:txBody>
-          <a:bodyPr tIns="45720" rtlCol="0" anchor="t" anchorCtr="0"/>
-          <a:lstStyle/>
-          <a:p>
-            <a:pPr algn="ctr"/>
-            <a:r>
-              <a:rPr lang="en-US" dirty="0">
-                <a:latin typeface="Palatino Linotype" panose="02040502050505030304" pitchFamily="18" charset="0"/>
-              </a:rPr>
-              <a:t>Other</a:t>
-            </a:r>
-            <a:endParaRPr lang="en-US" dirty="0"/>
-          </a:p>
-        </p:txBody>
-      </p:sp>
-      <p:sp>
-        <p:nvSpPr>
-          <p:cNvPr id="7" name="Rectangle 6">
-            <a:extLst>
-              <a:ext uri="{FF2B5EF4-FFF2-40B4-BE49-F238E27FC236}">
-                <a16:creationId xmlns:a16="http://schemas.microsoft.com/office/drawing/2014/main" id="{E260980E-7AEF-4A9A-8082-EB6FC9E0ED8C}"/>
-              </a:ext>
-            </a:extLst>
-          </p:cNvPr>
-          <p:cNvSpPr/>
-          <p:nvPr/>
-        </p:nvSpPr>
-        <p:spPr>
-          <a:xfrm>
-            <a:off x="4875738" y="1156817"/>
-            <a:ext cx="1757894" cy="2085920"/>
-          </a:xfrm>
-          <a:prstGeom prst="rect">
-            <a:avLst/>
-          </a:prstGeom>
-          <a:ln>
-            <a:solidFill>
-              <a:schemeClr val="tx1">
-                <a:lumMod val="65000"/>
-                <a:lumOff val="35000"/>
-              </a:schemeClr>
-            </a:solidFill>
-          </a:ln>
-          <a:effectLst>
-            <a:outerShdw blurRad="50800" dist="38100" dir="2700000" algn="tl" rotWithShape="0">
-              <a:prstClr val="black">
-                <a:alpha val="40000"/>
-              </a:prstClr>
-            </a:outerShdw>
-          </a:effectLst>
-        </p:spPr>
-        <p:style>
-          <a:lnRef idx="2">
-            <a:schemeClr val="accent1"/>
-          </a:lnRef>
-          <a:fillRef idx="1">
-            <a:schemeClr val="lt1"/>
-          </a:fillRef>
-          <a:effectRef idx="0">
-            <a:schemeClr val="accent1"/>
-          </a:effectRef>
-          <a:fontRef idx="minor">
-            <a:schemeClr val="dk1"/>
-          </a:fontRef>
-        </p:style>
-        <p:txBody>
-          <a:bodyPr tIns="45720" rtlCol="0" anchor="t" anchorCtr="0"/>
-          <a:lstStyle/>
-          <a:p>
-            <a:pPr algn="ctr"/>
-            <a:r>
-              <a:rPr lang="en-US" dirty="0">
-                <a:latin typeface="Palatino Linotype" panose="02040502050505030304" pitchFamily="18" charset="0"/>
-              </a:rPr>
-              <a:t>Humanities</a:t>
-            </a:r>
-            <a:endParaRPr lang="en-US" dirty="0"/>
-          </a:p>
-        </p:txBody>
-      </p:sp>
-      <p:sp>
-        <p:nvSpPr>
-          <p:cNvPr id="8" name="Rectangle 7">
-            <a:extLst>
-              <a:ext uri="{FF2B5EF4-FFF2-40B4-BE49-F238E27FC236}">
-                <a16:creationId xmlns:a16="http://schemas.microsoft.com/office/drawing/2014/main" id="{0E92874E-9331-4F4C-ABDE-9C086CEA8A60}"/>
-              </a:ext>
-            </a:extLst>
-          </p:cNvPr>
-          <p:cNvSpPr/>
-          <p:nvPr/>
-        </p:nvSpPr>
-        <p:spPr>
-          <a:xfrm>
-            <a:off x="2492373" y="1156817"/>
-            <a:ext cx="1761065" cy="2085920"/>
-          </a:xfrm>
-          <a:prstGeom prst="rect">
-            <a:avLst/>
-          </a:prstGeom>
-          <a:ln>
-            <a:solidFill>
-              <a:schemeClr val="tx1">
-                <a:lumMod val="65000"/>
-                <a:lumOff val="35000"/>
-              </a:schemeClr>
-            </a:solidFill>
-          </a:ln>
-          <a:effectLst>
-            <a:outerShdw blurRad="50800" dist="38100" dir="2700000" algn="tl" rotWithShape="0">
-              <a:prstClr val="black">
-                <a:alpha val="40000"/>
-              </a:prstClr>
-            </a:outerShdw>
-          </a:effectLst>
-        </p:spPr>
-        <p:style>
-          <a:lnRef idx="2">
-            <a:schemeClr val="accent1"/>
-          </a:lnRef>
-          <a:fillRef idx="1">
-            <a:schemeClr val="lt1"/>
-          </a:fillRef>
-          <a:effectRef idx="0">
-            <a:schemeClr val="accent1"/>
-          </a:effectRef>
-          <a:fontRef idx="minor">
-            <a:schemeClr val="dk1"/>
-          </a:fontRef>
-        </p:style>
-        <p:txBody>
-          <a:bodyPr tIns="45720" rtlCol="0" anchor="t" anchorCtr="0"/>
-          <a:lstStyle/>
-          <a:p>
-            <a:pPr algn="ctr"/>
-            <a:r>
-              <a:rPr lang="en-US" dirty="0">
-                <a:latin typeface="Palatino Linotype" panose="02040502050505030304" pitchFamily="18" charset="0"/>
-              </a:rPr>
-              <a:t>Arts</a:t>
-            </a:r>
-            <a:endParaRPr lang="en-US" dirty="0"/>
+        <p:txBody>
+          <a:bodyPr wrap="square" rtlCol="0">
+            <a:spAutoFit/>
+          </a:bodyPr>
+          <a:lstStyle/>
+          <a:p>
+            <a:r>
+              <a:rPr lang="en-US" sz="1400" dirty="0">
+                <a:solidFill>
+                  <a:schemeClr val="tx1">
+                    <a:lumMod val="65000"/>
+                    <a:lumOff val="35000"/>
+                  </a:schemeClr>
+                </a:solidFill>
+                <a:latin typeface="+mj-lt"/>
+                <a:ea typeface="Verdana" panose="020B0604030504040204" pitchFamily="34" charset="0"/>
+              </a:rPr>
+              <a:t>Source: Tunstall, L, et al. (2022). </a:t>
+            </a:r>
+            <a:r>
+              <a:rPr lang="en-US" sz="1400" i="1" dirty="0">
+                <a:solidFill>
+                  <a:schemeClr val="tx1">
+                    <a:lumMod val="65000"/>
+                    <a:lumOff val="35000"/>
+                  </a:schemeClr>
+                </a:solidFill>
+                <a:latin typeface="+mj-lt"/>
+                <a:ea typeface="Verdana" panose="020B0604030504040204" pitchFamily="34" charset="0"/>
+              </a:rPr>
+              <a:t>Natural Language Processing with Transformers. </a:t>
+            </a:r>
+            <a:r>
+              <a:rPr lang="en-US" sz="1400" dirty="0">
+                <a:solidFill>
+                  <a:schemeClr val="tx1">
+                    <a:lumMod val="65000"/>
+                    <a:lumOff val="35000"/>
+                  </a:schemeClr>
+                </a:solidFill>
+                <a:latin typeface="+mj-lt"/>
+                <a:ea typeface="Verdana" panose="020B0604030504040204" pitchFamily="34" charset="0"/>
+              </a:rPr>
+              <a:t>Sebastopol, CA</a:t>
+            </a:r>
+            <a:r>
+              <a:rPr lang="en-US" sz="1400" b="0" i="0" dirty="0">
+                <a:solidFill>
+                  <a:schemeClr val="tx1">
+                    <a:lumMod val="65000"/>
+                    <a:lumOff val="35000"/>
+                  </a:schemeClr>
+                </a:solidFill>
+                <a:effectLst/>
+                <a:latin typeface="+mj-lt"/>
+                <a:ea typeface="Verdana" panose="020B0604030504040204" pitchFamily="34" charset="0"/>
+              </a:rPr>
+              <a:t>, </a:t>
+            </a:r>
+            <a:r>
+              <a:rPr lang="en-US" sz="1400" dirty="0">
+                <a:solidFill>
+                  <a:schemeClr val="tx1">
+                    <a:lumMod val="65000"/>
+                    <a:lumOff val="35000"/>
+                  </a:schemeClr>
+                </a:solidFill>
+                <a:latin typeface="+mj-lt"/>
+                <a:ea typeface="Verdana" panose="020B0604030504040204" pitchFamily="34" charset="0"/>
+              </a:rPr>
+              <a:t>O’Reilly Media</a:t>
+            </a:r>
+            <a:r>
+              <a:rPr lang="en-US" sz="1400" b="0" i="0" dirty="0">
+                <a:solidFill>
+                  <a:schemeClr val="tx1">
+                    <a:lumMod val="65000"/>
+                    <a:lumOff val="35000"/>
+                  </a:schemeClr>
+                </a:solidFill>
+                <a:effectLst/>
+                <a:latin typeface="+mj-lt"/>
+                <a:ea typeface="Verdana" panose="020B0604030504040204" pitchFamily="34" charset="0"/>
+              </a:rPr>
+              <a:t> Publishing. (Chapter 1)</a:t>
+            </a:r>
+            <a:endParaRPr lang="en-US" sz="1400" dirty="0">
+              <a:solidFill>
+                <a:schemeClr val="tx1">
+                  <a:lumMod val="65000"/>
+                  <a:lumOff val="35000"/>
+                </a:schemeClr>
+              </a:solidFill>
+              <a:latin typeface="+mj-lt"/>
+              <a:ea typeface="Verdana" panose="020B0604030504040204" pitchFamily="34" charset="0"/>
+            </a:endParaRPr>
           </a:p>
         </p:txBody>
       </p:sp>
       <p:pic>
         <p:nvPicPr>
-          <p:cNvPr id="9" name="Picture 8">
-            <a:extLst>
-              <a:ext uri="{FF2B5EF4-FFF2-40B4-BE49-F238E27FC236}">
-                <a16:creationId xmlns:a16="http://schemas.microsoft.com/office/drawing/2014/main" id="{8DB4ACC3-5C6B-48C3-9E6F-6597E7F0A699}"/>
+          <p:cNvPr id="2" name="Picture 2" descr="transfer-learning">
+            <a:extLst>
+              <a:ext uri="{FF2B5EF4-FFF2-40B4-BE49-F238E27FC236}">
+                <a16:creationId xmlns:a16="http://schemas.microsoft.com/office/drawing/2014/main" id="{094F8C17-0FCC-481A-8989-4D898E50FC43}"/>
               </a:ext>
             </a:extLst>
           </p:cNvPr>
@@ -8658,8 +8433,8 @@
         </p:blipFill>
         <p:spPr bwMode="auto">
           <a:xfrm>
-            <a:off x="2677079" y="1595519"/>
-            <a:ext cx="1425520" cy="1425520"/>
+            <a:off x="2701548" y="775670"/>
+            <a:ext cx="6788903" cy="5306659"/>
           </a:xfrm>
           <a:prstGeom prst="rect">
             <a:avLst/>
@@ -8676,443 +8451,10 @@
           </a:extLst>
         </p:spPr>
       </p:pic>
-      <p:pic>
-        <p:nvPicPr>
-          <p:cNvPr id="10" name="Picture 9">
-            <a:extLst>
-              <a:ext uri="{FF2B5EF4-FFF2-40B4-BE49-F238E27FC236}">
-                <a16:creationId xmlns:a16="http://schemas.microsoft.com/office/drawing/2014/main" id="{24986740-2A28-445B-81F4-FC8861FDBCD6}"/>
-              </a:ext>
-            </a:extLst>
-          </p:cNvPr>
-          <p:cNvPicPr>
-            <a:picLocks noChangeAspect="1" noChangeArrowheads="1"/>
-          </p:cNvPicPr>
-          <p:nvPr/>
-        </p:nvPicPr>
-        <p:blipFill>
-          <a:blip r:embed="rId3">
-            <a:extLst>
-              <a:ext uri="{28A0092B-C50C-407E-A947-70E740481C1C}">
-                <a14:useLocalDpi xmlns:a14="http://schemas.microsoft.com/office/drawing/2010/main" val="0"/>
-              </a:ext>
-            </a:extLst>
-          </a:blip>
-          <a:srcRect/>
-          <a:stretch>
-            <a:fillRect/>
-          </a:stretch>
-        </p:blipFill>
-        <p:spPr bwMode="auto">
-          <a:xfrm>
-            <a:off x="5026577" y="1595519"/>
-            <a:ext cx="1425520" cy="1425520"/>
-          </a:xfrm>
-          <a:prstGeom prst="rect">
-            <a:avLst/>
-          </a:prstGeom>
-          <a:noFill/>
-          <a:extLst>
-            <a:ext uri="{909E8E84-426E-40DD-AFC4-6F175D3DCCD1}">
-              <a14:hiddenFill xmlns:a14="http://schemas.microsoft.com/office/drawing/2010/main">
-                <a:solidFill>
-                  <a:srgbClr val="FFFFFF"/>
-                </a:solidFill>
-              </a14:hiddenFill>
-            </a:ext>
-          </a:extLst>
-        </p:spPr>
-      </p:pic>
-      <p:pic>
-        <p:nvPicPr>
-          <p:cNvPr id="11" name="Picture 10">
-            <a:extLst>
-              <a:ext uri="{FF2B5EF4-FFF2-40B4-BE49-F238E27FC236}">
-                <a16:creationId xmlns:a16="http://schemas.microsoft.com/office/drawing/2014/main" id="{6F1CD01B-0E7E-439A-BA33-3579F3093431}"/>
-              </a:ext>
-            </a:extLst>
-          </p:cNvPr>
-          <p:cNvPicPr>
-            <a:picLocks noChangeAspect="1" noChangeArrowheads="1"/>
-          </p:cNvPicPr>
-          <p:nvPr/>
-        </p:nvPicPr>
-        <p:blipFill>
-          <a:blip r:embed="rId3">
-            <a:extLst>
-              <a:ext uri="{28A0092B-C50C-407E-A947-70E740481C1C}">
-                <a14:useLocalDpi xmlns:a14="http://schemas.microsoft.com/office/drawing/2010/main" val="0"/>
-              </a:ext>
-            </a:extLst>
-          </a:blip>
-          <a:srcRect/>
-          <a:stretch>
-            <a:fillRect/>
-          </a:stretch>
-        </p:blipFill>
-        <p:spPr bwMode="auto">
-          <a:xfrm>
-            <a:off x="7406771" y="4304852"/>
-            <a:ext cx="1425520" cy="1425520"/>
-          </a:xfrm>
-          <a:prstGeom prst="rect">
-            <a:avLst/>
-          </a:prstGeom>
-          <a:noFill/>
-          <a:extLst>
-            <a:ext uri="{909E8E84-426E-40DD-AFC4-6F175D3DCCD1}">
-              <a14:hiddenFill xmlns:a14="http://schemas.microsoft.com/office/drawing/2010/main">
-                <a:solidFill>
-                  <a:srgbClr val="FFFFFF"/>
-                </a:solidFill>
-              </a14:hiddenFill>
-            </a:ext>
-          </a:extLst>
-        </p:spPr>
-      </p:pic>
-      <p:sp>
-        <p:nvSpPr>
-          <p:cNvPr id="12" name="Rectangle 11">
-            <a:extLst>
-              <a:ext uri="{FF2B5EF4-FFF2-40B4-BE49-F238E27FC236}">
-                <a16:creationId xmlns:a16="http://schemas.microsoft.com/office/drawing/2014/main" id="{8F83821C-3A0E-4A25-A9C8-69146CE3B874}"/>
-              </a:ext>
-            </a:extLst>
-          </p:cNvPr>
-          <p:cNvSpPr/>
-          <p:nvPr/>
-        </p:nvSpPr>
-        <p:spPr>
-          <a:xfrm>
-            <a:off x="2492373" y="3866150"/>
-            <a:ext cx="1757895" cy="2085920"/>
-          </a:xfrm>
-          <a:prstGeom prst="rect">
-            <a:avLst/>
-          </a:prstGeom>
-          <a:ln>
-            <a:solidFill>
-              <a:schemeClr val="tx1">
-                <a:lumMod val="65000"/>
-                <a:lumOff val="35000"/>
-              </a:schemeClr>
-            </a:solidFill>
-          </a:ln>
-          <a:effectLst>
-            <a:outerShdw blurRad="50800" dist="38100" dir="2700000" algn="tl" rotWithShape="0">
-              <a:prstClr val="black">
-                <a:alpha val="40000"/>
-              </a:prstClr>
-            </a:outerShdw>
-          </a:effectLst>
-        </p:spPr>
-        <p:style>
-          <a:lnRef idx="2">
-            <a:schemeClr val="accent1"/>
-          </a:lnRef>
-          <a:fillRef idx="1">
-            <a:schemeClr val="lt1"/>
-          </a:fillRef>
-          <a:effectRef idx="0">
-            <a:schemeClr val="accent1"/>
-          </a:effectRef>
-          <a:fontRef idx="minor">
-            <a:schemeClr val="dk1"/>
-          </a:fontRef>
-        </p:style>
-        <p:txBody>
-          <a:bodyPr tIns="45720" rtlCol="0" anchor="t" anchorCtr="0"/>
-          <a:lstStyle/>
-          <a:p>
-            <a:pPr algn="ctr"/>
-            <a:r>
-              <a:rPr lang="en-US" dirty="0">
-                <a:latin typeface="Palatino Linotype" panose="02040502050505030304" pitchFamily="18" charset="0"/>
-              </a:rPr>
-              <a:t>Social Science</a:t>
-            </a:r>
-            <a:r>
-              <a:rPr lang="en-US" sz="1600" dirty="0">
-                <a:latin typeface="Palatino Linotype" panose="02040502050505030304" pitchFamily="18" charset="0"/>
-              </a:rPr>
-              <a:t>s</a:t>
-            </a:r>
-            <a:endParaRPr lang="en-US" sz="1600" dirty="0"/>
-          </a:p>
-        </p:txBody>
-      </p:sp>
-      <p:pic>
-        <p:nvPicPr>
-          <p:cNvPr id="13" name="Picture 12">
-            <a:extLst>
-              <a:ext uri="{FF2B5EF4-FFF2-40B4-BE49-F238E27FC236}">
-                <a16:creationId xmlns:a16="http://schemas.microsoft.com/office/drawing/2014/main" id="{BBE66A66-2349-4578-8EB8-F39712D08A04}"/>
-              </a:ext>
-            </a:extLst>
-          </p:cNvPr>
-          <p:cNvPicPr>
-            <a:picLocks noChangeAspect="1" noChangeArrowheads="1"/>
-          </p:cNvPicPr>
-          <p:nvPr/>
-        </p:nvPicPr>
-        <p:blipFill>
-          <a:blip r:embed="rId3">
-            <a:extLst>
-              <a:ext uri="{28A0092B-C50C-407E-A947-70E740481C1C}">
-                <a14:useLocalDpi xmlns:a14="http://schemas.microsoft.com/office/drawing/2010/main" val="0"/>
-              </a:ext>
-            </a:extLst>
-          </a:blip>
-          <a:srcRect/>
-          <a:stretch>
-            <a:fillRect/>
-          </a:stretch>
-        </p:blipFill>
-        <p:spPr bwMode="auto">
-          <a:xfrm>
-            <a:off x="2643213" y="4304852"/>
-            <a:ext cx="1425520" cy="1425520"/>
-          </a:xfrm>
-          <a:prstGeom prst="rect">
-            <a:avLst/>
-          </a:prstGeom>
-          <a:noFill/>
-          <a:extLst>
-            <a:ext uri="{909E8E84-426E-40DD-AFC4-6F175D3DCCD1}">
-              <a14:hiddenFill xmlns:a14="http://schemas.microsoft.com/office/drawing/2010/main">
-                <a:solidFill>
-                  <a:srgbClr val="FFFFFF"/>
-                </a:solidFill>
-              </a14:hiddenFill>
-            </a:ext>
-          </a:extLst>
-        </p:spPr>
-      </p:pic>
-      <p:sp>
-        <p:nvSpPr>
-          <p:cNvPr id="14" name="Rectangle 13">
-            <a:extLst>
-              <a:ext uri="{FF2B5EF4-FFF2-40B4-BE49-F238E27FC236}">
-                <a16:creationId xmlns:a16="http://schemas.microsoft.com/office/drawing/2014/main" id="{4294EF1F-50C2-4C3B-80DC-74C7D03E62F6}"/>
-              </a:ext>
-            </a:extLst>
-          </p:cNvPr>
-          <p:cNvSpPr/>
-          <p:nvPr/>
-        </p:nvSpPr>
-        <p:spPr>
-          <a:xfrm>
-            <a:off x="4875738" y="3866150"/>
-            <a:ext cx="1757894" cy="2085920"/>
-          </a:xfrm>
-          <a:prstGeom prst="rect">
-            <a:avLst/>
-          </a:prstGeom>
-          <a:ln>
-            <a:solidFill>
-              <a:schemeClr val="tx1">
-                <a:lumMod val="65000"/>
-                <a:lumOff val="35000"/>
-              </a:schemeClr>
-            </a:solidFill>
-          </a:ln>
-          <a:effectLst>
-            <a:outerShdw blurRad="50800" dist="38100" dir="2700000" algn="tl" rotWithShape="0">
-              <a:prstClr val="black">
-                <a:alpha val="40000"/>
-              </a:prstClr>
-            </a:outerShdw>
-          </a:effectLst>
-        </p:spPr>
-        <p:style>
-          <a:lnRef idx="2">
-            <a:schemeClr val="accent1"/>
-          </a:lnRef>
-          <a:fillRef idx="1">
-            <a:schemeClr val="lt1"/>
-          </a:fillRef>
-          <a:effectRef idx="0">
-            <a:schemeClr val="accent1"/>
-          </a:effectRef>
-          <a:fontRef idx="minor">
-            <a:schemeClr val="dk1"/>
-          </a:fontRef>
-        </p:style>
-        <p:txBody>
-          <a:bodyPr tIns="45720" rtlCol="0" anchor="t" anchorCtr="0"/>
-          <a:lstStyle/>
-          <a:p>
-            <a:pPr algn="ctr"/>
-            <a:r>
-              <a:rPr lang="en-US" dirty="0">
-                <a:latin typeface="Palatino Linotype" panose="02040502050505030304" pitchFamily="18" charset="0"/>
-              </a:rPr>
-              <a:t>Business</a:t>
-            </a:r>
-            <a:endParaRPr lang="en-US" dirty="0"/>
-          </a:p>
-        </p:txBody>
-      </p:sp>
-      <p:pic>
-        <p:nvPicPr>
-          <p:cNvPr id="15" name="Picture 14">
-            <a:extLst>
-              <a:ext uri="{FF2B5EF4-FFF2-40B4-BE49-F238E27FC236}">
-                <a16:creationId xmlns:a16="http://schemas.microsoft.com/office/drawing/2014/main" id="{40B28C5E-07FE-4B53-A695-01C5B0C73D98}"/>
-              </a:ext>
-            </a:extLst>
-          </p:cNvPr>
-          <p:cNvPicPr>
-            <a:picLocks noChangeAspect="1" noChangeArrowheads="1"/>
-          </p:cNvPicPr>
-          <p:nvPr/>
-        </p:nvPicPr>
-        <p:blipFill>
-          <a:blip r:embed="rId3">
-            <a:extLst>
-              <a:ext uri="{28A0092B-C50C-407E-A947-70E740481C1C}">
-                <a14:useLocalDpi xmlns:a14="http://schemas.microsoft.com/office/drawing/2010/main" val="0"/>
-              </a:ext>
-            </a:extLst>
-          </a:blip>
-          <a:srcRect/>
-          <a:stretch>
-            <a:fillRect/>
-          </a:stretch>
-        </p:blipFill>
-        <p:spPr bwMode="auto">
-          <a:xfrm>
-            <a:off x="5026577" y="4304852"/>
-            <a:ext cx="1425520" cy="1425520"/>
-          </a:xfrm>
-          <a:prstGeom prst="rect">
-            <a:avLst/>
-          </a:prstGeom>
-          <a:noFill/>
-          <a:extLst>
-            <a:ext uri="{909E8E84-426E-40DD-AFC4-6F175D3DCCD1}">
-              <a14:hiddenFill xmlns:a14="http://schemas.microsoft.com/office/drawing/2010/main">
-                <a:solidFill>
-                  <a:srgbClr val="FFFFFF"/>
-                </a:solidFill>
-              </a14:hiddenFill>
-            </a:ext>
-          </a:extLst>
-        </p:spPr>
-      </p:pic>
-      <p:sp>
-        <p:nvSpPr>
-          <p:cNvPr id="16" name="Rectangle 15">
-            <a:extLst>
-              <a:ext uri="{FF2B5EF4-FFF2-40B4-BE49-F238E27FC236}">
-                <a16:creationId xmlns:a16="http://schemas.microsoft.com/office/drawing/2014/main" id="{D641EAC9-1F0C-490E-A240-22DFF4823135}"/>
-              </a:ext>
-            </a:extLst>
-          </p:cNvPr>
-          <p:cNvSpPr/>
-          <p:nvPr/>
-        </p:nvSpPr>
-        <p:spPr>
-          <a:xfrm>
-            <a:off x="7255932" y="1156817"/>
-            <a:ext cx="1757894" cy="2085920"/>
-          </a:xfrm>
-          <a:prstGeom prst="rect">
-            <a:avLst/>
-          </a:prstGeom>
-          <a:ln>
-            <a:solidFill>
-              <a:schemeClr val="tx1">
-                <a:lumMod val="65000"/>
-                <a:lumOff val="35000"/>
-              </a:schemeClr>
-            </a:solidFill>
-          </a:ln>
-          <a:effectLst>
-            <a:outerShdw blurRad="50800" dist="38100" dir="2700000" algn="tl" rotWithShape="0">
-              <a:prstClr val="black">
-                <a:alpha val="40000"/>
-              </a:prstClr>
-            </a:outerShdw>
-          </a:effectLst>
-        </p:spPr>
-        <p:style>
-          <a:lnRef idx="2">
-            <a:schemeClr val="accent1"/>
-          </a:lnRef>
-          <a:fillRef idx="1">
-            <a:schemeClr val="lt1"/>
-          </a:fillRef>
-          <a:effectRef idx="0">
-            <a:schemeClr val="accent1"/>
-          </a:effectRef>
-          <a:fontRef idx="minor">
-            <a:schemeClr val="dk1"/>
-          </a:fontRef>
-        </p:style>
-        <p:txBody>
-          <a:bodyPr tIns="45720" rtlCol="0" anchor="t" anchorCtr="0"/>
-          <a:lstStyle/>
-          <a:p>
-            <a:pPr algn="ctr"/>
-            <a:r>
-              <a:rPr lang="en-US" dirty="0"/>
-              <a:t>Science</a:t>
-            </a:r>
-          </a:p>
-        </p:txBody>
-      </p:sp>
-      <p:pic>
-        <p:nvPicPr>
-          <p:cNvPr id="17" name="Picture 16">
-            <a:extLst>
-              <a:ext uri="{FF2B5EF4-FFF2-40B4-BE49-F238E27FC236}">
-                <a16:creationId xmlns:a16="http://schemas.microsoft.com/office/drawing/2014/main" id="{6EFEC261-AEA9-4A98-87FB-402D0942F04D}"/>
-              </a:ext>
-            </a:extLst>
-          </p:cNvPr>
-          <p:cNvPicPr>
-            <a:picLocks noChangeAspect="1" noChangeArrowheads="1"/>
-          </p:cNvPicPr>
-          <p:nvPr/>
-        </p:nvPicPr>
-        <p:blipFill>
-          <a:blip r:embed="rId3">
-            <a:extLst>
-              <a:ext uri="{28A0092B-C50C-407E-A947-70E740481C1C}">
-                <a14:useLocalDpi xmlns:a14="http://schemas.microsoft.com/office/drawing/2010/main" val="0"/>
-              </a:ext>
-            </a:extLst>
-          </a:blip>
-          <a:srcRect/>
-          <a:stretch>
-            <a:fillRect/>
-          </a:stretch>
-        </p:blipFill>
-        <p:spPr bwMode="auto">
-          <a:xfrm>
-            <a:off x="7406771" y="1595519"/>
-            <a:ext cx="1425520" cy="1425520"/>
-          </a:xfrm>
-          <a:prstGeom prst="rect">
-            <a:avLst/>
-          </a:prstGeom>
-          <a:noFill/>
-          <a:extLst>
-            <a:ext uri="{909E8E84-426E-40DD-AFC4-6F175D3DCCD1}">
-              <a14:hiddenFill xmlns:a14="http://schemas.microsoft.com/office/drawing/2010/main">
-                <a:solidFill>
-                  <a:srgbClr val="FFFFFF"/>
-                </a:solidFill>
-              </a14:hiddenFill>
-            </a:ext>
-          </a:extLst>
-        </p:spPr>
-      </p:pic>
     </p:spTree>
     <p:extLst>
       <p:ext uri="{BB962C8B-B14F-4D97-AF65-F5344CB8AC3E}">
-        <p14:creationId xmlns:p14="http://schemas.microsoft.com/office/powerpoint/2010/main" val="3167454443"/>
+        <p14:creationId xmlns:p14="http://schemas.microsoft.com/office/powerpoint/2010/main" val="769489448"/>
       </p:ext>
     </p:extLst>
   </p:cSld>
@@ -9153,35 +8495,10 @@
       </p:grpSpPr>
       <p:sp>
         <p:nvSpPr>
-          <p:cNvPr id="4" name="Title 3">
-            <a:extLst>
-              <a:ext uri="{FF2B5EF4-FFF2-40B4-BE49-F238E27FC236}">
-                <a16:creationId xmlns:a16="http://schemas.microsoft.com/office/drawing/2014/main" id="{E094B437-B60B-42B9-A85A-EB6CDDA02B57}"/>
-              </a:ext>
-            </a:extLst>
-          </p:cNvPr>
-          <p:cNvSpPr>
-            <a:spLocks noGrp="1"/>
-          </p:cNvSpPr>
-          <p:nvPr>
-            <p:ph type="title"/>
-          </p:nvPr>
-        </p:nvSpPr>
-        <p:spPr/>
-        <p:txBody>
-          <a:bodyPr/>
-          <a:lstStyle/>
-          <a:p>
-            <a:endParaRPr lang="en-US"/>
-          </a:p>
-        </p:txBody>
-      </p:sp>
-      <p:sp>
-        <p:nvSpPr>
-          <p:cNvPr id="8" name="TextBox 7">
-            <a:extLst>
-              <a:ext uri="{FF2B5EF4-FFF2-40B4-BE49-F238E27FC236}">
-                <a16:creationId xmlns:a16="http://schemas.microsoft.com/office/drawing/2014/main" id="{76D5AA6B-79E3-4711-B807-D3A12B3E8377}"/>
+          <p:cNvPr id="5" name="TextBox 4">
+            <a:extLst>
+              <a:ext uri="{FF2B5EF4-FFF2-40B4-BE49-F238E27FC236}">
+                <a16:creationId xmlns:a16="http://schemas.microsoft.com/office/drawing/2014/main" id="{704F704F-30F7-40EA-AC96-87B3164ABC63}"/>
               </a:ext>
             </a:extLst>
           </p:cNvPr>
@@ -9190,8 +8507,8 @@
         </p:nvSpPr>
         <p:spPr>
           <a:xfrm>
-            <a:off x="0" y="3101454"/>
-            <a:ext cx="12192000" cy="1877437"/>
+            <a:off x="0" y="6550223"/>
+            <a:ext cx="12192000" cy="307777"/>
           </a:xfrm>
           <a:prstGeom prst="rect">
             <a:avLst/>
@@ -9199,75 +8516,142 @@
           <a:noFill/>
         </p:spPr>
         <p:txBody>
-          <a:bodyPr wrap="square">
+          <a:bodyPr wrap="square" rtlCol="0">
             <a:spAutoFit/>
           </a:bodyPr>
           <a:lstStyle/>
           <a:p>
-            <a:pPr algn="ctr"/>
-            <a:r>
-              <a:rPr lang="en-US" sz="3200" b="0" i="1" u="none" strike="noStrike" baseline="0" dirty="0">
-                <a:solidFill>
-                  <a:schemeClr val="tx1">
-                    <a:lumMod val="75000"/>
-                    <a:lumOff val="25000"/>
-                  </a:schemeClr>
-                </a:solidFill>
-                <a:latin typeface="PalatinoLinotype-Italic"/>
-              </a:rPr>
-              <a:t>Situation where what has been learned in one setting is exploited to improve generalization in another setting</a:t>
-            </a:r>
-          </a:p>
-          <a:p>
-            <a:pPr algn="ctr"/>
-            <a:endParaRPr lang="en-US" sz="3200" b="0" i="1" u="none" strike="noStrike" baseline="0" dirty="0">
+            <a:r>
+              <a:rPr lang="en-US" sz="1400" dirty="0">
+                <a:solidFill>
+                  <a:schemeClr val="tx1">
+                    <a:lumMod val="65000"/>
+                    <a:lumOff val="35000"/>
+                  </a:schemeClr>
+                </a:solidFill>
+                <a:latin typeface="+mj-lt"/>
+                <a:ea typeface="Verdana" panose="020B0604030504040204" pitchFamily="34" charset="0"/>
+              </a:rPr>
+              <a:t>Source: Sarkar, D, et al. (2018). </a:t>
+            </a:r>
+            <a:r>
+              <a:rPr lang="en-US" sz="1400" i="1" dirty="0">
+                <a:solidFill>
+                  <a:schemeClr val="tx1">
+                    <a:lumMod val="65000"/>
+                    <a:lumOff val="35000"/>
+                  </a:schemeClr>
+                </a:solidFill>
+                <a:latin typeface="+mj-lt"/>
+                <a:ea typeface="Verdana" panose="020B0604030504040204" pitchFamily="34" charset="0"/>
+              </a:rPr>
+              <a:t>Hands-on transfer learning with Python. </a:t>
+            </a:r>
+            <a:r>
+              <a:rPr lang="en-US" sz="1400" b="0" i="0" dirty="0">
+                <a:solidFill>
+                  <a:schemeClr val="tx1">
+                    <a:lumMod val="65000"/>
+                    <a:lumOff val="35000"/>
+                  </a:schemeClr>
+                </a:solidFill>
+                <a:effectLst/>
+                <a:latin typeface="+mj-lt"/>
+                <a:ea typeface="Verdana" panose="020B0604030504040204" pitchFamily="34" charset="0"/>
+              </a:rPr>
+              <a:t>Birmingham, UK: Packt Publishing. (Chapter </a:t>
+            </a:r>
+            <a:r>
+              <a:rPr lang="en-US" sz="1400" dirty="0">
+                <a:solidFill>
+                  <a:schemeClr val="tx1">
+                    <a:lumMod val="65000"/>
+                    <a:lumOff val="35000"/>
+                  </a:schemeClr>
+                </a:solidFill>
+                <a:latin typeface="+mj-lt"/>
+                <a:ea typeface="Verdana" panose="020B0604030504040204" pitchFamily="34" charset="0"/>
+              </a:rPr>
+              <a:t>4</a:t>
+            </a:r>
+            <a:r>
+              <a:rPr lang="en-US" sz="1400" b="0" i="0" dirty="0">
+                <a:solidFill>
+                  <a:schemeClr val="tx1">
+                    <a:lumMod val="65000"/>
+                    <a:lumOff val="35000"/>
+                  </a:schemeClr>
+                </a:solidFill>
+                <a:effectLst/>
+                <a:latin typeface="+mj-lt"/>
+                <a:ea typeface="Verdana" panose="020B0604030504040204" pitchFamily="34" charset="0"/>
+              </a:rPr>
+              <a:t>)</a:t>
+            </a:r>
+            <a:endParaRPr lang="en-US" sz="1400" dirty="0">
               <a:solidFill>
                 <a:schemeClr val="tx1">
-                  <a:lumMod val="75000"/>
-                  <a:lumOff val="25000"/>
+                  <a:lumMod val="65000"/>
+                  <a:lumOff val="35000"/>
                 </a:schemeClr>
               </a:solidFill>
-              <a:latin typeface="PalatinoLinotype-Italic"/>
+              <a:latin typeface="+mj-lt"/>
+              <a:ea typeface="Verdana" panose="020B0604030504040204" pitchFamily="34" charset="0"/>
             </a:endParaRPr>
           </a:p>
-          <a:p>
-            <a:pPr algn="r"/>
-            <a:r>
-              <a:rPr lang="en-US" sz="2000" i="1" dirty="0">
-                <a:solidFill>
-                  <a:schemeClr val="tx2">
-                    <a:lumMod val="75000"/>
-                  </a:schemeClr>
-                </a:solidFill>
-                <a:latin typeface="PalatinoLinotype-Italic"/>
-              </a:rPr>
-              <a:t>Deep Learning (</a:t>
-            </a:r>
-            <a:r>
-              <a:rPr lang="en-US" sz="2000" dirty="0">
-                <a:solidFill>
-                  <a:schemeClr val="tx2">
-                    <a:lumMod val="75000"/>
-                  </a:schemeClr>
-                </a:solidFill>
-                <a:latin typeface="PalatinoLinotype-Italic"/>
-              </a:rPr>
-              <a:t>Ian Goodfellow, et al)</a:t>
-            </a:r>
-            <a:endParaRPr lang="en-US" sz="2000" dirty="0">
-              <a:solidFill>
-                <a:schemeClr val="tx2">
-                  <a:lumMod val="75000"/>
-                </a:schemeClr>
-              </a:solidFill>
-            </a:endParaRPr>
-          </a:p>
-        </p:txBody>
-      </p:sp>
+        </p:txBody>
+      </p:sp>
+      <p:pic>
+        <p:nvPicPr>
+          <p:cNvPr id="2050" name="Picture 2">
+            <a:extLst>
+              <a:ext uri="{FF2B5EF4-FFF2-40B4-BE49-F238E27FC236}">
+                <a16:creationId xmlns:a16="http://schemas.microsoft.com/office/drawing/2014/main" id="{073AE4F5-93EC-453E-94CC-12DA049BADA5}"/>
+              </a:ext>
+            </a:extLst>
+          </p:cNvPr>
+          <p:cNvPicPr>
+            <a:picLocks noChangeAspect="1" noChangeArrowheads="1"/>
+          </p:cNvPicPr>
+          <p:nvPr/>
+        </p:nvPicPr>
+        <p:blipFill>
+          <a:blip r:embed="rId3">
+            <a:extLst>
+              <a:ext uri="{28A0092B-C50C-407E-A947-70E740481C1C}">
+                <a14:useLocalDpi xmlns:a14="http://schemas.microsoft.com/office/drawing/2010/main" val="0"/>
+              </a:ext>
+            </a:extLst>
+          </a:blip>
+          <a:srcRect/>
+          <a:stretch>
+            <a:fillRect/>
+          </a:stretch>
+        </p:blipFill>
+        <p:spPr bwMode="auto">
+          <a:xfrm>
+            <a:off x="2070337" y="1426762"/>
+            <a:ext cx="8051326" cy="4004475"/>
+          </a:xfrm>
+          <a:prstGeom prst="rect">
+            <a:avLst/>
+          </a:prstGeom>
+          <a:noFill/>
+          <a:extLst>
+            <a:ext uri="{909E8E84-426E-40DD-AFC4-6F175D3DCCD1}">
+              <a14:hiddenFill xmlns:a14="http://schemas.microsoft.com/office/drawing/2010/main">
+                <a:solidFill>
+                  <a:srgbClr val="FFFFFF"/>
+                </a:solidFill>
+              </a14:hiddenFill>
+            </a:ext>
+          </a:extLst>
+        </p:spPr>
+      </p:pic>
     </p:spTree>
     <p:extLst>
       <p:ext uri="{BB962C8B-B14F-4D97-AF65-F5344CB8AC3E}">
-        <p14:creationId xmlns:p14="http://schemas.microsoft.com/office/powerpoint/2010/main" val="800490332"/>
+        <p14:creationId xmlns:p14="http://schemas.microsoft.com/office/powerpoint/2010/main" val="2528119101"/>
       </p:ext>
     </p:extLst>
   </p:cSld>
@@ -9308,10 +8692,239 @@
       </p:grpSpPr>
       <p:sp>
         <p:nvSpPr>
-          <p:cNvPr id="5" name="TextBox 4">
-            <a:extLst>
-              <a:ext uri="{FF2B5EF4-FFF2-40B4-BE49-F238E27FC236}">
-                <a16:creationId xmlns:a16="http://schemas.microsoft.com/office/drawing/2014/main" id="{704F704F-30F7-40EA-AC96-87B3164ABC63}"/>
+          <p:cNvPr id="4" name="TextBox 3">
+            <a:extLst>
+              <a:ext uri="{FF2B5EF4-FFF2-40B4-BE49-F238E27FC236}">
+                <a16:creationId xmlns:a16="http://schemas.microsoft.com/office/drawing/2014/main" id="{CB9B36ED-58AA-4A06-8011-351836EA92CD}"/>
+              </a:ext>
+            </a:extLst>
+          </p:cNvPr>
+          <p:cNvSpPr txBox="1"/>
+          <p:nvPr/>
+        </p:nvSpPr>
+        <p:spPr>
+          <a:xfrm>
+            <a:off x="1634833" y="2537907"/>
+            <a:ext cx="10557165" cy="584775"/>
+          </a:xfrm>
+          <a:prstGeom prst="rect">
+            <a:avLst/>
+          </a:prstGeom>
+          <a:noFill/>
+        </p:spPr>
+        <p:txBody>
+          <a:bodyPr wrap="square">
+            <a:spAutoFit/>
+          </a:bodyPr>
+          <a:lstStyle/>
+          <a:p>
+            <a:pPr marL="457200" indent="-457200">
+              <a:buFont typeface="Courier New" panose="02070309020205020404" pitchFamily="49" charset="0"/>
+              <a:buChar char="o"/>
+            </a:pPr>
+            <a:r>
+              <a:rPr lang="en-US" sz="3200" b="0" i="0" u="none" strike="noStrike" baseline="0" dirty="0">
+                <a:solidFill>
+                  <a:schemeClr val="tx1">
+                    <a:lumMod val="65000"/>
+                    <a:lumOff val="35000"/>
+                  </a:schemeClr>
+                </a:solidFill>
+                <a:latin typeface="Palatino Linotype" panose="02040502050505030304" pitchFamily="18" charset="0"/>
+                <a:cs typeface="Courier New" panose="02070309020205020404" pitchFamily="49" charset="0"/>
+              </a:rPr>
+              <a:t>What to Transfer</a:t>
+            </a:r>
+            <a:endParaRPr lang="en-US" sz="3200" dirty="0">
+              <a:solidFill>
+                <a:schemeClr val="tx1">
+                  <a:lumMod val="65000"/>
+                  <a:lumOff val="35000"/>
+                </a:schemeClr>
+              </a:solidFill>
+              <a:latin typeface="Palatino Linotype" panose="02040502050505030304" pitchFamily="18" charset="0"/>
+              <a:cs typeface="Courier New" panose="02070309020205020404" pitchFamily="49" charset="0"/>
+            </a:endParaRPr>
+          </a:p>
+        </p:txBody>
+      </p:sp>
+      <p:sp>
+        <p:nvSpPr>
+          <p:cNvPr id="6" name="TextBox 5">
+            <a:extLst>
+              <a:ext uri="{FF2B5EF4-FFF2-40B4-BE49-F238E27FC236}">
+                <a16:creationId xmlns:a16="http://schemas.microsoft.com/office/drawing/2014/main" id="{2E098920-D23C-41D4-8CCC-91D98B6EC2E2}"/>
+              </a:ext>
+            </a:extLst>
+          </p:cNvPr>
+          <p:cNvSpPr txBox="1"/>
+          <p:nvPr/>
+        </p:nvSpPr>
+        <p:spPr>
+          <a:xfrm>
+            <a:off x="1634834" y="3429000"/>
+            <a:ext cx="10557165" cy="584775"/>
+          </a:xfrm>
+          <a:prstGeom prst="rect">
+            <a:avLst/>
+          </a:prstGeom>
+          <a:noFill/>
+        </p:spPr>
+        <p:txBody>
+          <a:bodyPr wrap="square">
+            <a:spAutoFit/>
+          </a:bodyPr>
+          <a:lstStyle/>
+          <a:p>
+            <a:pPr marL="457200" indent="-457200">
+              <a:buFont typeface="Courier New" panose="02070309020205020404" pitchFamily="49" charset="0"/>
+              <a:buChar char="o"/>
+            </a:pPr>
+            <a:r>
+              <a:rPr lang="en-US" sz="3200" b="0" i="0" u="none" strike="noStrike" baseline="0" dirty="0">
+                <a:solidFill>
+                  <a:schemeClr val="tx1">
+                    <a:lumMod val="65000"/>
+                    <a:lumOff val="35000"/>
+                  </a:schemeClr>
+                </a:solidFill>
+                <a:latin typeface="Palatino Linotype" panose="02040502050505030304" pitchFamily="18" charset="0"/>
+                <a:cs typeface="Courier New" panose="02070309020205020404" pitchFamily="49" charset="0"/>
+              </a:rPr>
+              <a:t>When to Transfer</a:t>
+            </a:r>
+            <a:endParaRPr lang="en-US" sz="3200" dirty="0">
+              <a:solidFill>
+                <a:schemeClr val="tx1">
+                  <a:lumMod val="65000"/>
+                  <a:lumOff val="35000"/>
+                </a:schemeClr>
+              </a:solidFill>
+              <a:latin typeface="Palatino Linotype" panose="02040502050505030304" pitchFamily="18" charset="0"/>
+              <a:cs typeface="Courier New" panose="02070309020205020404" pitchFamily="49" charset="0"/>
+            </a:endParaRPr>
+          </a:p>
+        </p:txBody>
+      </p:sp>
+      <p:sp>
+        <p:nvSpPr>
+          <p:cNvPr id="7" name="Title 1">
+            <a:extLst>
+              <a:ext uri="{FF2B5EF4-FFF2-40B4-BE49-F238E27FC236}">
+                <a16:creationId xmlns:a16="http://schemas.microsoft.com/office/drawing/2014/main" id="{D610C65F-E234-42DB-9E47-9793ADD911CD}"/>
+              </a:ext>
+            </a:extLst>
+          </p:cNvPr>
+          <p:cNvSpPr>
+            <a:spLocks noGrp="1"/>
+          </p:cNvSpPr>
+          <p:nvPr>
+            <p:ph type="title"/>
+          </p:nvPr>
+        </p:nvSpPr>
+        <p:spPr>
+          <a:xfrm>
+            <a:off x="0" y="793808"/>
+            <a:ext cx="12192000" cy="606943"/>
+          </a:xfrm>
+          <a:noFill/>
+        </p:spPr>
+        <p:txBody>
+          <a:bodyPr>
+            <a:noAutofit/>
+          </a:bodyPr>
+          <a:lstStyle/>
+          <a:p>
+            <a:pPr algn="ctr"/>
+            <a:r>
+              <a:rPr lang="en-US" sz="3600" dirty="0">
+                <a:solidFill>
+                  <a:schemeClr val="tx1">
+                    <a:lumMod val="65000"/>
+                    <a:lumOff val="35000"/>
+                  </a:schemeClr>
+                </a:solidFill>
+                <a:latin typeface="Palatino Linotype" panose="02040502050505030304" pitchFamily="18" charset="0"/>
+              </a:rPr>
+              <a:t>Three Key Questions</a:t>
+            </a:r>
+            <a:endParaRPr lang="en-US" sz="3600" dirty="0">
+              <a:solidFill>
+                <a:schemeClr val="tx1">
+                  <a:lumMod val="65000"/>
+                  <a:lumOff val="35000"/>
+                </a:schemeClr>
+              </a:solidFill>
+              <a:latin typeface="Palatino Linotype" panose="02040502050505030304" pitchFamily="18" charset="0"/>
+              <a:cs typeface="Segoe UI Light" panose="020B0502040204020203" pitchFamily="34" charset="0"/>
+            </a:endParaRPr>
+          </a:p>
+        </p:txBody>
+      </p:sp>
+      <p:sp>
+        <p:nvSpPr>
+          <p:cNvPr id="9" name="TextBox 8">
+            <a:extLst>
+              <a:ext uri="{FF2B5EF4-FFF2-40B4-BE49-F238E27FC236}">
+                <a16:creationId xmlns:a16="http://schemas.microsoft.com/office/drawing/2014/main" id="{A2F337B6-D696-4F6B-B41E-CB54DB014BE5}"/>
+              </a:ext>
+            </a:extLst>
+          </p:cNvPr>
+          <p:cNvSpPr txBox="1"/>
+          <p:nvPr/>
+        </p:nvSpPr>
+        <p:spPr>
+          <a:xfrm>
+            <a:off x="1634835" y="4320093"/>
+            <a:ext cx="10557161" cy="584775"/>
+          </a:xfrm>
+          <a:prstGeom prst="rect">
+            <a:avLst/>
+          </a:prstGeom>
+          <a:noFill/>
+        </p:spPr>
+        <p:txBody>
+          <a:bodyPr wrap="square">
+            <a:spAutoFit/>
+          </a:bodyPr>
+          <a:lstStyle/>
+          <a:p>
+            <a:pPr marL="457200" indent="-457200">
+              <a:buFont typeface="Courier New" panose="02070309020205020404" pitchFamily="49" charset="0"/>
+              <a:buChar char="o"/>
+            </a:pPr>
+            <a:r>
+              <a:rPr lang="en-US" sz="3200" b="0" i="0" u="none" strike="noStrike" baseline="0" dirty="0">
+                <a:solidFill>
+                  <a:schemeClr val="tx1">
+                    <a:lumMod val="65000"/>
+                    <a:lumOff val="35000"/>
+                  </a:schemeClr>
+                </a:solidFill>
+                <a:latin typeface="Palatino Linotype" panose="02040502050505030304" pitchFamily="18" charset="0"/>
+                <a:cs typeface="Courier New" panose="02070309020205020404" pitchFamily="49" charset="0"/>
+              </a:rPr>
+              <a:t>How to Transfer</a:t>
+            </a:r>
+            <a:endParaRPr lang="en-US" sz="3200" dirty="0">
+              <a:solidFill>
+                <a:schemeClr val="tx1">
+                  <a:lumMod val="65000"/>
+                  <a:lumOff val="35000"/>
+                </a:schemeClr>
+              </a:solidFill>
+              <a:latin typeface="Palatino Linotype" panose="02040502050505030304" pitchFamily="18" charset="0"/>
+              <a:cs typeface="Courier New" panose="02070309020205020404" pitchFamily="49" charset="0"/>
+            </a:endParaRPr>
+          </a:p>
+        </p:txBody>
+      </p:sp>
+      <p:sp>
+        <p:nvSpPr>
+          <p:cNvPr id="10" name="TextBox 9">
+            <a:extLst>
+              <a:ext uri="{FF2B5EF4-FFF2-40B4-BE49-F238E27FC236}">
+                <a16:creationId xmlns:a16="http://schemas.microsoft.com/office/drawing/2014/main" id="{DBFC6BC1-5193-4195-8903-88E9183E549F}"/>
               </a:ext>
             </a:extLst>
           </p:cNvPr>
@@ -9345,7 +8958,7 @@
                 <a:latin typeface="+mj-lt"/>
                 <a:ea typeface="Verdana" panose="020B0604030504040204" pitchFamily="34" charset="0"/>
               </a:rPr>
-              <a:t>Source: Tunstall, L, et al. (2022). </a:t>
+              <a:t>Source: Sarkar, D, et al. (2018). </a:t>
             </a:r>
             <a:r>
               <a:rPr lang="en-US" sz="1400" i="1" dirty="0">
@@ -9358,20 +8971,7 @@
                 <a:latin typeface="+mj-lt"/>
                 <a:ea typeface="Verdana" panose="020B0604030504040204" pitchFamily="34" charset="0"/>
               </a:rPr>
-              <a:t>Natural Language Processing with Transformers. </a:t>
-            </a:r>
-            <a:r>
-              <a:rPr lang="en-US" sz="1400" dirty="0">
-                <a:solidFill>
-                  <a:schemeClr val="tx1">
-                    <a:lumMod val="65000"/>
-                    <a:lumOff val="35000"/>
-                  </a:schemeClr>
-                </a:solidFill>
-                <a:latin typeface="+mj-lt"/>
-                <a:ea typeface="Verdana" panose="020B0604030504040204" pitchFamily="34" charset="0"/>
-              </a:rPr>
-              <a:t>Sebastopol, CA</a:t>
+              <a:t>Hands-on transfer learning with Python. </a:t>
             </a:r>
             <a:r>
               <a:rPr lang="en-US" sz="1400" b="0" i="0" dirty="0">
@@ -9385,7 +8985,7 @@
                 <a:latin typeface="+mj-lt"/>
                 <a:ea typeface="Verdana" panose="020B0604030504040204" pitchFamily="34" charset="0"/>
               </a:rPr>
-              <a:t>, </a:t>
+              <a:t>Birmingham, UK: Packt Publishing. (Chapter </a:t>
             </a:r>
             <a:r>
               <a:rPr lang="en-US" sz="1400" dirty="0">
@@ -9398,7 +8998,7 @@
                 <a:latin typeface="+mj-lt"/>
                 <a:ea typeface="Verdana" panose="020B0604030504040204" pitchFamily="34" charset="0"/>
               </a:rPr>
-              <a:t>O’Reilly Media</a:t>
+              <a:t>4</a:t>
             </a:r>
             <a:r>
               <a:rPr lang="en-US" sz="1400" b="0" i="0" dirty="0">
@@ -9412,7 +9012,7 @@
                 <a:latin typeface="+mj-lt"/>
                 <a:ea typeface="Verdana" panose="020B0604030504040204" pitchFamily="34" charset="0"/>
               </a:rPr>
-              <a:t> Publishing. (Chapter 1)</a:t>
+              <a:t>)</a:t>
             </a:r>
             <a:endParaRPr lang="en-US" sz="1400" dirty="0">
               <a:solidFill>
@@ -9427,57 +9027,10 @@
           </a:p>
         </p:txBody>
       </p:sp>
-      <p:pic>
-        <p:nvPicPr>
-          <p:cNvPr id="2" name="Picture 2" descr="transfer-learning">
-            <a:extLst>
-              <a:ext uri="{FF2B5EF4-FFF2-40B4-BE49-F238E27FC236}">
-                <a16:creationId xmlns:a16="http://schemas.microsoft.com/office/drawing/2014/main" id="{094F8C17-0FCC-481A-8989-4D898E50FC43}"/>
-              </a:ext>
-            </a:extLst>
-          </p:cNvPr>
-          <p:cNvPicPr>
-            <a:picLocks noChangeAspect="1" noChangeArrowheads="1"/>
-          </p:cNvPicPr>
-          <p:nvPr/>
-        </p:nvPicPr>
-        <p:blipFill>
-          <a:blip r:embed="rId3">
-            <a:extLst>
-              <a:ext uri="{28A0092B-C50C-407E-A947-70E740481C1C}">
-                <a14:useLocalDpi xmlns:a14="http://schemas.microsoft.com/office/drawing/2010/main" val="0"/>
-              </a:ext>
-            </a:extLst>
-          </a:blip>
-          <a:srcRect/>
-          <a:stretch>
-            <a:fillRect/>
-          </a:stretch>
-        </p:blipFill>
-        <p:spPr bwMode="auto">
-          <a:xfrm>
-            <a:off x="2701548" y="775670"/>
-            <a:ext cx="6788903" cy="5306659"/>
-          </a:xfrm>
-          <a:prstGeom prst="rect">
-            <a:avLst/>
-          </a:prstGeom>
-          <a:noFill/>
-          <a:extLst>
-            <a:ext uri="{909E8E84-426E-40DD-AFC4-6F175D3DCCD1}">
-              <a14:hiddenFill xmlns:a14="http://schemas.microsoft.com/office/drawing/2010/main">
-                <a:solidFill>
-                  <a:srgbClr val="FFFFFF"/>
-                </a:solidFill>
-              </a14:hiddenFill>
-            </a:ext>
-          </a:extLst>
-        </p:spPr>
-      </p:pic>
     </p:spTree>
     <p:extLst>
       <p:ext uri="{BB962C8B-B14F-4D97-AF65-F5344CB8AC3E}">
-        <p14:creationId xmlns:p14="http://schemas.microsoft.com/office/powerpoint/2010/main" val="769489448"/>
+        <p14:creationId xmlns:p14="http://schemas.microsoft.com/office/powerpoint/2010/main" val="127928473"/>
       </p:ext>
     </p:extLst>
   </p:cSld>
@@ -9516,12 +9069,84 @@
           <a:chExt cx="0" cy="0"/>
         </a:xfrm>
       </p:grpSpPr>
-      <p:sp>
-        <p:nvSpPr>
-          <p:cNvPr id="5" name="TextBox 4">
-            <a:extLst>
-              <a:ext uri="{FF2B5EF4-FFF2-40B4-BE49-F238E27FC236}">
-                <a16:creationId xmlns:a16="http://schemas.microsoft.com/office/drawing/2014/main" id="{704F704F-30F7-40EA-AC96-87B3164ABC63}"/>
+      <p:pic>
+        <p:nvPicPr>
+          <p:cNvPr id="1026" name="Picture 2" descr="Free Handout Cliparts, Download Free Handout Cliparts png images, Free  ClipArts on Clipart Library">
+            <a:extLst>
+              <a:ext uri="{FF2B5EF4-FFF2-40B4-BE49-F238E27FC236}">
+                <a16:creationId xmlns:a16="http://schemas.microsoft.com/office/drawing/2014/main" id="{0A323838-1EFA-480A-BC24-592F0A511D7F}"/>
+              </a:ext>
+            </a:extLst>
+          </p:cNvPr>
+          <p:cNvPicPr>
+            <a:picLocks noChangeAspect="1" noChangeArrowheads="1"/>
+          </p:cNvPicPr>
+          <p:nvPr/>
+        </p:nvPicPr>
+        <p:blipFill>
+          <a:blip r:embed="rId3">
+            <a:extLst>
+              <a:ext uri="{28A0092B-C50C-407E-A947-70E740481C1C}">
+                <a14:useLocalDpi xmlns:a14="http://schemas.microsoft.com/office/drawing/2010/main" val="0"/>
+              </a:ext>
+            </a:extLst>
+          </a:blip>
+          <a:srcRect/>
+          <a:stretch>
+            <a:fillRect/>
+          </a:stretch>
+        </p:blipFill>
+        <p:spPr bwMode="auto">
+          <a:xfrm>
+            <a:off x="5050482" y="2320750"/>
+            <a:ext cx="2091036" cy="2216499"/>
+          </a:xfrm>
+          <a:prstGeom prst="rect">
+            <a:avLst/>
+          </a:prstGeom>
+          <a:noFill/>
+          <a:extLst>
+            <a:ext uri="{909E8E84-426E-40DD-AFC4-6F175D3DCCD1}">
+              <a14:hiddenFill xmlns:a14="http://schemas.microsoft.com/office/drawing/2010/main">
+                <a:solidFill>
+                  <a:srgbClr val="FFFFFF"/>
+                </a:solidFill>
+              </a14:hiddenFill>
+            </a:ext>
+          </a:extLst>
+        </p:spPr>
+      </p:pic>
+      <p:sp>
+        <p:nvSpPr>
+          <p:cNvPr id="3" name="Title 2">
+            <a:extLst>
+              <a:ext uri="{FF2B5EF4-FFF2-40B4-BE49-F238E27FC236}">
+                <a16:creationId xmlns:a16="http://schemas.microsoft.com/office/drawing/2014/main" id="{3B52C836-8983-4CE6-AEEB-CDAE6D9D98F9}"/>
+              </a:ext>
+            </a:extLst>
+          </p:cNvPr>
+          <p:cNvSpPr>
+            <a:spLocks noGrp="1"/>
+          </p:cNvSpPr>
+          <p:nvPr>
+            <p:ph type="title"/>
+          </p:nvPr>
+        </p:nvSpPr>
+        <p:spPr/>
+        <p:txBody>
+          <a:bodyPr/>
+          <a:lstStyle/>
+          <a:p>
+            <a:endParaRPr lang="en-US"/>
+          </a:p>
+        </p:txBody>
+      </p:sp>
+      <p:sp>
+        <p:nvSpPr>
+          <p:cNvPr id="10" name="TextBox 9">
+            <a:extLst>
+              <a:ext uri="{FF2B5EF4-FFF2-40B4-BE49-F238E27FC236}">
+                <a16:creationId xmlns:a16="http://schemas.microsoft.com/office/drawing/2014/main" id="{2DA7CD13-6187-47B7-95E6-EFE9B4D5085E}"/>
               </a:ext>
             </a:extLst>
           </p:cNvPr>
@@ -9548,74 +9173,32 @@
               <a:rPr lang="en-US" sz="1400" dirty="0">
                 <a:solidFill>
                   <a:schemeClr val="tx1">
-                    <a:lumMod val="65000"/>
-                    <a:lumOff val="35000"/>
+                    <a:lumMod val="75000"/>
+                    <a:lumOff val="25000"/>
                   </a:schemeClr>
                 </a:solidFill>
                 <a:latin typeface="+mj-lt"/>
                 <a:ea typeface="Verdana" panose="020B0604030504040204" pitchFamily="34" charset="0"/>
               </a:rPr>
-              <a:t>Source: Sarkar, D, et al. (2018). </a:t>
-            </a:r>
-            <a:r>
-              <a:rPr lang="en-US" sz="1400" i="1" dirty="0">
-                <a:solidFill>
-                  <a:schemeClr val="tx1">
-                    <a:lumMod val="65000"/>
-                    <a:lumOff val="35000"/>
+              <a:t>Image Credit: </a:t>
+            </a:r>
+            <a:r>
+              <a:rPr lang="en-US" sz="1400" dirty="0">
+                <a:solidFill>
+                  <a:schemeClr val="tx1">
+                    <a:lumMod val="75000"/>
+                    <a:lumOff val="25000"/>
                   </a:schemeClr>
                 </a:solidFill>
                 <a:latin typeface="+mj-lt"/>
-                <a:ea typeface="Verdana" panose="020B0604030504040204" pitchFamily="34" charset="0"/>
-              </a:rPr>
-              <a:t>Hands-on transfer learning with Python. </a:t>
-            </a:r>
-            <a:r>
-              <a:rPr lang="en-US" sz="1400" b="0" i="0" dirty="0">
-                <a:solidFill>
-                  <a:schemeClr val="tx1">
-                    <a:lumMod val="65000"/>
-                    <a:lumOff val="35000"/>
-                  </a:schemeClr>
-                </a:solidFill>
-                <a:effectLst/>
-                <a:latin typeface="+mj-lt"/>
-                <a:ea typeface="Verdana" panose="020B0604030504040204" pitchFamily="34" charset="0"/>
-              </a:rPr>
-              <a:t>Birmingham, UK: Packt Publishing. (Chapter </a:t>
-            </a:r>
-            <a:r>
-              <a:rPr lang="en-US" sz="1400" dirty="0">
-                <a:solidFill>
-                  <a:schemeClr val="tx1">
-                    <a:lumMod val="65000"/>
-                    <a:lumOff val="35000"/>
-                  </a:schemeClr>
-                </a:solidFill>
-                <a:latin typeface="+mj-lt"/>
-                <a:ea typeface="Verdana" panose="020B0604030504040204" pitchFamily="34" charset="0"/>
-              </a:rPr>
-              <a:t>4</a:t>
-            </a:r>
-            <a:r>
-              <a:rPr lang="en-US" sz="1400" b="0" i="0" dirty="0">
-                <a:solidFill>
-                  <a:schemeClr val="tx1">
-                    <a:lumMod val="65000"/>
-                    <a:lumOff val="35000"/>
-                  </a:schemeClr>
-                </a:solidFill>
-                <a:effectLst/>
-                <a:latin typeface="+mj-lt"/>
-                <a:ea typeface="Verdana" panose="020B0604030504040204" pitchFamily="34" charset="0"/>
-              </a:rPr>
-              <a:t>)</a:t>
+              </a:rPr>
+              <a:t>http://clipart-library.com/clipart/338971.htm</a:t>
             </a:r>
             <a:endParaRPr lang="en-US" sz="1400" dirty="0">
               <a:solidFill>
                 <a:schemeClr val="tx1">
-                  <a:lumMod val="65000"/>
-                  <a:lumOff val="35000"/>
+                  <a:lumMod val="75000"/>
+                  <a:lumOff val="25000"/>
                 </a:schemeClr>
               </a:solidFill>
               <a:latin typeface="+mj-lt"/>
@@ -9624,57 +9207,10 @@
           </a:p>
         </p:txBody>
       </p:sp>
-      <p:pic>
-        <p:nvPicPr>
-          <p:cNvPr id="2050" name="Picture 2">
-            <a:extLst>
-              <a:ext uri="{FF2B5EF4-FFF2-40B4-BE49-F238E27FC236}">
-                <a16:creationId xmlns:a16="http://schemas.microsoft.com/office/drawing/2014/main" id="{073AE4F5-93EC-453E-94CC-12DA049BADA5}"/>
-              </a:ext>
-            </a:extLst>
-          </p:cNvPr>
-          <p:cNvPicPr>
-            <a:picLocks noChangeAspect="1" noChangeArrowheads="1"/>
-          </p:cNvPicPr>
-          <p:nvPr/>
-        </p:nvPicPr>
-        <p:blipFill>
-          <a:blip r:embed="rId3">
-            <a:extLst>
-              <a:ext uri="{28A0092B-C50C-407E-A947-70E740481C1C}">
-                <a14:useLocalDpi xmlns:a14="http://schemas.microsoft.com/office/drawing/2010/main" val="0"/>
-              </a:ext>
-            </a:extLst>
-          </a:blip>
-          <a:srcRect/>
-          <a:stretch>
-            <a:fillRect/>
-          </a:stretch>
-        </p:blipFill>
-        <p:spPr bwMode="auto">
-          <a:xfrm>
-            <a:off x="2070337" y="1426762"/>
-            <a:ext cx="8051326" cy="4004475"/>
-          </a:xfrm>
-          <a:prstGeom prst="rect">
-            <a:avLst/>
-          </a:prstGeom>
-          <a:noFill/>
-          <a:extLst>
-            <a:ext uri="{909E8E84-426E-40DD-AFC4-6F175D3DCCD1}">
-              <a14:hiddenFill xmlns:a14="http://schemas.microsoft.com/office/drawing/2010/main">
-                <a:solidFill>
-                  <a:srgbClr val="FFFFFF"/>
-                </a:solidFill>
-              </a14:hiddenFill>
-            </a:ext>
-          </a:extLst>
-        </p:spPr>
-      </p:pic>
     </p:spTree>
     <p:extLst>
       <p:ext uri="{BB962C8B-B14F-4D97-AF65-F5344CB8AC3E}">
-        <p14:creationId xmlns:p14="http://schemas.microsoft.com/office/powerpoint/2010/main" val="2528119101"/>
+        <p14:creationId xmlns:p14="http://schemas.microsoft.com/office/powerpoint/2010/main" val="3269649486"/>
       </p:ext>
     </p:extLst>
   </p:cSld>
@@ -9713,241 +9249,59 @@
           <a:chExt cx="0" cy="0"/>
         </a:xfrm>
       </p:grpSpPr>
-      <p:sp>
-        <p:nvSpPr>
-          <p:cNvPr id="4" name="TextBox 3">
-            <a:extLst>
-              <a:ext uri="{FF2B5EF4-FFF2-40B4-BE49-F238E27FC236}">
-                <a16:creationId xmlns:a16="http://schemas.microsoft.com/office/drawing/2014/main" id="{CB9B36ED-58AA-4A06-8011-351836EA92CD}"/>
-              </a:ext>
-            </a:extLst>
-          </p:cNvPr>
-          <p:cNvSpPr txBox="1"/>
+      <p:pic>
+        <p:nvPicPr>
+          <p:cNvPr id="2" name="Picture 2">
+            <a:extLst>
+              <a:ext uri="{FF2B5EF4-FFF2-40B4-BE49-F238E27FC236}">
+                <a16:creationId xmlns:a16="http://schemas.microsoft.com/office/drawing/2014/main" id="{CEA5A84A-F112-4B70-BD2A-41852EA823DF}"/>
+              </a:ext>
+            </a:extLst>
+          </p:cNvPr>
+          <p:cNvPicPr>
+            <a:picLocks noChangeAspect="1" noChangeArrowheads="1"/>
+          </p:cNvPicPr>
           <p:nvPr/>
-        </p:nvSpPr>
-        <p:spPr>
+        </p:nvPicPr>
+        <p:blipFill>
+          <a:blip r:embed="rId3">
+            <a:extLst>
+              <a:ext uri="{28A0092B-C50C-407E-A947-70E740481C1C}">
+                <a14:useLocalDpi xmlns:a14="http://schemas.microsoft.com/office/drawing/2010/main" val="0"/>
+              </a:ext>
+            </a:extLst>
+          </a:blip>
+          <a:srcRect/>
+          <a:stretch>
+            <a:fillRect/>
+          </a:stretch>
+        </p:blipFill>
+        <p:spPr bwMode="auto">
           <a:xfrm>
-            <a:off x="1634833" y="2537907"/>
-            <a:ext cx="10557165" cy="584775"/>
+            <a:off x="156254" y="821080"/>
+            <a:ext cx="11879491" cy="5215839"/>
           </a:xfrm>
           <a:prstGeom prst="rect">
             <a:avLst/>
           </a:prstGeom>
           <a:noFill/>
+          <a:extLst>
+            <a:ext uri="{909E8E84-426E-40DD-AFC4-6F175D3DCCD1}">
+              <a14:hiddenFill xmlns:a14="http://schemas.microsoft.com/office/drawing/2010/main">
+                <a:solidFill>
+                  <a:srgbClr val="FFFFFF"/>
+                </a:solidFill>
+              </a14:hiddenFill>
+            </a:ext>
+          </a:extLst>
         </p:spPr>
-        <p:txBody>
-          <a:bodyPr wrap="square">
-            <a:spAutoFit/>
-          </a:bodyPr>
-          <a:lstStyle/>
-          <a:p>
-            <a:pPr marL="457200" indent="-457200">
-              <a:buFont typeface="Courier New" panose="02070309020205020404" pitchFamily="49" charset="0"/>
-              <a:buChar char="o"/>
-            </a:pPr>
-            <a:r>
-              <a:rPr lang="en-US" sz="3200" b="0" i="0" u="none" strike="noStrike" baseline="0" dirty="0">
-                <a:solidFill>
-                  <a:schemeClr val="tx1">
-                    <a:lumMod val="65000"/>
-                    <a:lumOff val="35000"/>
-                  </a:schemeClr>
-                </a:solidFill>
-                <a:latin typeface="Palatino Linotype" panose="02040502050505030304" pitchFamily="18" charset="0"/>
-                <a:cs typeface="Courier New" panose="02070309020205020404" pitchFamily="49" charset="0"/>
-              </a:rPr>
-              <a:t>What to Transfer</a:t>
-            </a:r>
-            <a:endParaRPr lang="en-US" sz="3200" dirty="0">
-              <a:solidFill>
-                <a:schemeClr val="tx1">
-                  <a:lumMod val="65000"/>
-                  <a:lumOff val="35000"/>
-                </a:schemeClr>
-              </a:solidFill>
-              <a:latin typeface="Palatino Linotype" panose="02040502050505030304" pitchFamily="18" charset="0"/>
-              <a:cs typeface="Courier New" panose="02070309020205020404" pitchFamily="49" charset="0"/>
-            </a:endParaRPr>
-          </a:p>
-        </p:txBody>
-      </p:sp>
+      </p:pic>
       <p:sp>
         <p:nvSpPr>
           <p:cNvPr id="6" name="TextBox 5">
             <a:extLst>
               <a:ext uri="{FF2B5EF4-FFF2-40B4-BE49-F238E27FC236}">
-                <a16:creationId xmlns:a16="http://schemas.microsoft.com/office/drawing/2014/main" id="{2E098920-D23C-41D4-8CCC-91D98B6EC2E2}"/>
-              </a:ext>
-            </a:extLst>
-          </p:cNvPr>
-          <p:cNvSpPr txBox="1"/>
-          <p:nvPr/>
-        </p:nvSpPr>
-        <p:spPr>
-          <a:xfrm>
-            <a:off x="1634834" y="3429000"/>
-            <a:ext cx="10557165" cy="584775"/>
-          </a:xfrm>
-          <a:prstGeom prst="rect">
-            <a:avLst/>
-          </a:prstGeom>
-          <a:noFill/>
-        </p:spPr>
-        <p:txBody>
-          <a:bodyPr wrap="square">
-            <a:spAutoFit/>
-          </a:bodyPr>
-          <a:lstStyle/>
-          <a:p>
-            <a:pPr marL="457200" indent="-457200">
-              <a:buFont typeface="Courier New" panose="02070309020205020404" pitchFamily="49" charset="0"/>
-              <a:buChar char="o"/>
-            </a:pPr>
-            <a:r>
-              <a:rPr lang="en-US" sz="3200" b="0" i="0" u="none" strike="noStrike" baseline="0" dirty="0">
-                <a:solidFill>
-                  <a:schemeClr val="tx1">
-                    <a:lumMod val="65000"/>
-                    <a:lumOff val="35000"/>
-                  </a:schemeClr>
-                </a:solidFill>
-                <a:latin typeface="Palatino Linotype" panose="02040502050505030304" pitchFamily="18" charset="0"/>
-                <a:cs typeface="Courier New" panose="02070309020205020404" pitchFamily="49" charset="0"/>
-              </a:rPr>
-              <a:t>When to Transfer</a:t>
-            </a:r>
-            <a:endParaRPr lang="en-US" sz="3200" dirty="0">
-              <a:solidFill>
-                <a:schemeClr val="tx1">
-                  <a:lumMod val="65000"/>
-                  <a:lumOff val="35000"/>
-                </a:schemeClr>
-              </a:solidFill>
-              <a:latin typeface="Palatino Linotype" panose="02040502050505030304" pitchFamily="18" charset="0"/>
-              <a:cs typeface="Courier New" panose="02070309020205020404" pitchFamily="49" charset="0"/>
-            </a:endParaRPr>
-          </a:p>
-        </p:txBody>
-      </p:sp>
-      <p:sp>
-        <p:nvSpPr>
-          <p:cNvPr id="7" name="Title 1">
-            <a:extLst>
-              <a:ext uri="{FF2B5EF4-FFF2-40B4-BE49-F238E27FC236}">
-                <a16:creationId xmlns:a16="http://schemas.microsoft.com/office/drawing/2014/main" id="{D610C65F-E234-42DB-9E47-9793ADD911CD}"/>
-              </a:ext>
-            </a:extLst>
-          </p:cNvPr>
-          <p:cNvSpPr>
-            <a:spLocks noGrp="1"/>
-          </p:cNvSpPr>
-          <p:nvPr>
-            <p:ph type="title"/>
-          </p:nvPr>
-        </p:nvSpPr>
-        <p:spPr>
-          <a:xfrm>
-            <a:off x="0" y="793808"/>
-            <a:ext cx="12192000" cy="606943"/>
-          </a:xfrm>
-          <a:noFill/>
-        </p:spPr>
-        <p:txBody>
-          <a:bodyPr>
-            <a:noAutofit/>
-          </a:bodyPr>
-          <a:lstStyle/>
-          <a:p>
-            <a:pPr algn="ctr"/>
-            <a:r>
-              <a:rPr lang="en-US" sz="3600" dirty="0">
-                <a:solidFill>
-                  <a:schemeClr val="tx1">
-                    <a:lumMod val="65000"/>
-                    <a:lumOff val="35000"/>
-                  </a:schemeClr>
-                </a:solidFill>
-                <a:latin typeface="Palatino Linotype" panose="02040502050505030304" pitchFamily="18" charset="0"/>
-              </a:rPr>
-              <a:t>Three Key Questions</a:t>
-            </a:r>
-            <a:endParaRPr lang="en-US" sz="3600" dirty="0">
-              <a:solidFill>
-                <a:schemeClr val="tx1">
-                  <a:lumMod val="65000"/>
-                  <a:lumOff val="35000"/>
-                </a:schemeClr>
-              </a:solidFill>
-              <a:latin typeface="Palatino Linotype" panose="02040502050505030304" pitchFamily="18" charset="0"/>
-              <a:cs typeface="Segoe UI Light" panose="020B0502040204020203" pitchFamily="34" charset="0"/>
-            </a:endParaRPr>
-          </a:p>
-        </p:txBody>
-      </p:sp>
-      <p:sp>
-        <p:nvSpPr>
-          <p:cNvPr id="9" name="TextBox 8">
-            <a:extLst>
-              <a:ext uri="{FF2B5EF4-FFF2-40B4-BE49-F238E27FC236}">
-                <a16:creationId xmlns:a16="http://schemas.microsoft.com/office/drawing/2014/main" id="{A2F337B6-D696-4F6B-B41E-CB54DB014BE5}"/>
-              </a:ext>
-            </a:extLst>
-          </p:cNvPr>
-          <p:cNvSpPr txBox="1"/>
-          <p:nvPr/>
-        </p:nvSpPr>
-        <p:spPr>
-          <a:xfrm>
-            <a:off x="1634835" y="4320093"/>
-            <a:ext cx="10557161" cy="584775"/>
-          </a:xfrm>
-          <a:prstGeom prst="rect">
-            <a:avLst/>
-          </a:prstGeom>
-          <a:noFill/>
-        </p:spPr>
-        <p:txBody>
-          <a:bodyPr wrap="square">
-            <a:spAutoFit/>
-          </a:bodyPr>
-          <a:lstStyle/>
-          <a:p>
-            <a:pPr marL="457200" indent="-457200">
-              <a:buFont typeface="Courier New" panose="02070309020205020404" pitchFamily="49" charset="0"/>
-              <a:buChar char="o"/>
-            </a:pPr>
-            <a:r>
-              <a:rPr lang="en-US" sz="3200" b="0" i="0" u="none" strike="noStrike" baseline="0" dirty="0">
-                <a:solidFill>
-                  <a:schemeClr val="tx1">
-                    <a:lumMod val="65000"/>
-                    <a:lumOff val="35000"/>
-                  </a:schemeClr>
-                </a:solidFill>
-                <a:latin typeface="Palatino Linotype" panose="02040502050505030304" pitchFamily="18" charset="0"/>
-                <a:cs typeface="Courier New" panose="02070309020205020404" pitchFamily="49" charset="0"/>
-              </a:rPr>
-              <a:t>How to Transfer</a:t>
-            </a:r>
-            <a:endParaRPr lang="en-US" sz="3200" dirty="0">
-              <a:solidFill>
-                <a:schemeClr val="tx1">
-                  <a:lumMod val="65000"/>
-                  <a:lumOff val="35000"/>
-                </a:schemeClr>
-              </a:solidFill>
-              <a:latin typeface="Palatino Linotype" panose="02040502050505030304" pitchFamily="18" charset="0"/>
-              <a:cs typeface="Courier New" panose="02070309020205020404" pitchFamily="49" charset="0"/>
-            </a:endParaRPr>
-          </a:p>
-        </p:txBody>
-      </p:sp>
-      <p:sp>
-        <p:nvSpPr>
-          <p:cNvPr id="10" name="TextBox 9">
-            <a:extLst>
-              <a:ext uri="{FF2B5EF4-FFF2-40B4-BE49-F238E27FC236}">
-                <a16:creationId xmlns:a16="http://schemas.microsoft.com/office/drawing/2014/main" id="{DBFC6BC1-5193-4195-8903-88E9183E549F}"/>
+                <a16:creationId xmlns:a16="http://schemas.microsoft.com/office/drawing/2014/main" id="{783A9AB1-B8FB-45A1-B255-EE1A72F8EAA7}"/>
               </a:ext>
             </a:extLst>
           </p:cNvPr>
@@ -10053,7 +9407,7 @@
     </p:spTree>
     <p:extLst>
       <p:ext uri="{BB962C8B-B14F-4D97-AF65-F5344CB8AC3E}">
-        <p14:creationId xmlns:p14="http://schemas.microsoft.com/office/powerpoint/2010/main" val="127928473"/>
+        <p14:creationId xmlns:p14="http://schemas.microsoft.com/office/powerpoint/2010/main" val="3331354025"/>
       </p:ext>
     </p:extLst>
   </p:cSld>
@@ -10094,10 +9448,10 @@
       </p:grpSpPr>
       <p:pic>
         <p:nvPicPr>
-          <p:cNvPr id="1026" name="Picture 2" descr="Free Handout Cliparts, Download Free Handout Cliparts png images, Free  ClipArts on Clipart Library">
-            <a:extLst>
-              <a:ext uri="{FF2B5EF4-FFF2-40B4-BE49-F238E27FC236}">
-                <a16:creationId xmlns:a16="http://schemas.microsoft.com/office/drawing/2014/main" id="{0A323838-1EFA-480A-BC24-592F0A511D7F}"/>
+          <p:cNvPr id="1026" name="Picture 2" descr="Project Jupyter - Wikipedia">
+            <a:extLst>
+              <a:ext uri="{FF2B5EF4-FFF2-40B4-BE49-F238E27FC236}">
+                <a16:creationId xmlns:a16="http://schemas.microsoft.com/office/drawing/2014/main" id="{2E199D10-634D-4257-BA3C-C6BFAF6D0A76}"/>
               </a:ext>
             </a:extLst>
           </p:cNvPr>
@@ -10121,8 +9475,8 @@
         </p:blipFill>
         <p:spPr bwMode="auto">
           <a:xfrm>
-            <a:off x="5050482" y="2320750"/>
-            <a:ext cx="2091036" cy="2216499"/>
+            <a:off x="4581999" y="1674108"/>
+            <a:ext cx="3028001" cy="3509783"/>
           </a:xfrm>
           <a:prstGeom prst="rect">
             <a:avLst/>
@@ -10139,101 +9493,10 @@
           </a:extLst>
         </p:spPr>
       </p:pic>
-      <p:sp>
-        <p:nvSpPr>
-          <p:cNvPr id="3" name="Title 2">
-            <a:extLst>
-              <a:ext uri="{FF2B5EF4-FFF2-40B4-BE49-F238E27FC236}">
-                <a16:creationId xmlns:a16="http://schemas.microsoft.com/office/drawing/2014/main" id="{3B52C836-8983-4CE6-AEEB-CDAE6D9D98F9}"/>
-              </a:ext>
-            </a:extLst>
-          </p:cNvPr>
-          <p:cNvSpPr>
-            <a:spLocks noGrp="1"/>
-          </p:cNvSpPr>
-          <p:nvPr>
-            <p:ph type="title"/>
-          </p:nvPr>
-        </p:nvSpPr>
-        <p:spPr/>
-        <p:txBody>
-          <a:bodyPr/>
-          <a:lstStyle/>
-          <a:p>
-            <a:endParaRPr lang="en-US"/>
-          </a:p>
-        </p:txBody>
-      </p:sp>
-      <p:sp>
-        <p:nvSpPr>
-          <p:cNvPr id="10" name="TextBox 9">
-            <a:extLst>
-              <a:ext uri="{FF2B5EF4-FFF2-40B4-BE49-F238E27FC236}">
-                <a16:creationId xmlns:a16="http://schemas.microsoft.com/office/drawing/2014/main" id="{2DA7CD13-6187-47B7-95E6-EFE9B4D5085E}"/>
-              </a:ext>
-            </a:extLst>
-          </p:cNvPr>
-          <p:cNvSpPr txBox="1"/>
-          <p:nvPr/>
-        </p:nvSpPr>
-        <p:spPr>
-          <a:xfrm>
-            <a:off x="0" y="6550223"/>
-            <a:ext cx="12192000" cy="307777"/>
-          </a:xfrm>
-          <a:prstGeom prst="rect">
-            <a:avLst/>
-          </a:prstGeom>
-          <a:noFill/>
-        </p:spPr>
-        <p:txBody>
-          <a:bodyPr wrap="square" rtlCol="0">
-            <a:spAutoFit/>
-          </a:bodyPr>
-          <a:lstStyle/>
-          <a:p>
-            <a:r>
-              <a:rPr lang="en-US" sz="1400" dirty="0">
-                <a:solidFill>
-                  <a:schemeClr val="tx1">
-                    <a:lumMod val="75000"/>
-                    <a:lumOff val="25000"/>
-                  </a:schemeClr>
-                </a:solidFill>
-                <a:latin typeface="+mj-lt"/>
-                <a:ea typeface="Verdana" panose="020B0604030504040204" pitchFamily="34" charset="0"/>
-              </a:rPr>
-              <a:t>Image Credit: </a:t>
-            </a:r>
-            <a:r>
-              <a:rPr lang="en-US" sz="1400" dirty="0">
-                <a:solidFill>
-                  <a:schemeClr val="tx1">
-                    <a:lumMod val="75000"/>
-                    <a:lumOff val="25000"/>
-                  </a:schemeClr>
-                </a:solidFill>
-                <a:latin typeface="+mj-lt"/>
-              </a:rPr>
-              <a:t>http://clipart-library.com/clipart/338971.htm</a:t>
-            </a:r>
-            <a:endParaRPr lang="en-US" sz="1400" dirty="0">
-              <a:solidFill>
-                <a:schemeClr val="tx1">
-                  <a:lumMod val="75000"/>
-                  <a:lumOff val="25000"/>
-                </a:schemeClr>
-              </a:solidFill>
-              <a:latin typeface="+mj-lt"/>
-              <a:ea typeface="Verdana" panose="020B0604030504040204" pitchFamily="34" charset="0"/>
-            </a:endParaRPr>
-          </a:p>
-        </p:txBody>
-      </p:sp>
     </p:spTree>
     <p:extLst>
       <p:ext uri="{BB962C8B-B14F-4D97-AF65-F5344CB8AC3E}">
-        <p14:creationId xmlns:p14="http://schemas.microsoft.com/office/powerpoint/2010/main" val="3269649486"/>
+        <p14:creationId xmlns:p14="http://schemas.microsoft.com/office/powerpoint/2010/main" val="2383651979"/>
       </p:ext>
     </p:extLst>
   </p:cSld>
@@ -10274,57 +9537,40 @@
       </p:grpSpPr>
       <p:pic>
         <p:nvPicPr>
-          <p:cNvPr id="2" name="Picture 2">
-            <a:extLst>
-              <a:ext uri="{FF2B5EF4-FFF2-40B4-BE49-F238E27FC236}">
-                <a16:creationId xmlns:a16="http://schemas.microsoft.com/office/drawing/2014/main" id="{CEA5A84A-F112-4B70-BD2A-41852EA823DF}"/>
+          <p:cNvPr id="3" name="Picture 2">
+            <a:extLst>
+              <a:ext uri="{FF2B5EF4-FFF2-40B4-BE49-F238E27FC236}">
+                <a16:creationId xmlns:a16="http://schemas.microsoft.com/office/drawing/2014/main" id="{88CC7D4C-7D31-4E3C-92F7-200A7C7F587F}"/>
               </a:ext>
             </a:extLst>
           </p:cNvPr>
           <p:cNvPicPr>
-            <a:picLocks noChangeAspect="1" noChangeArrowheads="1"/>
+            <a:picLocks noChangeAspect="1"/>
           </p:cNvPicPr>
           <p:nvPr/>
         </p:nvPicPr>
         <p:blipFill>
-          <a:blip r:embed="rId3">
-            <a:extLst>
-              <a:ext uri="{28A0092B-C50C-407E-A947-70E740481C1C}">
-                <a14:useLocalDpi xmlns:a14="http://schemas.microsoft.com/office/drawing/2010/main" val="0"/>
-              </a:ext>
-            </a:extLst>
-          </a:blip>
-          <a:srcRect/>
+          <a:blip r:embed="rId3"/>
           <a:stretch>
             <a:fillRect/>
           </a:stretch>
         </p:blipFill>
-        <p:spPr bwMode="auto">
+        <p:spPr>
           <a:xfrm>
-            <a:off x="156254" y="821080"/>
-            <a:ext cx="11879491" cy="5215839"/>
+            <a:off x="0" y="365760"/>
+            <a:ext cx="3233668" cy="805144"/>
           </a:xfrm>
           <a:prstGeom prst="rect">
             <a:avLst/>
           </a:prstGeom>
-          <a:noFill/>
-          <a:extLst>
-            <a:ext uri="{909E8E84-426E-40DD-AFC4-6F175D3DCCD1}">
-              <a14:hiddenFill xmlns:a14="http://schemas.microsoft.com/office/drawing/2010/main">
-                <a:solidFill>
-                  <a:srgbClr val="FFFFFF"/>
-                </a:solidFill>
-              </a14:hiddenFill>
-            </a:ext>
-          </a:extLst>
         </p:spPr>
       </p:pic>
       <p:sp>
         <p:nvSpPr>
-          <p:cNvPr id="6" name="TextBox 5">
-            <a:extLst>
-              <a:ext uri="{FF2B5EF4-FFF2-40B4-BE49-F238E27FC236}">
-                <a16:creationId xmlns:a16="http://schemas.microsoft.com/office/drawing/2014/main" id="{783A9AB1-B8FB-45A1-B255-EE1A72F8EAA7}"/>
+          <p:cNvPr id="4" name="TextBox 3">
+            <a:extLst>
+              <a:ext uri="{FF2B5EF4-FFF2-40B4-BE49-F238E27FC236}">
+                <a16:creationId xmlns:a16="http://schemas.microsoft.com/office/drawing/2014/main" id="{E5B866A1-DCAF-4E6B-BCCB-0CE14529234E}"/>
               </a:ext>
             </a:extLst>
           </p:cNvPr>
@@ -10333,8 +9579,8 @@
         </p:nvSpPr>
         <p:spPr>
           <a:xfrm>
-            <a:off x="0" y="6550223"/>
-            <a:ext cx="12192000" cy="307777"/>
+            <a:off x="0" y="3291840"/>
+            <a:ext cx="12192000" cy="1200329"/>
           </a:xfrm>
           <a:prstGeom prst="rect">
             <a:avLst/>
@@ -10347,90 +9593,42 @@
           </a:bodyPr>
           <a:lstStyle/>
           <a:p>
-            <a:r>
-              <a:rPr lang="en-US" sz="1400" dirty="0">
+            <a:pPr algn="ctr"/>
+            <a:r>
+              <a:rPr lang="en-US" sz="3600" dirty="0">
                 <a:solidFill>
                   <a:schemeClr val="tx1">
                     <a:lumMod val="65000"/>
                     <a:lumOff val="35000"/>
                   </a:schemeClr>
                 </a:solidFill>
-                <a:latin typeface="+mj-lt"/>
-                <a:ea typeface="Verdana" panose="020B0604030504040204" pitchFamily="34" charset="0"/>
-              </a:rPr>
-              <a:t>Source: Sarkar, D, et al. (2018). </a:t>
-            </a:r>
-            <a:r>
-              <a:rPr lang="en-US" sz="1400" i="1" dirty="0">
+                <a:latin typeface="Palatino Linotype" panose="02040502050505030304" pitchFamily="18" charset="0"/>
+              </a:rPr>
+              <a:t>Transfer Learning Introduction</a:t>
+            </a:r>
+          </a:p>
+          <a:p>
+            <a:pPr algn="ctr"/>
+            <a:r>
+              <a:rPr lang="en-US" sz="3600" dirty="0">
                 <a:solidFill>
                   <a:schemeClr val="tx1">
                     <a:lumMod val="65000"/>
                     <a:lumOff val="35000"/>
                   </a:schemeClr>
                 </a:solidFill>
-                <a:latin typeface="+mj-lt"/>
-                <a:ea typeface="Verdana" panose="020B0604030504040204" pitchFamily="34" charset="0"/>
-              </a:rPr>
-              <a:t>Hands-on transfer learning with Python. </a:t>
-            </a:r>
-            <a:r>
-              <a:rPr lang="en-US" sz="1400" b="0" i="0" dirty="0">
-                <a:solidFill>
-                  <a:schemeClr val="tx1">
-                    <a:lumMod val="65000"/>
-                    <a:lumOff val="35000"/>
-                  </a:schemeClr>
-                </a:solidFill>
-                <a:effectLst/>
-                <a:latin typeface="+mj-lt"/>
-                <a:ea typeface="Verdana" panose="020B0604030504040204" pitchFamily="34" charset="0"/>
-              </a:rPr>
-              <a:t>Birmingham, UK: Packt Publishing. (Chapter </a:t>
-            </a:r>
-            <a:r>
-              <a:rPr lang="en-US" sz="1400" dirty="0">
-                <a:solidFill>
-                  <a:schemeClr val="tx1">
-                    <a:lumMod val="65000"/>
-                    <a:lumOff val="35000"/>
-                  </a:schemeClr>
-                </a:solidFill>
-                <a:latin typeface="+mj-lt"/>
-                <a:ea typeface="Verdana" panose="020B0604030504040204" pitchFamily="34" charset="0"/>
-              </a:rPr>
-              <a:t>4</a:t>
-            </a:r>
-            <a:r>
-              <a:rPr lang="en-US" sz="1400" b="0" i="0" dirty="0">
-                <a:solidFill>
-                  <a:schemeClr val="tx1">
-                    <a:lumMod val="65000"/>
-                    <a:lumOff val="35000"/>
-                  </a:schemeClr>
-                </a:solidFill>
-                <a:effectLst/>
-                <a:latin typeface="+mj-lt"/>
-                <a:ea typeface="Verdana" panose="020B0604030504040204" pitchFamily="34" charset="0"/>
-              </a:rPr>
-              <a:t>)</a:t>
-            </a:r>
-            <a:endParaRPr lang="en-US" sz="1400" dirty="0">
-              <a:solidFill>
-                <a:schemeClr val="tx1">
-                  <a:lumMod val="65000"/>
-                  <a:lumOff val="35000"/>
-                </a:schemeClr>
-              </a:solidFill>
-              <a:latin typeface="+mj-lt"/>
-              <a:ea typeface="Verdana" panose="020B0604030504040204" pitchFamily="34" charset="0"/>
-            </a:endParaRPr>
+                <a:latin typeface="Palatino Linotype" panose="02040502050505030304" pitchFamily="18" charset="0"/>
+              </a:rPr>
+              <a:t>01.1_transfer.ipynb</a:t>
+            </a:r>
+            <a:endParaRPr lang="en-US" sz="3600" dirty="0"/>
           </a:p>
         </p:txBody>
       </p:sp>
     </p:spTree>
     <p:extLst>
       <p:ext uri="{BB962C8B-B14F-4D97-AF65-F5344CB8AC3E}">
-        <p14:creationId xmlns:p14="http://schemas.microsoft.com/office/powerpoint/2010/main" val="3331354025"/>
+        <p14:creationId xmlns:p14="http://schemas.microsoft.com/office/powerpoint/2010/main" val="2261991877"/>
       </p:ext>
     </p:extLst>
   </p:cSld>
